--- a/Phase 1 - Presentation.pptx
+++ b/Phase 1 - Presentation.pptx
@@ -5,23 +5,20 @@
     <p:sldMasterId id="2147483648" r:id="rId4"/>
   </p:sldMasterIdLst>
   <p:notesMasterIdLst>
-    <p:notesMasterId r:id="rId16"/>
+    <p:notesMasterId r:id="rId13"/>
   </p:notesMasterIdLst>
   <p:handoutMasterIdLst>
-    <p:handoutMasterId r:id="rId17"/>
+    <p:handoutMasterId r:id="rId14"/>
   </p:handoutMasterIdLst>
   <p:sldIdLst>
     <p:sldId id="2448" r:id="rId5"/>
     <p:sldId id="2462" r:id="rId6"/>
     <p:sldId id="259" r:id="rId7"/>
-    <p:sldId id="2457" r:id="rId8"/>
-    <p:sldId id="2451" r:id="rId9"/>
-    <p:sldId id="2453" r:id="rId10"/>
-    <p:sldId id="2463" r:id="rId11"/>
-    <p:sldId id="262" r:id="rId12"/>
-    <p:sldId id="2454" r:id="rId13"/>
-    <p:sldId id="2456" r:id="rId14"/>
-    <p:sldId id="2436" r:id="rId15"/>
+    <p:sldId id="2451" r:id="rId8"/>
+    <p:sldId id="2457" r:id="rId9"/>
+    <p:sldId id="2456" r:id="rId10"/>
+    <p:sldId id="2453" r:id="rId11"/>
+    <p:sldId id="2436" r:id="rId12"/>
   </p:sldIdLst>
   <p:sldSz cx="12192000" cy="6858000"/>
   <p:notesSz cx="6858000" cy="9144000"/>
@@ -241,7 +238,7 @@
           <a:p>
             <a:fld id="{966D5B4E-BF3E-3B45-A4BA-D6C3B92870D7}" type="datetimeFigureOut">
               <a:rPr lang="en-US" smtClean="0"/>
-              <a:t>2/2/2024</a:t>
+              <a:t>2/5/2024</a:t>
             </a:fld>
             <a:endParaRPr lang="en-US" dirty="0"/>
           </a:p>
@@ -418,7 +415,7 @@
           <a:p>
             <a:fld id="{F5A8621B-8C8E-49BA-8772-41D0FE75A082}" type="datetimeFigureOut">
               <a:rPr lang="en-US" smtClean="0"/>
-              <a:t>2/2/2024</a:t>
+              <a:t>2/5/2024</a:t>
             </a:fld>
             <a:endParaRPr lang="en-US" dirty="0"/>
           </a:p>
@@ -834,7 +831,7 @@
           <a:p>
             <a:fld id="{228B34ED-4CDD-41C9-90F7-D768D5559A6F}" type="slidenum">
               <a:rPr lang="en-US" smtClean="0"/>
-              <a:t>10</a:t>
+              <a:t>6</a:t>
             </a:fld>
             <a:endParaRPr lang="en-US" dirty="0"/>
           </a:p>
@@ -5424,886 +5421,6 @@
 </p:sld>
 </file>
 
-<file path=ppt/slides/slide10.xml><?xml version="1.0" encoding="utf-8"?>
-<p:sld xmlns:a="http://schemas.openxmlformats.org/drawingml/2006/main" xmlns:r="http://schemas.openxmlformats.org/officeDocument/2006/relationships" xmlns:p="http://schemas.openxmlformats.org/presentationml/2006/main">
-  <p:cSld>
-    <p:spTree>
-      <p:nvGrpSpPr>
-        <p:cNvPr id="1" name=""/>
-        <p:cNvGrpSpPr/>
-        <p:nvPr/>
-      </p:nvGrpSpPr>
-      <p:grpSpPr>
-        <a:xfrm>
-          <a:off x="0" y="0"/>
-          <a:ext cx="0" cy="0"/>
-          <a:chOff x="0" y="0"/>
-          <a:chExt cx="0" cy="0"/>
-        </a:xfrm>
-      </p:grpSpPr>
-      <p:sp>
-        <p:nvSpPr>
-          <p:cNvPr id="2" name="Title 1">
-            <a:extLst>
-              <a:ext uri="{FF2B5EF4-FFF2-40B4-BE49-F238E27FC236}">
-                <a16:creationId xmlns:a16="http://schemas.microsoft.com/office/drawing/2014/main" id="{12CC3376-5069-4C7B-BE6B-A3776D1B47BA}"/>
-              </a:ext>
-            </a:extLst>
-          </p:cNvPr>
-          <p:cNvSpPr>
-            <a:spLocks noGrp="1"/>
-          </p:cNvSpPr>
-          <p:nvPr>
-            <p:ph type="title"/>
-          </p:nvPr>
-        </p:nvSpPr>
-        <p:spPr/>
-        <p:txBody>
-          <a:bodyPr/>
-          <a:lstStyle/>
-          <a:p>
-            <a:r>
-              <a:rPr lang="en-US" dirty="0"/>
-              <a:t>SUMMARY</a:t>
-            </a:r>
-          </a:p>
-        </p:txBody>
-      </p:sp>
-      <p:pic>
-        <p:nvPicPr>
-          <p:cNvPr id="6" name="Picture Placeholder 5" descr="person staring at blueprints on a brick wall">
-            <a:extLst>
-              <a:ext uri="{FF2B5EF4-FFF2-40B4-BE49-F238E27FC236}">
-                <a16:creationId xmlns:a16="http://schemas.microsoft.com/office/drawing/2014/main" id="{C07C315A-7CD1-432C-92FA-6B62159B56CA}"/>
-              </a:ext>
-            </a:extLst>
-          </p:cNvPr>
-          <p:cNvPicPr>
-            <a:picLocks noGrp="1" noChangeAspect="1"/>
-          </p:cNvPicPr>
-          <p:nvPr>
-            <p:ph type="pic" sz="quarter" idx="14"/>
-          </p:nvPr>
-        </p:nvPicPr>
-        <p:blipFill rotWithShape="1">
-          <a:blip r:embed="rId3">
-            <a:extLst>
-              <a:ext uri="{BEBA8EAE-BF5A-486C-A8C5-ECC9F3942E4B}">
-                <a14:imgProps xmlns:a14="http://schemas.microsoft.com/office/drawing/2010/main">
-                  <a14:imgLayer r:embed="rId4">
-                    <a14:imgEffect>
-                      <a14:saturation sat="0"/>
-                    </a14:imgEffect>
-                  </a14:imgLayer>
-                </a14:imgProps>
-              </a:ext>
-            </a:extLst>
-          </a:blip>
-          <a:srcRect l="23552" t="1" r="23880" b="327"/>
-          <a:stretch/>
-        </p:blipFill>
-        <p:spPr>
-          <a:xfrm>
-            <a:off x="0" y="0"/>
-            <a:ext cx="5416550" cy="6858000"/>
-          </a:xfrm>
-        </p:spPr>
-      </p:pic>
-      <p:sp>
-        <p:nvSpPr>
-          <p:cNvPr id="14" name="Content Placeholder 13">
-            <a:extLst>
-              <a:ext uri="{FF2B5EF4-FFF2-40B4-BE49-F238E27FC236}">
-                <a16:creationId xmlns:a16="http://schemas.microsoft.com/office/drawing/2014/main" id="{79248A72-A597-48DF-A270-3389F5D209C0}"/>
-              </a:ext>
-            </a:extLst>
-          </p:cNvPr>
-          <p:cNvSpPr>
-            <a:spLocks noGrp="1"/>
-          </p:cNvSpPr>
-          <p:nvPr>
-            <p:ph idx="1"/>
-          </p:nvPr>
-        </p:nvSpPr>
-        <p:spPr>
-          <a:xfrm>
-            <a:off x="6096000" y="1660945"/>
-            <a:ext cx="5669280" cy="4208346"/>
-          </a:xfrm>
-        </p:spPr>
-        <p:txBody>
-          <a:bodyPr>
-            <a:normAutofit fontScale="92500"/>
-          </a:bodyPr>
-          <a:lstStyle/>
-          <a:p>
-            <a:pPr marL="0" marR="0" lvl="0" indent="0" algn="l" defTabSz="914400" rtl="0" eaLnBrk="1" fontAlgn="auto" latinLnBrk="0" hangingPunct="1">
-              <a:lnSpc>
-                <a:spcPct val="100000"/>
-              </a:lnSpc>
-              <a:spcBef>
-                <a:spcPts val="1000"/>
-              </a:spcBef>
-              <a:spcAft>
-                <a:spcPts val="0"/>
-              </a:spcAft>
-              <a:buClrTx/>
-              <a:buSzTx/>
-              <a:buFont typeface="Arial" panose="020B0604020202020204" pitchFamily="34" charset="0"/>
-              <a:buNone/>
-              <a:tabLst/>
-              <a:defRPr/>
-            </a:pPr>
-            <a:r>
-              <a:rPr kumimoji="0" lang="en-US" sz="2000" b="0" i="0" u="none" strike="noStrike" kern="1200" cap="none" spc="300" normalizeH="0" baseline="0" noProof="0" dirty="0">
-                <a:ln>
-                  <a:noFill/>
-                </a:ln>
-                <a:solidFill>
-                  <a:schemeClr val="tx1"/>
-                </a:solidFill>
-                <a:effectLst/>
-                <a:uLnTx/>
-                <a:uFillTx/>
-                <a:latin typeface="+mn-lt"/>
-                <a:ea typeface="+mn-ea"/>
-                <a:cs typeface="Biome Light" panose="020B0303030204020804" pitchFamily="34" charset="0"/>
-              </a:rPr>
-              <a:t>OUR BUSINESS IS GOOD</a:t>
-            </a:r>
-          </a:p>
-          <a:p>
-            <a:pPr marL="0" marR="0" lvl="0" indent="0" algn="l" defTabSz="914400" rtl="0" eaLnBrk="1" fontAlgn="auto" latinLnBrk="0" hangingPunct="1">
-              <a:lnSpc>
-                <a:spcPct val="100000"/>
-              </a:lnSpc>
-              <a:spcBef>
-                <a:spcPts val="1000"/>
-              </a:spcBef>
-              <a:spcAft>
-                <a:spcPts val="0"/>
-              </a:spcAft>
-              <a:buClrTx/>
-              <a:buSzTx/>
-              <a:buFont typeface="Arial" panose="020B0604020202020204" pitchFamily="34" charset="0"/>
-              <a:buNone/>
-              <a:tabLst/>
-              <a:defRPr/>
-            </a:pPr>
-            <a:r>
-              <a:rPr kumimoji="0" lang="en-US" sz="1600" b="0" i="0" u="none" strike="noStrike" kern="1200" cap="none" spc="0" normalizeH="0" baseline="0" noProof="0" dirty="0">
-                <a:ln>
-                  <a:noFill/>
-                </a:ln>
-                <a:solidFill>
-                  <a:schemeClr val="tx1"/>
-                </a:solidFill>
-                <a:effectLst/>
-                <a:uLnTx/>
-                <a:uFillTx/>
-                <a:latin typeface="+mn-lt"/>
-                <a:ea typeface="+mn-ea"/>
-                <a:cs typeface="Biome Light" panose="020B0303030204020804" pitchFamily="34" charset="0"/>
-              </a:rPr>
-              <a:t>Profits are up in the last quarter by 3%</a:t>
-            </a:r>
-          </a:p>
-          <a:p>
-            <a:pPr marL="0" marR="0" lvl="0" indent="0" algn="l" defTabSz="914400" rtl="0" eaLnBrk="1" fontAlgn="auto" latinLnBrk="0" hangingPunct="1">
-              <a:lnSpc>
-                <a:spcPct val="100000"/>
-              </a:lnSpc>
-              <a:spcBef>
-                <a:spcPts val="1000"/>
-              </a:spcBef>
-              <a:spcAft>
-                <a:spcPts val="0"/>
-              </a:spcAft>
-              <a:buClrTx/>
-              <a:buSzTx/>
-              <a:buFont typeface="Arial" panose="020B0604020202020204" pitchFamily="34" charset="0"/>
-              <a:buNone/>
-              <a:tabLst/>
-              <a:defRPr/>
-            </a:pPr>
-            <a:endParaRPr kumimoji="0" lang="en-US" sz="1600" b="0" i="0" u="none" strike="noStrike" kern="1200" cap="none" spc="0" normalizeH="0" baseline="0" noProof="0" dirty="0">
-              <a:ln>
-                <a:noFill/>
-              </a:ln>
-              <a:solidFill>
-                <a:schemeClr val="tx1"/>
-              </a:solidFill>
-              <a:effectLst/>
-              <a:uLnTx/>
-              <a:uFillTx/>
-              <a:latin typeface="+mn-lt"/>
-              <a:ea typeface="+mn-ea"/>
-              <a:cs typeface="Biome Light" panose="020B0303030204020804" pitchFamily="34" charset="0"/>
-            </a:endParaRPr>
-          </a:p>
-          <a:p>
-            <a:pPr marL="0" marR="0" lvl="0" indent="0" algn="l" defTabSz="914400" rtl="0" eaLnBrk="1" fontAlgn="auto" latinLnBrk="0" hangingPunct="1">
-              <a:lnSpc>
-                <a:spcPct val="100000"/>
-              </a:lnSpc>
-              <a:spcBef>
-                <a:spcPts val="1000"/>
-              </a:spcBef>
-              <a:spcAft>
-                <a:spcPts val="0"/>
-              </a:spcAft>
-              <a:buClrTx/>
-              <a:buSzTx/>
-              <a:buFont typeface="Arial" panose="020B0604020202020204" pitchFamily="34" charset="0"/>
-              <a:buNone/>
-              <a:tabLst/>
-              <a:defRPr/>
-            </a:pPr>
-            <a:r>
-              <a:rPr kumimoji="0" lang="en-US" sz="2000" b="0" i="0" u="none" strike="noStrike" kern="1200" cap="none" spc="300" normalizeH="0" baseline="0" noProof="0" dirty="0">
-                <a:ln>
-                  <a:noFill/>
-                </a:ln>
-                <a:solidFill>
-                  <a:schemeClr val="tx1"/>
-                </a:solidFill>
-                <a:effectLst/>
-                <a:uLnTx/>
-                <a:uFillTx/>
-                <a:latin typeface="+mn-lt"/>
-                <a:ea typeface="+mn-ea"/>
-                <a:cs typeface="Biome Light" panose="020B0303030204020804" pitchFamily="34" charset="0"/>
-              </a:rPr>
-              <a:t>WE’RE GETTING OUR WORK DONE</a:t>
-            </a:r>
-          </a:p>
-          <a:p>
-            <a:pPr marL="0" marR="0" lvl="0" indent="0" algn="l" defTabSz="914400" rtl="0" eaLnBrk="1" fontAlgn="auto" latinLnBrk="0" hangingPunct="1">
-              <a:lnSpc>
-                <a:spcPct val="100000"/>
-              </a:lnSpc>
-              <a:spcBef>
-                <a:spcPts val="1000"/>
-              </a:spcBef>
-              <a:spcAft>
-                <a:spcPts val="0"/>
-              </a:spcAft>
-              <a:buClrTx/>
-              <a:buSzTx/>
-              <a:buFont typeface="Arial" panose="020B0604020202020204" pitchFamily="34" charset="0"/>
-              <a:buNone/>
-              <a:tabLst/>
-              <a:defRPr/>
-            </a:pPr>
-            <a:r>
-              <a:rPr kumimoji="0" lang="en-US" sz="1600" b="0" i="0" u="none" strike="noStrike" kern="1200" cap="none" spc="0" normalizeH="0" baseline="0" noProof="0" dirty="0">
-                <a:ln>
-                  <a:noFill/>
-                </a:ln>
-                <a:solidFill>
-                  <a:schemeClr val="tx1"/>
-                </a:solidFill>
-                <a:effectLst/>
-                <a:uLnTx/>
-                <a:uFillTx/>
-                <a:latin typeface="+mn-lt"/>
-                <a:ea typeface="+mn-ea"/>
-                <a:cs typeface="Biome Light" panose="020B0303030204020804" pitchFamily="34" charset="0"/>
-              </a:rPr>
-              <a:t>We finished the consolidation project</a:t>
-            </a:r>
-          </a:p>
-          <a:p>
-            <a:pPr marL="0" marR="0" lvl="0" indent="0" algn="l" defTabSz="914400" rtl="0" eaLnBrk="1" fontAlgn="auto" latinLnBrk="0" hangingPunct="1">
-              <a:lnSpc>
-                <a:spcPct val="100000"/>
-              </a:lnSpc>
-              <a:spcBef>
-                <a:spcPts val="1000"/>
-              </a:spcBef>
-              <a:spcAft>
-                <a:spcPts val="0"/>
-              </a:spcAft>
-              <a:buClrTx/>
-              <a:buSzTx/>
-              <a:buFont typeface="Arial" panose="020B0604020202020204" pitchFamily="34" charset="0"/>
-              <a:buNone/>
-              <a:tabLst/>
-              <a:defRPr/>
-            </a:pPr>
-            <a:endParaRPr kumimoji="0" lang="en-US" sz="1600" b="0" i="0" u="none" strike="noStrike" kern="1200" cap="none" spc="0" normalizeH="0" baseline="0" noProof="0" dirty="0">
-              <a:ln>
-                <a:noFill/>
-              </a:ln>
-              <a:solidFill>
-                <a:schemeClr val="tx1"/>
-              </a:solidFill>
-              <a:effectLst/>
-              <a:uLnTx/>
-              <a:uFillTx/>
-              <a:latin typeface="+mn-lt"/>
-              <a:ea typeface="+mn-ea"/>
-              <a:cs typeface="Biome Light" panose="020B0303030204020804" pitchFamily="34" charset="0"/>
-            </a:endParaRPr>
-          </a:p>
-          <a:p>
-            <a:pPr marL="0" marR="0" lvl="0" indent="0" algn="l" defTabSz="914400" rtl="0" eaLnBrk="1" fontAlgn="auto" latinLnBrk="0" hangingPunct="1">
-              <a:lnSpc>
-                <a:spcPct val="100000"/>
-              </a:lnSpc>
-              <a:spcBef>
-                <a:spcPts val="1000"/>
-              </a:spcBef>
-              <a:spcAft>
-                <a:spcPts val="0"/>
-              </a:spcAft>
-              <a:buClrTx/>
-              <a:buSzTx/>
-              <a:buFont typeface="Arial" panose="020B0604020202020204" pitchFamily="34" charset="0"/>
-              <a:buNone/>
-              <a:tabLst/>
-              <a:defRPr/>
-            </a:pPr>
-            <a:r>
-              <a:rPr kumimoji="0" lang="en-US" sz="2000" b="0" i="0" u="none" strike="noStrike" kern="1200" cap="none" spc="300" normalizeH="0" baseline="0" noProof="0" dirty="0">
-                <a:ln>
-                  <a:noFill/>
-                </a:ln>
-                <a:solidFill>
-                  <a:schemeClr val="tx1"/>
-                </a:solidFill>
-                <a:effectLst/>
-                <a:uLnTx/>
-                <a:uFillTx/>
-                <a:latin typeface="+mn-lt"/>
-                <a:ea typeface="+mn-ea"/>
-                <a:cs typeface="Biome Light" panose="020B0303030204020804" pitchFamily="34" charset="0"/>
-              </a:rPr>
-              <a:t>WE’RE DELIVERING FOR OUR CUSTOMERS</a:t>
-            </a:r>
-          </a:p>
-          <a:p>
-            <a:pPr marL="0" marR="0" lvl="0" indent="0" algn="l" defTabSz="914400" rtl="0" eaLnBrk="1" fontAlgn="auto" latinLnBrk="0" hangingPunct="1">
-              <a:lnSpc>
-                <a:spcPct val="100000"/>
-              </a:lnSpc>
-              <a:spcBef>
-                <a:spcPts val="1000"/>
-              </a:spcBef>
-              <a:spcAft>
-                <a:spcPts val="0"/>
-              </a:spcAft>
-              <a:buClrTx/>
-              <a:buSzTx/>
-              <a:buFont typeface="Arial" panose="020B0604020202020204" pitchFamily="34" charset="0"/>
-              <a:buNone/>
-              <a:tabLst/>
-              <a:defRPr/>
-            </a:pPr>
-            <a:r>
-              <a:rPr kumimoji="0" lang="en-US" sz="1600" b="0" i="0" u="none" strike="noStrike" kern="1200" cap="none" spc="0" normalizeH="0" baseline="0" noProof="0" dirty="0">
-                <a:ln>
-                  <a:noFill/>
-                </a:ln>
-                <a:solidFill>
-                  <a:schemeClr val="tx1"/>
-                </a:solidFill>
-                <a:effectLst/>
-                <a:uLnTx/>
-                <a:uFillTx/>
-                <a:latin typeface="+mn-lt"/>
-                <a:ea typeface="+mn-ea"/>
-                <a:cs typeface="Biome Light" panose="020B0303030204020804" pitchFamily="34" charset="0"/>
-              </a:rPr>
-              <a:t>Customer satisfaction increased from 70 to 80%</a:t>
-            </a:r>
-          </a:p>
-          <a:p>
-            <a:pPr marL="0" marR="0" lvl="0" indent="0" algn="l" defTabSz="914400" rtl="0" eaLnBrk="1" fontAlgn="auto" latinLnBrk="0" hangingPunct="1">
-              <a:lnSpc>
-                <a:spcPct val="100000"/>
-              </a:lnSpc>
-              <a:spcBef>
-                <a:spcPts val="1000"/>
-              </a:spcBef>
-              <a:spcAft>
-                <a:spcPts val="0"/>
-              </a:spcAft>
-              <a:buClrTx/>
-              <a:buSzTx/>
-              <a:buFont typeface="Arial" panose="020B0604020202020204" pitchFamily="34" charset="0"/>
-              <a:buNone/>
-              <a:tabLst/>
-              <a:defRPr/>
-            </a:pPr>
-            <a:endParaRPr kumimoji="0" lang="en-US" sz="1600" b="0" i="0" u="none" strike="noStrike" kern="1200" cap="none" spc="0" normalizeH="0" baseline="0" noProof="0" dirty="0">
-              <a:ln>
-                <a:noFill/>
-              </a:ln>
-              <a:solidFill>
-                <a:schemeClr val="tx1"/>
-              </a:solidFill>
-              <a:effectLst/>
-              <a:uLnTx/>
-              <a:uFillTx/>
-              <a:latin typeface="+mn-lt"/>
-              <a:ea typeface="+mn-ea"/>
-              <a:cs typeface="Biome Light" panose="020B0303030204020804" pitchFamily="34" charset="0"/>
-            </a:endParaRPr>
-          </a:p>
-          <a:p>
-            <a:pPr marL="0" marR="0" lvl="0" indent="0" algn="l" defTabSz="914400" rtl="0" eaLnBrk="1" fontAlgn="auto" latinLnBrk="0" hangingPunct="1">
-              <a:lnSpc>
-                <a:spcPct val="100000"/>
-              </a:lnSpc>
-              <a:spcBef>
-                <a:spcPts val="1000"/>
-              </a:spcBef>
-              <a:spcAft>
-                <a:spcPts val="0"/>
-              </a:spcAft>
-              <a:buClrTx/>
-              <a:buSzTx/>
-              <a:buFont typeface="Arial" panose="020B0604020202020204" pitchFamily="34" charset="0"/>
-              <a:buNone/>
-              <a:tabLst/>
-              <a:defRPr/>
-            </a:pPr>
-            <a:r>
-              <a:rPr kumimoji="0" lang="en-US" sz="2000" b="0" i="0" u="none" strike="noStrike" kern="1200" cap="none" spc="300" normalizeH="0" baseline="0" noProof="0" dirty="0">
-                <a:ln>
-                  <a:noFill/>
-                </a:ln>
-                <a:solidFill>
-                  <a:schemeClr val="tx1"/>
-                </a:solidFill>
-                <a:effectLst/>
-                <a:uLnTx/>
-                <a:uFillTx/>
-                <a:latin typeface="+mn-lt"/>
-                <a:ea typeface="+mn-ea"/>
-                <a:cs typeface="Biome Light" panose="020B0303030204020804" pitchFamily="34" charset="0"/>
-              </a:rPr>
-              <a:t>OUR CUSTOMERS KEEP COMING BACK</a:t>
-            </a:r>
-          </a:p>
-          <a:p>
-            <a:pPr marL="0" marR="0" lvl="0" indent="0" algn="l" defTabSz="914400" rtl="0" eaLnBrk="1" fontAlgn="auto" latinLnBrk="0" hangingPunct="1">
-              <a:lnSpc>
-                <a:spcPct val="100000"/>
-              </a:lnSpc>
-              <a:spcBef>
-                <a:spcPts val="1000"/>
-              </a:spcBef>
-              <a:spcAft>
-                <a:spcPts val="0"/>
-              </a:spcAft>
-              <a:buClrTx/>
-              <a:buSzTx/>
-              <a:buFont typeface="Arial" panose="020B0604020202020204" pitchFamily="34" charset="0"/>
-              <a:buNone/>
-              <a:tabLst/>
-              <a:defRPr/>
-            </a:pPr>
-            <a:r>
-              <a:rPr kumimoji="0" lang="en-US" sz="1600" b="0" i="0" u="none" strike="noStrike" kern="1200" cap="none" spc="0" normalizeH="0" baseline="0" noProof="0" dirty="0">
-                <a:ln>
-                  <a:noFill/>
-                </a:ln>
-                <a:solidFill>
-                  <a:schemeClr val="tx1"/>
-                </a:solidFill>
-                <a:effectLst/>
-                <a:uLnTx/>
-                <a:uFillTx/>
-                <a:latin typeface="+mn-lt"/>
-                <a:ea typeface="+mn-ea"/>
-                <a:cs typeface="Biome Light" panose="020B0303030204020804" pitchFamily="34" charset="0"/>
-              </a:rPr>
-              <a:t>We increased customer retention by 4%</a:t>
-            </a:r>
-          </a:p>
-          <a:p>
-            <a:endParaRPr lang="en-US" b="1" dirty="0"/>
-          </a:p>
-        </p:txBody>
-      </p:sp>
-      <p:sp>
-        <p:nvSpPr>
-          <p:cNvPr id="16" name="Slide Number Placeholder 15">
-            <a:extLst>
-              <a:ext uri="{FF2B5EF4-FFF2-40B4-BE49-F238E27FC236}">
-                <a16:creationId xmlns:a16="http://schemas.microsoft.com/office/drawing/2014/main" id="{7FA57D11-A25F-4772-8E50-DDB68BE8CB69}"/>
-              </a:ext>
-            </a:extLst>
-          </p:cNvPr>
-          <p:cNvSpPr>
-            <a:spLocks noGrp="1"/>
-          </p:cNvSpPr>
-          <p:nvPr>
-            <p:ph type="sldNum" sz="quarter" idx="4"/>
-          </p:nvPr>
-        </p:nvSpPr>
-        <p:spPr/>
-        <p:txBody>
-          <a:bodyPr/>
-          <a:lstStyle/>
-          <a:p>
-            <a:fld id="{8C2E478F-E849-4A8C-AF1F-CBCC78A7CBFA}" type="slidenum">
-              <a:rPr lang="en-US" smtClean="0"/>
-              <a:t>10</a:t>
-            </a:fld>
-            <a:endParaRPr lang="en-US" dirty="0"/>
-          </a:p>
-        </p:txBody>
-      </p:sp>
-    </p:spTree>
-    <p:extLst>
-      <p:ext uri="{BB962C8B-B14F-4D97-AF65-F5344CB8AC3E}">
-        <p14:creationId xmlns:p14="http://schemas.microsoft.com/office/powerpoint/2010/main" val="3516891798"/>
-      </p:ext>
-    </p:extLst>
-  </p:cSld>
-  <p:clrMapOvr>
-    <a:masterClrMapping/>
-  </p:clrMapOvr>
-</p:sld>
-</file>
-
-<file path=ppt/slides/slide11.xml><?xml version="1.0" encoding="utf-8"?>
-<p:sld xmlns:a="http://schemas.openxmlformats.org/drawingml/2006/main" xmlns:r="http://schemas.openxmlformats.org/officeDocument/2006/relationships" xmlns:p="http://schemas.openxmlformats.org/presentationml/2006/main">
-  <p:cSld>
-    <p:bg>
-      <p:bgPr>
-        <a:solidFill>
-          <a:schemeClr val="bg1"/>
-        </a:solidFill>
-        <a:effectLst/>
-      </p:bgPr>
-    </p:bg>
-    <p:spTree>
-      <p:nvGrpSpPr>
-        <p:cNvPr id="1" name=""/>
-        <p:cNvGrpSpPr/>
-        <p:nvPr/>
-      </p:nvGrpSpPr>
-      <p:grpSpPr>
-        <a:xfrm>
-          <a:off x="0" y="0"/>
-          <a:ext cx="0" cy="0"/>
-          <a:chOff x="0" y="0"/>
-          <a:chExt cx="0" cy="0"/>
-        </a:xfrm>
-      </p:grpSpPr>
-      <p:pic>
-        <p:nvPicPr>
-          <p:cNvPr id="40" name="Picture Placeholder 7" descr="abstract image">
-            <a:extLst>
-              <a:ext uri="{FF2B5EF4-FFF2-40B4-BE49-F238E27FC236}">
-                <a16:creationId xmlns:a16="http://schemas.microsoft.com/office/drawing/2014/main" id="{D5C5EA1B-F06D-4AD1-B526-89C2DF772232}"/>
-              </a:ext>
-            </a:extLst>
-          </p:cNvPr>
-          <p:cNvPicPr>
-            <a:picLocks noChangeAspect="1"/>
-          </p:cNvPicPr>
-          <p:nvPr/>
-        </p:nvPicPr>
-        <p:blipFill rotWithShape="1">
-          <a:blip r:embed="rId2">
-            <a:alphaModFix amt="52000"/>
-            <a:extLst>
-              <a:ext uri="{BEBA8EAE-BF5A-486C-A8C5-ECC9F3942E4B}">
-                <a14:imgProps xmlns:a14="http://schemas.microsoft.com/office/drawing/2010/main">
-                  <a14:imgLayer r:embed="rId3">
-                    <a14:imgEffect>
-                      <a14:saturation sat="0"/>
-                    </a14:imgEffect>
-                  </a14:imgLayer>
-                </a14:imgProps>
-              </a:ext>
-            </a:extLst>
-          </a:blip>
-          <a:srcRect l="22717" r="45642"/>
-          <a:stretch/>
-        </p:blipFill>
-        <p:spPr>
-          <a:xfrm rot="16200000">
-            <a:off x="2667001" y="-2666999"/>
-            <a:ext cx="6858000" cy="12192000"/>
-          </a:xfrm>
-          <a:prstGeom prst="rect">
-            <a:avLst/>
-          </a:prstGeom>
-          <a:noFill/>
-        </p:spPr>
-      </p:pic>
-      <p:sp>
-        <p:nvSpPr>
-          <p:cNvPr id="6" name="Title 5">
-            <a:extLst>
-              <a:ext uri="{FF2B5EF4-FFF2-40B4-BE49-F238E27FC236}">
-                <a16:creationId xmlns:a16="http://schemas.microsoft.com/office/drawing/2014/main" id="{4F7706BE-EF2E-459C-8778-01DDD354C634}"/>
-              </a:ext>
-            </a:extLst>
-          </p:cNvPr>
-          <p:cNvSpPr>
-            <a:spLocks noGrp="1"/>
-          </p:cNvSpPr>
-          <p:nvPr>
-            <p:ph type="title" idx="4294967295"/>
-          </p:nvPr>
-        </p:nvSpPr>
-        <p:spPr>
-          <a:xfrm>
-            <a:off x="702365" y="1660810"/>
-            <a:ext cx="10787270" cy="830649"/>
-          </a:xfrm>
-        </p:spPr>
-        <p:txBody>
-          <a:bodyPr>
-            <a:normAutofit/>
-          </a:bodyPr>
-          <a:lstStyle/>
-          <a:p>
-            <a:r>
-              <a:rPr lang="en-US" sz="4000" spc="300" dirty="0"/>
-              <a:t>THANK YOU</a:t>
-            </a:r>
-          </a:p>
-        </p:txBody>
-      </p:sp>
-      <p:pic>
-        <p:nvPicPr>
-          <p:cNvPr id="24" name="Online Image Placeholder 23" descr="User">
-            <a:extLst>
-              <a:ext uri="{FF2B5EF4-FFF2-40B4-BE49-F238E27FC236}">
-                <a16:creationId xmlns:a16="http://schemas.microsoft.com/office/drawing/2014/main" id="{E896B487-8C07-495F-95BF-B8F4960E1E8D}"/>
-              </a:ext>
-            </a:extLst>
-          </p:cNvPr>
-          <p:cNvPicPr>
-            <a:picLocks noGrp="1" noChangeAspect="1"/>
-          </p:cNvPicPr>
-          <p:nvPr>
-            <p:ph type="clipArt" sz="quarter" idx="19"/>
-          </p:nvPr>
-        </p:nvPicPr>
-        <p:blipFill>
-          <a:blip r:embed="rId4" cstate="email">
-            <a:extLst>
-              <a:ext uri="{28A0092B-C50C-407E-A947-70E740481C1C}">
-                <a14:useLocalDpi xmlns:a14="http://schemas.microsoft.com/office/drawing/2010/main"/>
-              </a:ext>
-              <a:ext uri="{96DAC541-7B7A-43D3-8B79-37D633B846F1}">
-                <asvg:svgBlip xmlns:asvg="http://schemas.microsoft.com/office/drawing/2016/SVG/main" r:embed="rId5"/>
-              </a:ext>
-            </a:extLst>
-          </a:blip>
-          <a:stretch>
-            <a:fillRect/>
-          </a:stretch>
-        </p:blipFill>
-        <p:spPr/>
-      </p:pic>
-      <p:pic>
-        <p:nvPicPr>
-          <p:cNvPr id="12" name="Online Image Placeholder 11" descr="Smart Phone">
-            <a:extLst>
-              <a:ext uri="{FF2B5EF4-FFF2-40B4-BE49-F238E27FC236}">
-                <a16:creationId xmlns:a16="http://schemas.microsoft.com/office/drawing/2014/main" id="{4E709B75-16EA-4581-AED9-567DEF45A6B2}"/>
-              </a:ext>
-            </a:extLst>
-          </p:cNvPr>
-          <p:cNvPicPr>
-            <a:picLocks noGrp="1" noChangeAspect="1"/>
-          </p:cNvPicPr>
-          <p:nvPr>
-            <p:ph type="clipArt" sz="quarter" idx="20"/>
-          </p:nvPr>
-        </p:nvPicPr>
-        <p:blipFill>
-          <a:blip r:embed="rId6" cstate="email">
-            <a:extLst>
-              <a:ext uri="{28A0092B-C50C-407E-A947-70E740481C1C}">
-                <a14:useLocalDpi xmlns:a14="http://schemas.microsoft.com/office/drawing/2010/main"/>
-              </a:ext>
-              <a:ext uri="{96DAC541-7B7A-43D3-8B79-37D633B846F1}">
-                <asvg:svgBlip xmlns:asvg="http://schemas.microsoft.com/office/drawing/2016/SVG/main" r:embed="rId7"/>
-              </a:ext>
-            </a:extLst>
-          </a:blip>
-          <a:stretch>
-            <a:fillRect/>
-          </a:stretch>
-        </p:blipFill>
-        <p:spPr>
-          <a:xfrm>
-            <a:off x="5730873" y="3118670"/>
-            <a:ext cx="730250" cy="730250"/>
-          </a:xfrm>
-        </p:spPr>
-      </p:pic>
-      <p:pic>
-        <p:nvPicPr>
-          <p:cNvPr id="28" name="Online Image Placeholder 27" descr="Envelope">
-            <a:extLst>
-              <a:ext uri="{FF2B5EF4-FFF2-40B4-BE49-F238E27FC236}">
-                <a16:creationId xmlns:a16="http://schemas.microsoft.com/office/drawing/2014/main" id="{D4D09222-33EB-4F99-9A89-51E2E1E97584}"/>
-              </a:ext>
-            </a:extLst>
-          </p:cNvPr>
-          <p:cNvPicPr>
-            <a:picLocks noGrp="1" noChangeAspect="1"/>
-          </p:cNvPicPr>
-          <p:nvPr>
-            <p:ph type="clipArt" sz="quarter" idx="21"/>
-          </p:nvPr>
-        </p:nvPicPr>
-        <p:blipFill>
-          <a:blip r:embed="rId8" cstate="email">
-            <a:extLst>
-              <a:ext uri="{28A0092B-C50C-407E-A947-70E740481C1C}">
-                <a14:useLocalDpi xmlns:a14="http://schemas.microsoft.com/office/drawing/2010/main"/>
-              </a:ext>
-              <a:ext uri="{96DAC541-7B7A-43D3-8B79-37D633B846F1}">
-                <asvg:svgBlip xmlns:asvg="http://schemas.microsoft.com/office/drawing/2016/SVG/main" r:embed="rId9"/>
-              </a:ext>
-            </a:extLst>
-          </a:blip>
-          <a:stretch>
-            <a:fillRect/>
-          </a:stretch>
-        </p:blipFill>
-        <p:spPr/>
-      </p:pic>
-      <p:sp>
-        <p:nvSpPr>
-          <p:cNvPr id="8" name="Text Placeholder 7">
-            <a:extLst>
-              <a:ext uri="{FF2B5EF4-FFF2-40B4-BE49-F238E27FC236}">
-                <a16:creationId xmlns:a16="http://schemas.microsoft.com/office/drawing/2014/main" id="{0B070B25-2BBC-49AC-9CFA-1CD7195DF2D6}"/>
-              </a:ext>
-            </a:extLst>
-          </p:cNvPr>
-          <p:cNvSpPr>
-            <a:spLocks noGrp="1"/>
-          </p:cNvSpPr>
-          <p:nvPr>
-            <p:ph type="body" sz="quarter" idx="16"/>
-          </p:nvPr>
-        </p:nvSpPr>
-        <p:spPr/>
-        <p:txBody>
-          <a:bodyPr/>
-          <a:lstStyle/>
-          <a:p>
-            <a:r>
-              <a:rPr lang="en-US" dirty="0"/>
-              <a:t>VICTORIA LINDQVIST</a:t>
-            </a:r>
-          </a:p>
-        </p:txBody>
-      </p:sp>
-      <p:sp>
-        <p:nvSpPr>
-          <p:cNvPr id="9" name="Text Placeholder 8">
-            <a:extLst>
-              <a:ext uri="{FF2B5EF4-FFF2-40B4-BE49-F238E27FC236}">
-                <a16:creationId xmlns:a16="http://schemas.microsoft.com/office/drawing/2014/main" id="{9E2524A0-105C-4170-BB48-CD0756FB3DFE}"/>
-              </a:ext>
-            </a:extLst>
-          </p:cNvPr>
-          <p:cNvSpPr>
-            <a:spLocks noGrp="1"/>
-          </p:cNvSpPr>
-          <p:nvPr>
-            <p:ph type="body" sz="quarter" idx="17"/>
-          </p:nvPr>
-        </p:nvSpPr>
-        <p:spPr/>
-        <p:txBody>
-          <a:bodyPr/>
-          <a:lstStyle/>
-          <a:p>
-            <a:r>
-              <a:rPr lang="en-US" dirty="0"/>
-              <a:t>+1 (589) 555-0199</a:t>
-            </a:r>
-          </a:p>
-        </p:txBody>
-      </p:sp>
-      <p:sp>
-        <p:nvSpPr>
-          <p:cNvPr id="10" name="Text Placeholder 9">
-            <a:extLst>
-              <a:ext uri="{FF2B5EF4-FFF2-40B4-BE49-F238E27FC236}">
-                <a16:creationId xmlns:a16="http://schemas.microsoft.com/office/drawing/2014/main" id="{6E57A531-5B0F-485D-A015-BC78AD089BA6}"/>
-              </a:ext>
-            </a:extLst>
-          </p:cNvPr>
-          <p:cNvSpPr>
-            <a:spLocks noGrp="1"/>
-          </p:cNvSpPr>
-          <p:nvPr>
-            <p:ph type="body" sz="quarter" idx="18"/>
-          </p:nvPr>
-        </p:nvSpPr>
-        <p:spPr/>
-        <p:txBody>
-          <a:bodyPr>
-            <a:normAutofit fontScale="92500"/>
-          </a:bodyPr>
-          <a:lstStyle/>
-          <a:p>
-            <a:r>
-              <a:rPr lang="en-US" dirty="0"/>
-              <a:t>victoria@fabrikam.com</a:t>
-            </a:r>
-          </a:p>
-        </p:txBody>
-      </p:sp>
-      <p:sp>
-        <p:nvSpPr>
-          <p:cNvPr id="3" name="Text Placeholder 2">
-            <a:extLst>
-              <a:ext uri="{FF2B5EF4-FFF2-40B4-BE49-F238E27FC236}">
-                <a16:creationId xmlns:a16="http://schemas.microsoft.com/office/drawing/2014/main" id="{C747C414-85D9-40D6-9BB3-5AF68A84F413}"/>
-              </a:ext>
-            </a:extLst>
-          </p:cNvPr>
-          <p:cNvSpPr>
-            <a:spLocks noGrp="1"/>
-          </p:cNvSpPr>
-          <p:nvPr>
-            <p:ph type="body" sz="quarter" idx="12"/>
-          </p:nvPr>
-        </p:nvSpPr>
-        <p:spPr/>
-        <p:txBody>
-          <a:bodyPr/>
-          <a:lstStyle/>
-          <a:p>
-            <a:r>
-              <a:rPr lang="en-US" dirty="0"/>
-              <a:t>WWW.FABRIKAM.COM</a:t>
-            </a:r>
-          </a:p>
-        </p:txBody>
-      </p:sp>
-    </p:spTree>
-    <p:extLst>
-      <p:ext uri="{BB962C8B-B14F-4D97-AF65-F5344CB8AC3E}">
-        <p14:creationId xmlns:p14="http://schemas.microsoft.com/office/powerpoint/2010/main" val="927727573"/>
-      </p:ext>
-    </p:extLst>
-  </p:cSld>
-  <p:clrMapOvr>
-    <a:masterClrMapping/>
-  </p:clrMapOvr>
-</p:sld>
-</file>
-
 <file path=ppt/slides/slide2.xml><?xml version="1.0" encoding="utf-8"?>
 <p:sld xmlns:a="http://schemas.openxmlformats.org/drawingml/2006/main" xmlns:r="http://schemas.openxmlformats.org/officeDocument/2006/relationships" xmlns:p="http://schemas.openxmlformats.org/presentationml/2006/main">
   <p:cSld>
@@ -6803,13 +5920,18 @@
             <p:ph type="title"/>
           </p:nvPr>
         </p:nvSpPr>
-        <p:spPr/>
+        <p:spPr>
+          <a:xfrm>
+            <a:off x="6095999" y="459640"/>
+            <a:ext cx="5897218" cy="884238"/>
+          </a:xfrm>
+        </p:spPr>
         <p:txBody>
           <a:bodyPr/>
           <a:lstStyle/>
           <a:p>
             <a:r>
-              <a:rPr lang="en-US" dirty="0"/>
+              <a:rPr lang="en-US" sz="4000" dirty="0"/>
               <a:t>INTRODUCTION</a:t>
             </a:r>
           </a:p>
@@ -6873,7 +5995,7 @@
         </p:nvSpPr>
         <p:spPr>
           <a:xfrm>
-            <a:off x="6225539" y="1546138"/>
+            <a:off x="6225539" y="1613870"/>
             <a:ext cx="3017520" cy="464871"/>
           </a:xfrm>
         </p:spPr>
@@ -6904,7 +6026,12 @@
             <p:ph idx="1"/>
           </p:nvPr>
         </p:nvSpPr>
-        <p:spPr/>
+        <p:spPr>
+          <a:xfrm>
+            <a:off x="6225538" y="2472267"/>
+            <a:ext cx="4516707" cy="3420533"/>
+          </a:xfrm>
+        </p:spPr>
         <p:txBody>
           <a:bodyPr>
             <a:normAutofit/>
@@ -6913,22 +6040,42 @@
           <a:p>
             <a:pPr marL="0" indent="0">
               <a:lnSpc>
-                <a:spcPct val="100000"/>
+                <a:spcPct val="160000"/>
               </a:lnSpc>
               <a:buNone/>
             </a:pPr>
             <a:r>
-              <a:rPr lang="en-US" sz="1600" dirty="0">
+              <a:rPr lang="en-US" sz="2400" cap="small" spc="50" dirty="0">
                 <a:cs typeface="Biome Light" panose="020B0303030204020804" pitchFamily="34" charset="0"/>
               </a:rPr>
-              <a:t>Project description</a:t>
+              <a:t>Would you like help picking a name for your pet? </a:t>
+            </a:r>
+          </a:p>
+          <a:p>
+            <a:pPr marL="0" indent="0">
+              <a:lnSpc>
+                <a:spcPct val="160000"/>
+              </a:lnSpc>
+              <a:buNone/>
+            </a:pPr>
+            <a:r>
+              <a:rPr lang="en-US" sz="2400" cap="small" spc="50" dirty="0">
+                <a:cs typeface="Biome Light" panose="020B0303030204020804" pitchFamily="34" charset="0"/>
+              </a:rPr>
+              <a:t>Simply upload a picture and we’ll recommend a few different names for you!</a:t>
             </a:r>
           </a:p>
           <a:p>
             <a:pPr marL="0" indent="0">
               <a:buNone/>
             </a:pPr>
-            <a:endParaRPr lang="en-US" dirty="0"/>
+            <a:endParaRPr lang="en-US" sz="2400" cap="small" spc="50" dirty="0"/>
+          </a:p>
+          <a:p>
+            <a:pPr marL="0" indent="0">
+              <a:buNone/>
+            </a:pPr>
+            <a:endParaRPr lang="en-US" sz="2400" cap="small" spc="50" dirty="0"/>
           </a:p>
         </p:txBody>
       </p:sp>
@@ -6991,47 +6138,12 @@
           <a:chExt cx="0" cy="0"/>
         </a:xfrm>
       </p:grpSpPr>
-      <p:sp>
-        <p:nvSpPr>
-          <p:cNvPr id="3" name="Title 2">
-            <a:extLst>
-              <a:ext uri="{FF2B5EF4-FFF2-40B4-BE49-F238E27FC236}">
-                <a16:creationId xmlns:a16="http://schemas.microsoft.com/office/drawing/2014/main" id="{1D24B42B-925B-494C-A986-BD85E8117E1E}"/>
-              </a:ext>
-            </a:extLst>
-          </p:cNvPr>
-          <p:cNvSpPr>
-            <a:spLocks noGrp="1"/>
-          </p:cNvSpPr>
-          <p:nvPr>
-            <p:ph type="title"/>
-          </p:nvPr>
-        </p:nvSpPr>
-        <p:spPr>
-          <a:xfrm>
-            <a:off x="6362331" y="659363"/>
-            <a:ext cx="5251450" cy="1661297"/>
-          </a:xfrm>
-        </p:spPr>
-        <p:txBody>
-          <a:bodyPr>
-            <a:normAutofit/>
-          </a:bodyPr>
-          <a:lstStyle/>
-          <a:p>
-            <a:r>
-              <a:rPr lang="en-US" dirty="0"/>
-              <a:t>FRONTEND</a:t>
-            </a:r>
-          </a:p>
-        </p:txBody>
-      </p:sp>
       <p:pic>
         <p:nvPicPr>
-          <p:cNvPr id="13" name="Picture Placeholder 12" descr="close up of computer on top of table against a brick wall">
-            <a:extLst>
-              <a:ext uri="{FF2B5EF4-FFF2-40B4-BE49-F238E27FC236}">
-                <a16:creationId xmlns:a16="http://schemas.microsoft.com/office/drawing/2014/main" id="{90BB9493-60B4-4B89-89CE-E1F8BF6C4D12}"/>
+          <p:cNvPr id="8" name="Picture Placeholder 7" descr="close up of computer code">
+            <a:extLst>
+              <a:ext uri="{FF2B5EF4-FFF2-40B4-BE49-F238E27FC236}">
+                <a16:creationId xmlns:a16="http://schemas.microsoft.com/office/drawing/2014/main" id="{A596BF19-CC58-4709-B5D6-3FC378FDC7BA}"/>
               </a:ext>
             </a:extLst>
           </p:cNvPr>
@@ -7043,7 +6155,7 @@
           </p:nvPr>
         </p:nvPicPr>
         <p:blipFill rotWithShape="1">
-          <a:blip r:embed="rId2" cstate="email">
+          <a:blip r:embed="rId2">
             <a:extLst>
               <a:ext uri="{BEBA8EAE-BF5A-486C-A8C5-ECC9F3942E4B}">
                 <a14:imgProps xmlns:a14="http://schemas.microsoft.com/office/drawing/2010/main">
@@ -7054,9 +6166,6 @@
                   </a14:imgLayer>
                 </a14:imgProps>
               </a:ext>
-              <a:ext uri="{28A0092B-C50C-407E-A947-70E740481C1C}">
-                <a14:useLocalDpi xmlns:a14="http://schemas.microsoft.com/office/drawing/2010/main"/>
-              </a:ext>
             </a:extLst>
           </a:blip>
           <a:srcRect l="20370" r="20370"/>
@@ -7066,6 +6175,662 @@
       </p:pic>
       <p:sp>
         <p:nvSpPr>
+          <p:cNvPr id="6" name="Slide Number Placeholder 5">
+            <a:extLst>
+              <a:ext uri="{FF2B5EF4-FFF2-40B4-BE49-F238E27FC236}">
+                <a16:creationId xmlns:a16="http://schemas.microsoft.com/office/drawing/2014/main" id="{FC6A5C12-E784-444E-B868-DE2AE85742BB}"/>
+              </a:ext>
+            </a:extLst>
+          </p:cNvPr>
+          <p:cNvSpPr>
+            <a:spLocks noGrp="1"/>
+          </p:cNvSpPr>
+          <p:nvPr>
+            <p:ph type="sldNum" sz="quarter" idx="12"/>
+          </p:nvPr>
+        </p:nvSpPr>
+        <p:spPr/>
+        <p:txBody>
+          <a:bodyPr/>
+          <a:lstStyle/>
+          <a:p>
+            <a:fld id="{8C2E478F-E849-4A8C-AF1F-CBCC78A7CBFA}" type="slidenum">
+              <a:rPr lang="en-US" smtClean="0"/>
+              <a:t>4</a:t>
+            </a:fld>
+            <a:endParaRPr lang="en-US" dirty="0"/>
+          </a:p>
+        </p:txBody>
+      </p:sp>
+      <p:sp>
+        <p:nvSpPr>
+          <p:cNvPr id="4" name="Title 2">
+            <a:extLst>
+              <a:ext uri="{FF2B5EF4-FFF2-40B4-BE49-F238E27FC236}">
+                <a16:creationId xmlns:a16="http://schemas.microsoft.com/office/drawing/2014/main" id="{2F8EB875-4267-9B7B-CA4D-2BA5B5FF6E4F}"/>
+              </a:ext>
+            </a:extLst>
+          </p:cNvPr>
+          <p:cNvSpPr txBox="1">
+            <a:spLocks/>
+          </p:cNvSpPr>
+          <p:nvPr/>
+        </p:nvSpPr>
+        <p:spPr>
+          <a:xfrm>
+            <a:off x="6362331" y="659363"/>
+            <a:ext cx="5251450" cy="1661297"/>
+          </a:xfrm>
+          <a:prstGeom prst="rect">
+            <a:avLst/>
+          </a:prstGeom>
+        </p:spPr>
+        <p:txBody>
+          <a:bodyPr vert="horz" lIns="91440" tIns="45720" rIns="91440" bIns="45720" rtlCol="0" anchor="b">
+            <a:normAutofit fontScale="92500" lnSpcReduction="10000"/>
+          </a:bodyPr>
+          <a:lstStyle>
+            <a:lvl1pPr algn="l" defTabSz="914400" rtl="0" eaLnBrk="1" latinLnBrk="0" hangingPunct="1">
+              <a:lnSpc>
+                <a:spcPct val="100000"/>
+              </a:lnSpc>
+              <a:spcBef>
+                <a:spcPct val="0"/>
+              </a:spcBef>
+              <a:buNone/>
+              <a:defRPr sz="6000" kern="1200" cap="all" spc="300" baseline="0">
+                <a:solidFill>
+                  <a:schemeClr val="tx1"/>
+                </a:solidFill>
+                <a:latin typeface="+mj-lt"/>
+                <a:ea typeface="+mj-ea"/>
+                <a:cs typeface="+mj-cs"/>
+              </a:defRPr>
+            </a:lvl1pPr>
+          </a:lstStyle>
+          <a:p>
+            <a:r>
+              <a:rPr lang="en-US" dirty="0"/>
+              <a:t>Executive summary</a:t>
+            </a:r>
+          </a:p>
+        </p:txBody>
+      </p:sp>
+      <p:sp>
+        <p:nvSpPr>
+          <p:cNvPr id="5" name="Text Placeholder 4">
+            <a:extLst>
+              <a:ext uri="{FF2B5EF4-FFF2-40B4-BE49-F238E27FC236}">
+                <a16:creationId xmlns:a16="http://schemas.microsoft.com/office/drawing/2014/main" id="{FEA5D59C-4AD9-89E7-F423-65EFC483AE4B}"/>
+              </a:ext>
+            </a:extLst>
+          </p:cNvPr>
+          <p:cNvSpPr txBox="1">
+            <a:spLocks/>
+          </p:cNvSpPr>
+          <p:nvPr/>
+        </p:nvSpPr>
+        <p:spPr>
+          <a:xfrm>
+            <a:off x="6362330" y="5940605"/>
+            <a:ext cx="5829669" cy="365125"/>
+          </a:xfrm>
+          <a:prstGeom prst="rect">
+            <a:avLst/>
+          </a:prstGeom>
+          <a:gradFill flip="none" rotWithShape="1">
+            <a:gsLst>
+              <a:gs pos="0">
+                <a:schemeClr val="accent5"/>
+              </a:gs>
+              <a:gs pos="100000">
+                <a:schemeClr val="accent2">
+                  <a:lumMod val="97000"/>
+                  <a:lumOff val="3000"/>
+                </a:schemeClr>
+              </a:gs>
+              <a:gs pos="50000">
+                <a:schemeClr val="accent1"/>
+              </a:gs>
+            </a:gsLst>
+            <a:lin ang="10800000" scaled="1"/>
+            <a:tileRect/>
+          </a:gradFill>
+        </p:spPr>
+        <p:txBody>
+          <a:bodyPr vert="horz" lIns="91440" tIns="45720" rIns="91440" bIns="45720" rtlCol="0" anchor="ctr">
+            <a:noAutofit/>
+          </a:bodyPr>
+          <a:lstStyle>
+            <a:lvl1pPr marL="0" indent="0" algn="ctr" defTabSz="914400" rtl="0" eaLnBrk="1" latinLnBrk="0" hangingPunct="1">
+              <a:lnSpc>
+                <a:spcPct val="100000"/>
+              </a:lnSpc>
+              <a:spcBef>
+                <a:spcPts val="1000"/>
+              </a:spcBef>
+              <a:buFont typeface="Arial" panose="020B0604020202020204" pitchFamily="34" charset="0"/>
+              <a:buNone/>
+              <a:defRPr sz="1400" kern="1200" cap="all" spc="600" baseline="0">
+                <a:solidFill>
+                  <a:schemeClr val="bg1"/>
+                </a:solidFill>
+                <a:latin typeface="+mn-lt"/>
+                <a:ea typeface="+mn-ea"/>
+                <a:cs typeface="+mn-cs"/>
+              </a:defRPr>
+            </a:lvl1pPr>
+            <a:lvl2pPr marL="457200" indent="0" algn="l" defTabSz="914400" rtl="0" eaLnBrk="1" latinLnBrk="0" hangingPunct="1">
+              <a:lnSpc>
+                <a:spcPct val="150000"/>
+              </a:lnSpc>
+              <a:spcBef>
+                <a:spcPts val="500"/>
+              </a:spcBef>
+              <a:buFont typeface="Arial" panose="020B0604020202020204" pitchFamily="34" charset="0"/>
+              <a:buNone/>
+              <a:defRPr sz="2000" kern="1200">
+                <a:solidFill>
+                  <a:schemeClr val="tx1">
+                    <a:tint val="75000"/>
+                  </a:schemeClr>
+                </a:solidFill>
+                <a:latin typeface="+mn-lt"/>
+                <a:ea typeface="+mn-ea"/>
+                <a:cs typeface="+mn-cs"/>
+              </a:defRPr>
+            </a:lvl2pPr>
+            <a:lvl3pPr marL="914400" indent="0" algn="l" defTabSz="914400" rtl="0" eaLnBrk="1" latinLnBrk="0" hangingPunct="1">
+              <a:lnSpc>
+                <a:spcPct val="150000"/>
+              </a:lnSpc>
+              <a:spcBef>
+                <a:spcPts val="500"/>
+              </a:spcBef>
+              <a:buFont typeface="Arial" panose="020B0604020202020204" pitchFamily="34" charset="0"/>
+              <a:buNone/>
+              <a:defRPr sz="1800" kern="1200">
+                <a:solidFill>
+                  <a:schemeClr val="tx1">
+                    <a:tint val="75000"/>
+                  </a:schemeClr>
+                </a:solidFill>
+                <a:latin typeface="+mn-lt"/>
+                <a:ea typeface="+mn-ea"/>
+                <a:cs typeface="+mn-cs"/>
+              </a:defRPr>
+            </a:lvl3pPr>
+            <a:lvl4pPr marL="1371600" indent="0" algn="l" defTabSz="914400" rtl="0" eaLnBrk="1" latinLnBrk="0" hangingPunct="1">
+              <a:lnSpc>
+                <a:spcPct val="150000"/>
+              </a:lnSpc>
+              <a:spcBef>
+                <a:spcPts val="500"/>
+              </a:spcBef>
+              <a:buFont typeface="Arial" panose="020B0604020202020204" pitchFamily="34" charset="0"/>
+              <a:buNone/>
+              <a:defRPr sz="1600" kern="1200">
+                <a:solidFill>
+                  <a:schemeClr val="tx1">
+                    <a:tint val="75000"/>
+                  </a:schemeClr>
+                </a:solidFill>
+                <a:latin typeface="+mn-lt"/>
+                <a:ea typeface="+mn-ea"/>
+                <a:cs typeface="+mn-cs"/>
+              </a:defRPr>
+            </a:lvl4pPr>
+            <a:lvl5pPr marL="1828800" indent="0" algn="l" defTabSz="914400" rtl="0" eaLnBrk="1" latinLnBrk="0" hangingPunct="1">
+              <a:lnSpc>
+                <a:spcPct val="150000"/>
+              </a:lnSpc>
+              <a:spcBef>
+                <a:spcPts val="500"/>
+              </a:spcBef>
+              <a:buFont typeface="Arial" panose="020B0604020202020204" pitchFamily="34" charset="0"/>
+              <a:buNone/>
+              <a:defRPr sz="1600" kern="1200">
+                <a:solidFill>
+                  <a:schemeClr val="tx1">
+                    <a:tint val="75000"/>
+                  </a:schemeClr>
+                </a:solidFill>
+                <a:latin typeface="+mn-lt"/>
+                <a:ea typeface="+mn-ea"/>
+                <a:cs typeface="+mn-cs"/>
+              </a:defRPr>
+            </a:lvl5pPr>
+            <a:lvl6pPr marL="2286000" indent="0" algn="l" defTabSz="914400" rtl="0" eaLnBrk="1" latinLnBrk="0" hangingPunct="1">
+              <a:lnSpc>
+                <a:spcPct val="90000"/>
+              </a:lnSpc>
+              <a:spcBef>
+                <a:spcPts val="500"/>
+              </a:spcBef>
+              <a:buFont typeface="Arial" panose="020B0604020202020204" pitchFamily="34" charset="0"/>
+              <a:buNone/>
+              <a:defRPr sz="1600" kern="1200">
+                <a:solidFill>
+                  <a:schemeClr val="tx1">
+                    <a:tint val="75000"/>
+                  </a:schemeClr>
+                </a:solidFill>
+                <a:latin typeface="+mn-lt"/>
+                <a:ea typeface="+mn-ea"/>
+                <a:cs typeface="+mn-cs"/>
+              </a:defRPr>
+            </a:lvl6pPr>
+            <a:lvl7pPr marL="2743200" indent="0" algn="l" defTabSz="914400" rtl="0" eaLnBrk="1" latinLnBrk="0" hangingPunct="1">
+              <a:lnSpc>
+                <a:spcPct val="90000"/>
+              </a:lnSpc>
+              <a:spcBef>
+                <a:spcPts val="500"/>
+              </a:spcBef>
+              <a:buFont typeface="Arial" panose="020B0604020202020204" pitchFamily="34" charset="0"/>
+              <a:buNone/>
+              <a:defRPr sz="1600" kern="1200">
+                <a:solidFill>
+                  <a:schemeClr val="tx1">
+                    <a:tint val="75000"/>
+                  </a:schemeClr>
+                </a:solidFill>
+                <a:latin typeface="+mn-lt"/>
+                <a:ea typeface="+mn-ea"/>
+                <a:cs typeface="+mn-cs"/>
+              </a:defRPr>
+            </a:lvl7pPr>
+            <a:lvl8pPr marL="3200400" indent="0" algn="l" defTabSz="914400" rtl="0" eaLnBrk="1" latinLnBrk="0" hangingPunct="1">
+              <a:lnSpc>
+                <a:spcPct val="90000"/>
+              </a:lnSpc>
+              <a:spcBef>
+                <a:spcPts val="500"/>
+              </a:spcBef>
+              <a:buFont typeface="Arial" panose="020B0604020202020204" pitchFamily="34" charset="0"/>
+              <a:buNone/>
+              <a:defRPr sz="1600" kern="1200">
+                <a:solidFill>
+                  <a:schemeClr val="tx1">
+                    <a:tint val="75000"/>
+                  </a:schemeClr>
+                </a:solidFill>
+                <a:latin typeface="+mn-lt"/>
+                <a:ea typeface="+mn-ea"/>
+                <a:cs typeface="+mn-cs"/>
+              </a:defRPr>
+            </a:lvl8pPr>
+            <a:lvl9pPr marL="3657600" indent="0" algn="l" defTabSz="914400" rtl="0" eaLnBrk="1" latinLnBrk="0" hangingPunct="1">
+              <a:lnSpc>
+                <a:spcPct val="90000"/>
+              </a:lnSpc>
+              <a:spcBef>
+                <a:spcPts val="500"/>
+              </a:spcBef>
+              <a:buFont typeface="Arial" panose="020B0604020202020204" pitchFamily="34" charset="0"/>
+              <a:buNone/>
+              <a:defRPr sz="1600" kern="1200">
+                <a:solidFill>
+                  <a:schemeClr val="tx1">
+                    <a:tint val="75000"/>
+                  </a:schemeClr>
+                </a:solidFill>
+                <a:latin typeface="+mn-lt"/>
+                <a:ea typeface="+mn-ea"/>
+                <a:cs typeface="+mn-cs"/>
+              </a:defRPr>
+            </a:lvl9pPr>
+          </a:lstStyle>
+          <a:p>
+            <a:r>
+              <a:rPr lang="en-US" spc="300"/>
+              <a:t> </a:t>
+            </a:r>
+            <a:endParaRPr lang="en-US" spc="300" dirty="0"/>
+          </a:p>
+        </p:txBody>
+      </p:sp>
+      <p:sp>
+        <p:nvSpPr>
+          <p:cNvPr id="2" name="Content Placeholder 8">
+            <a:extLst>
+              <a:ext uri="{FF2B5EF4-FFF2-40B4-BE49-F238E27FC236}">
+                <a16:creationId xmlns:a16="http://schemas.microsoft.com/office/drawing/2014/main" id="{F8BBD6BA-CA7D-1973-B283-4041FC25B422}"/>
+              </a:ext>
+            </a:extLst>
+          </p:cNvPr>
+          <p:cNvSpPr txBox="1">
+            <a:spLocks/>
+          </p:cNvSpPr>
+          <p:nvPr/>
+        </p:nvSpPr>
+        <p:spPr>
+          <a:xfrm>
+            <a:off x="6362330" y="2320660"/>
+            <a:ext cx="4516707" cy="3420533"/>
+          </a:xfrm>
+          <a:prstGeom prst="rect">
+            <a:avLst/>
+          </a:prstGeom>
+          <a:noFill/>
+        </p:spPr>
+        <p:txBody>
+          <a:bodyPr vert="horz" lIns="91440" tIns="45720" rIns="91440" bIns="45720" rtlCol="0" anchor="t">
+            <a:normAutofit lnSpcReduction="10000"/>
+          </a:bodyPr>
+          <a:lstStyle>
+            <a:lvl1pPr marL="0" indent="0" algn="ctr" defTabSz="914400" rtl="0" eaLnBrk="1" latinLnBrk="0" hangingPunct="1">
+              <a:lnSpc>
+                <a:spcPct val="100000"/>
+              </a:lnSpc>
+              <a:spcBef>
+                <a:spcPts val="1000"/>
+              </a:spcBef>
+              <a:buFont typeface="Arial" panose="020B0604020202020204" pitchFamily="34" charset="0"/>
+              <a:buNone/>
+              <a:defRPr sz="1400" kern="1200" cap="all" spc="600" baseline="0">
+                <a:solidFill>
+                  <a:schemeClr val="bg1"/>
+                </a:solidFill>
+                <a:latin typeface="+mn-lt"/>
+                <a:ea typeface="+mn-ea"/>
+                <a:cs typeface="+mn-cs"/>
+              </a:defRPr>
+            </a:lvl1pPr>
+            <a:lvl2pPr marL="457200" indent="0" algn="l" defTabSz="914400" rtl="0" eaLnBrk="1" latinLnBrk="0" hangingPunct="1">
+              <a:lnSpc>
+                <a:spcPct val="150000"/>
+              </a:lnSpc>
+              <a:spcBef>
+                <a:spcPts val="500"/>
+              </a:spcBef>
+              <a:buFont typeface="Arial" panose="020B0604020202020204" pitchFamily="34" charset="0"/>
+              <a:buNone/>
+              <a:defRPr sz="2000" kern="1200">
+                <a:solidFill>
+                  <a:schemeClr val="tx1">
+                    <a:tint val="75000"/>
+                  </a:schemeClr>
+                </a:solidFill>
+                <a:latin typeface="+mn-lt"/>
+                <a:ea typeface="+mn-ea"/>
+                <a:cs typeface="+mn-cs"/>
+              </a:defRPr>
+            </a:lvl2pPr>
+            <a:lvl3pPr marL="914400" indent="0" algn="l" defTabSz="914400" rtl="0" eaLnBrk="1" latinLnBrk="0" hangingPunct="1">
+              <a:lnSpc>
+                <a:spcPct val="150000"/>
+              </a:lnSpc>
+              <a:spcBef>
+                <a:spcPts val="500"/>
+              </a:spcBef>
+              <a:buFont typeface="Arial" panose="020B0604020202020204" pitchFamily="34" charset="0"/>
+              <a:buNone/>
+              <a:defRPr sz="1800" kern="1200">
+                <a:solidFill>
+                  <a:schemeClr val="tx1">
+                    <a:tint val="75000"/>
+                  </a:schemeClr>
+                </a:solidFill>
+                <a:latin typeface="+mn-lt"/>
+                <a:ea typeface="+mn-ea"/>
+                <a:cs typeface="+mn-cs"/>
+              </a:defRPr>
+            </a:lvl3pPr>
+            <a:lvl4pPr marL="1371600" indent="0" algn="l" defTabSz="914400" rtl="0" eaLnBrk="1" latinLnBrk="0" hangingPunct="1">
+              <a:lnSpc>
+                <a:spcPct val="150000"/>
+              </a:lnSpc>
+              <a:spcBef>
+                <a:spcPts val="500"/>
+              </a:spcBef>
+              <a:buFont typeface="Arial" panose="020B0604020202020204" pitchFamily="34" charset="0"/>
+              <a:buNone/>
+              <a:defRPr sz="1600" kern="1200">
+                <a:solidFill>
+                  <a:schemeClr val="tx1">
+                    <a:tint val="75000"/>
+                  </a:schemeClr>
+                </a:solidFill>
+                <a:latin typeface="+mn-lt"/>
+                <a:ea typeface="+mn-ea"/>
+                <a:cs typeface="+mn-cs"/>
+              </a:defRPr>
+            </a:lvl4pPr>
+            <a:lvl5pPr marL="1828800" indent="0" algn="l" defTabSz="914400" rtl="0" eaLnBrk="1" latinLnBrk="0" hangingPunct="1">
+              <a:lnSpc>
+                <a:spcPct val="150000"/>
+              </a:lnSpc>
+              <a:spcBef>
+                <a:spcPts val="500"/>
+              </a:spcBef>
+              <a:buFont typeface="Arial" panose="020B0604020202020204" pitchFamily="34" charset="0"/>
+              <a:buNone/>
+              <a:defRPr sz="1600" kern="1200">
+                <a:solidFill>
+                  <a:schemeClr val="tx1">
+                    <a:tint val="75000"/>
+                  </a:schemeClr>
+                </a:solidFill>
+                <a:latin typeface="+mn-lt"/>
+                <a:ea typeface="+mn-ea"/>
+                <a:cs typeface="+mn-cs"/>
+              </a:defRPr>
+            </a:lvl5pPr>
+            <a:lvl6pPr marL="2286000" indent="0" algn="l" defTabSz="914400" rtl="0" eaLnBrk="1" latinLnBrk="0" hangingPunct="1">
+              <a:lnSpc>
+                <a:spcPct val="90000"/>
+              </a:lnSpc>
+              <a:spcBef>
+                <a:spcPts val="500"/>
+              </a:spcBef>
+              <a:buFont typeface="Arial" panose="020B0604020202020204" pitchFamily="34" charset="0"/>
+              <a:buNone/>
+              <a:defRPr sz="1600" kern="1200">
+                <a:solidFill>
+                  <a:schemeClr val="tx1">
+                    <a:tint val="75000"/>
+                  </a:schemeClr>
+                </a:solidFill>
+                <a:latin typeface="+mn-lt"/>
+                <a:ea typeface="+mn-ea"/>
+                <a:cs typeface="+mn-cs"/>
+              </a:defRPr>
+            </a:lvl6pPr>
+            <a:lvl7pPr marL="2743200" indent="0" algn="l" defTabSz="914400" rtl="0" eaLnBrk="1" latinLnBrk="0" hangingPunct="1">
+              <a:lnSpc>
+                <a:spcPct val="90000"/>
+              </a:lnSpc>
+              <a:spcBef>
+                <a:spcPts val="500"/>
+              </a:spcBef>
+              <a:buFont typeface="Arial" panose="020B0604020202020204" pitchFamily="34" charset="0"/>
+              <a:buNone/>
+              <a:defRPr sz="1600" kern="1200">
+                <a:solidFill>
+                  <a:schemeClr val="tx1">
+                    <a:tint val="75000"/>
+                  </a:schemeClr>
+                </a:solidFill>
+                <a:latin typeface="+mn-lt"/>
+                <a:ea typeface="+mn-ea"/>
+                <a:cs typeface="+mn-cs"/>
+              </a:defRPr>
+            </a:lvl7pPr>
+            <a:lvl8pPr marL="3200400" indent="0" algn="l" defTabSz="914400" rtl="0" eaLnBrk="1" latinLnBrk="0" hangingPunct="1">
+              <a:lnSpc>
+                <a:spcPct val="90000"/>
+              </a:lnSpc>
+              <a:spcBef>
+                <a:spcPts val="500"/>
+              </a:spcBef>
+              <a:buFont typeface="Arial" panose="020B0604020202020204" pitchFamily="34" charset="0"/>
+              <a:buNone/>
+              <a:defRPr sz="1600" kern="1200">
+                <a:solidFill>
+                  <a:schemeClr val="tx1">
+                    <a:tint val="75000"/>
+                  </a:schemeClr>
+                </a:solidFill>
+                <a:latin typeface="+mn-lt"/>
+                <a:ea typeface="+mn-ea"/>
+                <a:cs typeface="+mn-cs"/>
+              </a:defRPr>
+            </a:lvl8pPr>
+            <a:lvl9pPr marL="3657600" indent="0" algn="l" defTabSz="914400" rtl="0" eaLnBrk="1" latinLnBrk="0" hangingPunct="1">
+              <a:lnSpc>
+                <a:spcPct val="90000"/>
+              </a:lnSpc>
+              <a:spcBef>
+                <a:spcPts val="500"/>
+              </a:spcBef>
+              <a:buFont typeface="Arial" panose="020B0604020202020204" pitchFamily="34" charset="0"/>
+              <a:buNone/>
+              <a:defRPr sz="1600" kern="1200">
+                <a:solidFill>
+                  <a:schemeClr val="tx1">
+                    <a:tint val="75000"/>
+                  </a:schemeClr>
+                </a:solidFill>
+                <a:latin typeface="+mn-lt"/>
+                <a:ea typeface="+mn-ea"/>
+                <a:cs typeface="+mn-cs"/>
+              </a:defRPr>
+            </a:lvl9pPr>
+          </a:lstStyle>
+          <a:p>
+            <a:pPr algn="l">
+              <a:lnSpc>
+                <a:spcPct val="120000"/>
+              </a:lnSpc>
+              <a:spcBef>
+                <a:spcPts val="0"/>
+              </a:spcBef>
+            </a:pPr>
+            <a:r>
+              <a:rPr lang="en-US" sz="2400" cap="none" spc="0" dirty="0">
+                <a:solidFill>
+                  <a:sysClr val="windowText" lastClr="000000"/>
+                </a:solidFill>
+                <a:effectLst/>
+              </a:rPr>
+              <a:t>After a client uploads a picture of their pet, our image recognition will be able to determine what kind of animal it is, then recommend names based off this information and a couple of other factors such as the animal’s coloring.</a:t>
+            </a:r>
+          </a:p>
+        </p:txBody>
+      </p:sp>
+    </p:spTree>
+    <p:extLst>
+      <p:ext uri="{BB962C8B-B14F-4D97-AF65-F5344CB8AC3E}">
+        <p14:creationId xmlns:p14="http://schemas.microsoft.com/office/powerpoint/2010/main" val="2944765398"/>
+      </p:ext>
+    </p:extLst>
+  </p:cSld>
+  <p:clrMapOvr>
+    <a:masterClrMapping/>
+  </p:clrMapOvr>
+</p:sld>
+</file>
+
+<file path=ppt/slides/slide5.xml><?xml version="1.0" encoding="utf-8"?>
+<p:sld xmlns:a="http://schemas.openxmlformats.org/drawingml/2006/main" xmlns:r="http://schemas.openxmlformats.org/officeDocument/2006/relationships" xmlns:p="http://schemas.openxmlformats.org/presentationml/2006/main">
+  <p:cSld>
+    <p:spTree>
+      <p:nvGrpSpPr>
+        <p:cNvPr id="1" name=""/>
+        <p:cNvGrpSpPr/>
+        <p:nvPr/>
+      </p:nvGrpSpPr>
+      <p:grpSpPr>
+        <a:xfrm>
+          <a:off x="0" y="0"/>
+          <a:ext cx="0" cy="0"/>
+          <a:chOff x="0" y="0"/>
+          <a:chExt cx="0" cy="0"/>
+        </a:xfrm>
+      </p:grpSpPr>
+      <p:sp>
+        <p:nvSpPr>
+          <p:cNvPr id="3" name="Title 2">
+            <a:extLst>
+              <a:ext uri="{FF2B5EF4-FFF2-40B4-BE49-F238E27FC236}">
+                <a16:creationId xmlns:a16="http://schemas.microsoft.com/office/drawing/2014/main" id="{1D24B42B-925B-494C-A986-BD85E8117E1E}"/>
+              </a:ext>
+            </a:extLst>
+          </p:cNvPr>
+          <p:cNvSpPr>
+            <a:spLocks noGrp="1"/>
+          </p:cNvSpPr>
+          <p:nvPr>
+            <p:ph type="title"/>
+          </p:nvPr>
+        </p:nvSpPr>
+        <p:spPr>
+          <a:xfrm>
+            <a:off x="6362331" y="659363"/>
+            <a:ext cx="5251450" cy="1661297"/>
+          </a:xfrm>
+        </p:spPr>
+        <p:txBody>
+          <a:bodyPr>
+            <a:normAutofit fontScale="90000"/>
+          </a:bodyPr>
+          <a:lstStyle/>
+          <a:p>
+            <a:r>
+              <a:rPr lang="en-US" dirty="0"/>
+              <a:t>EQUIPMENT</a:t>
+            </a:r>
+            <a:br>
+              <a:rPr lang="en-US" dirty="0"/>
+            </a:br>
+            <a:r>
+              <a:rPr lang="en-US" dirty="0"/>
+              <a:t>&amp; Software</a:t>
+            </a:r>
+          </a:p>
+        </p:txBody>
+      </p:sp>
+      <p:pic>
+        <p:nvPicPr>
+          <p:cNvPr id="13" name="Picture Placeholder 12" descr="close up of computer on top of table against a brick wall">
+            <a:extLst>
+              <a:ext uri="{FF2B5EF4-FFF2-40B4-BE49-F238E27FC236}">
+                <a16:creationId xmlns:a16="http://schemas.microsoft.com/office/drawing/2014/main" id="{90BB9493-60B4-4B89-89CE-E1F8BF6C4D12}"/>
+              </a:ext>
+            </a:extLst>
+          </p:cNvPr>
+          <p:cNvPicPr>
+            <a:picLocks noGrp="1" noChangeAspect="1"/>
+          </p:cNvPicPr>
+          <p:nvPr>
+            <p:ph type="pic" sz="quarter" idx="13"/>
+          </p:nvPr>
+        </p:nvPicPr>
+        <p:blipFill rotWithShape="1">
+          <a:blip r:embed="rId2" cstate="email">
+            <a:extLst>
+              <a:ext uri="{BEBA8EAE-BF5A-486C-A8C5-ECC9F3942E4B}">
+                <a14:imgProps xmlns:a14="http://schemas.microsoft.com/office/drawing/2010/main">
+                  <a14:imgLayer r:embed="rId3">
+                    <a14:imgEffect>
+                      <a14:saturation sat="0"/>
+                    </a14:imgEffect>
+                  </a14:imgLayer>
+                </a14:imgProps>
+              </a:ext>
+              <a:ext uri="{28A0092B-C50C-407E-A947-70E740481C1C}">
+                <a14:useLocalDpi xmlns:a14="http://schemas.microsoft.com/office/drawing/2010/main"/>
+              </a:ext>
+            </a:extLst>
+          </a:blip>
+          <a:srcRect l="20370" r="20370"/>
+          <a:stretch/>
+        </p:blipFill>
+        <p:spPr/>
+      </p:pic>
+      <p:sp>
+        <p:nvSpPr>
           <p:cNvPr id="5" name="Text Placeholder 4">
             <a:extLst>
               <a:ext uri="{FF2B5EF4-FFF2-40B4-BE49-F238E27FC236}">
@@ -7120,7 +6885,7 @@
           <a:p>
             <a:fld id="{8C2E478F-E849-4A8C-AF1F-CBCC78A7CBFA}" type="slidenum">
               <a:rPr lang="en-US" smtClean="0"/>
-              <a:t>4</a:t>
+              <a:t>5</a:t>
             </a:fld>
             <a:endParaRPr lang="en-US" dirty="0"/>
           </a:p>
@@ -7372,7 +7137,7 @@
 </p:sld>
 </file>
 
-<file path=ppt/slides/slide5.xml><?xml version="1.0" encoding="utf-8"?>
+<file path=ppt/slides/slide6.xml><?xml version="1.0" encoding="utf-8"?>
 <p:sld xmlns:a="http://schemas.openxmlformats.org/drawingml/2006/main" xmlns:r="http://schemas.openxmlformats.org/officeDocument/2006/relationships" xmlns:p="http://schemas.openxmlformats.org/presentationml/2006/main">
   <p:cSld>
     <p:spTree>
@@ -7389,12 +7154,44 @@
           <a:chExt cx="0" cy="0"/>
         </a:xfrm>
       </p:grpSpPr>
+      <p:sp>
+        <p:nvSpPr>
+          <p:cNvPr id="2" name="Title 1">
+            <a:extLst>
+              <a:ext uri="{FF2B5EF4-FFF2-40B4-BE49-F238E27FC236}">
+                <a16:creationId xmlns:a16="http://schemas.microsoft.com/office/drawing/2014/main" id="{12CC3376-5069-4C7B-BE6B-A3776D1B47BA}"/>
+              </a:ext>
+            </a:extLst>
+          </p:cNvPr>
+          <p:cNvSpPr>
+            <a:spLocks noGrp="1"/>
+          </p:cNvSpPr>
+          <p:nvPr>
+            <p:ph type="title"/>
+          </p:nvPr>
+        </p:nvSpPr>
+        <p:spPr/>
+        <p:txBody>
+          <a:bodyPr/>
+          <a:lstStyle/>
+          <a:p>
+            <a:r>
+              <a:rPr lang="en-US" dirty="0"/>
+              <a:t>API</a:t>
+            </a:r>
+            <a:r>
+              <a:rPr lang="en-US" sz="2000" dirty="0"/>
+              <a:t>s</a:t>
+            </a:r>
+          </a:p>
+        </p:txBody>
+      </p:sp>
       <p:pic>
         <p:nvPicPr>
-          <p:cNvPr id="8" name="Picture Placeholder 7" descr="close up of computer code">
-            <a:extLst>
-              <a:ext uri="{FF2B5EF4-FFF2-40B4-BE49-F238E27FC236}">
-                <a16:creationId xmlns:a16="http://schemas.microsoft.com/office/drawing/2014/main" id="{A596BF19-CC58-4709-B5D6-3FC378FDC7BA}"/>
+          <p:cNvPr id="6" name="Picture Placeholder 5" descr="person staring at blueprints on a brick wall">
+            <a:extLst>
+              <a:ext uri="{FF2B5EF4-FFF2-40B4-BE49-F238E27FC236}">
+                <a16:creationId xmlns:a16="http://schemas.microsoft.com/office/drawing/2014/main" id="{C07C315A-7CD1-432C-92FA-6B62159B56CA}"/>
               </a:ext>
             </a:extLst>
           </p:cNvPr>
@@ -7402,15 +7199,15 @@
             <a:picLocks noGrp="1" noChangeAspect="1"/>
           </p:cNvPicPr>
           <p:nvPr>
-            <p:ph type="pic" sz="quarter" idx="13"/>
+            <p:ph type="pic" sz="quarter" idx="14"/>
           </p:nvPr>
         </p:nvPicPr>
         <p:blipFill rotWithShape="1">
-          <a:blip r:embed="rId2">
+          <a:blip r:embed="rId3">
             <a:extLst>
               <a:ext uri="{BEBA8EAE-BF5A-486C-A8C5-ECC9F3942E4B}">
                 <a14:imgProps xmlns:a14="http://schemas.microsoft.com/office/drawing/2010/main">
-                  <a14:imgLayer r:embed="rId3">
+                  <a14:imgLayer r:embed="rId4">
                     <a14:imgEffect>
                       <a14:saturation sat="0"/>
                     </a14:imgEffect>
@@ -7419,565 +7216,137 @@
               </a:ext>
             </a:extLst>
           </a:blip>
-          <a:srcRect l="20370" r="20370"/>
+          <a:srcRect l="23552" t="1" r="23880" b="327"/>
           <a:stretch/>
         </p:blipFill>
-        <p:spPr/>
-      </p:pic>
-      <p:sp>
-        <p:nvSpPr>
-          <p:cNvPr id="6" name="Slide Number Placeholder 5">
-            <a:extLst>
-              <a:ext uri="{FF2B5EF4-FFF2-40B4-BE49-F238E27FC236}">
-                <a16:creationId xmlns:a16="http://schemas.microsoft.com/office/drawing/2014/main" id="{FC6A5C12-E784-444E-B868-DE2AE85742BB}"/>
-              </a:ext>
-            </a:extLst>
-          </p:cNvPr>
-          <p:cNvSpPr>
-            <a:spLocks noGrp="1"/>
-          </p:cNvSpPr>
-          <p:nvPr>
-            <p:ph type="sldNum" sz="quarter" idx="12"/>
-          </p:nvPr>
-        </p:nvSpPr>
-        <p:spPr/>
-        <p:txBody>
-          <a:bodyPr/>
-          <a:lstStyle/>
-          <a:p>
-            <a:fld id="{8C2E478F-E849-4A8C-AF1F-CBCC78A7CBFA}" type="slidenum">
-              <a:rPr lang="en-US" smtClean="0"/>
-              <a:t>5</a:t>
-            </a:fld>
-            <a:endParaRPr lang="en-US" dirty="0"/>
-          </a:p>
-        </p:txBody>
-      </p:sp>
-      <p:sp>
-        <p:nvSpPr>
-          <p:cNvPr id="4" name="Title 2">
-            <a:extLst>
-              <a:ext uri="{FF2B5EF4-FFF2-40B4-BE49-F238E27FC236}">
-                <a16:creationId xmlns:a16="http://schemas.microsoft.com/office/drawing/2014/main" id="{2F8EB875-4267-9B7B-CA4D-2BA5B5FF6E4F}"/>
-              </a:ext>
-            </a:extLst>
-          </p:cNvPr>
-          <p:cNvSpPr txBox="1">
-            <a:spLocks/>
-          </p:cNvSpPr>
-          <p:nvPr/>
-        </p:nvSpPr>
         <p:spPr>
           <a:xfrm>
-            <a:off x="6362331" y="659363"/>
-            <a:ext cx="5251450" cy="1661297"/>
+            <a:off x="0" y="0"/>
+            <a:ext cx="5416550" cy="6858000"/>
           </a:xfrm>
-          <a:prstGeom prst="rect">
-            <a:avLst/>
-          </a:prstGeom>
         </p:spPr>
-        <p:txBody>
-          <a:bodyPr vert="horz" lIns="91440" tIns="45720" rIns="91440" bIns="45720" rtlCol="0" anchor="b">
+      </p:pic>
+      <p:sp>
+        <p:nvSpPr>
+          <p:cNvPr id="14" name="Content Placeholder 13">
+            <a:extLst>
+              <a:ext uri="{FF2B5EF4-FFF2-40B4-BE49-F238E27FC236}">
+                <a16:creationId xmlns:a16="http://schemas.microsoft.com/office/drawing/2014/main" id="{79248A72-A597-48DF-A270-3389F5D209C0}"/>
+              </a:ext>
+            </a:extLst>
+          </p:cNvPr>
+          <p:cNvSpPr>
+            <a:spLocks noGrp="1"/>
+          </p:cNvSpPr>
+          <p:nvPr>
+            <p:ph idx="1"/>
+          </p:nvPr>
+        </p:nvSpPr>
+        <p:spPr>
+          <a:xfrm>
+            <a:off x="6096000" y="1660945"/>
+            <a:ext cx="5669280" cy="4208346"/>
+          </a:xfrm>
+        </p:spPr>
+        <p:txBody>
+          <a:bodyPr>
             <a:normAutofit/>
           </a:bodyPr>
-          <a:lstStyle>
-            <a:lvl1pPr algn="l" defTabSz="914400" rtl="0" eaLnBrk="1" latinLnBrk="0" hangingPunct="1">
-              <a:lnSpc>
-                <a:spcPct val="100000"/>
-              </a:lnSpc>
-              <a:spcBef>
-                <a:spcPct val="0"/>
-              </a:spcBef>
-              <a:buNone/>
-              <a:defRPr sz="6000" kern="1200" cap="all" spc="300" baseline="0">
-                <a:solidFill>
-                  <a:schemeClr val="tx1"/>
-                </a:solidFill>
-                <a:latin typeface="+mj-lt"/>
-                <a:ea typeface="+mj-ea"/>
-                <a:cs typeface="+mj-cs"/>
-              </a:defRPr>
-            </a:lvl1pPr>
-          </a:lstStyle>
-          <a:p>
-            <a:r>
-              <a:rPr lang="en-US" dirty="0"/>
-              <a:t>BACKEND</a:t>
-            </a:r>
-          </a:p>
-        </p:txBody>
-      </p:sp>
-      <p:sp>
-        <p:nvSpPr>
-          <p:cNvPr id="5" name="Text Placeholder 4">
-            <a:extLst>
-              <a:ext uri="{FF2B5EF4-FFF2-40B4-BE49-F238E27FC236}">
-                <a16:creationId xmlns:a16="http://schemas.microsoft.com/office/drawing/2014/main" id="{FEA5D59C-4AD9-89E7-F423-65EFC483AE4B}"/>
-              </a:ext>
-            </a:extLst>
-          </p:cNvPr>
-          <p:cNvSpPr txBox="1">
-            <a:spLocks/>
-          </p:cNvSpPr>
-          <p:nvPr/>
-        </p:nvSpPr>
-        <p:spPr>
-          <a:xfrm>
-            <a:off x="6362330" y="5940605"/>
-            <a:ext cx="5829669" cy="365125"/>
-          </a:xfrm>
-          <a:prstGeom prst="rect">
-            <a:avLst/>
-          </a:prstGeom>
-          <a:gradFill flip="none" rotWithShape="1">
-            <a:gsLst>
-              <a:gs pos="0">
-                <a:schemeClr val="accent5"/>
-              </a:gs>
-              <a:gs pos="100000">
-                <a:schemeClr val="accent2">
-                  <a:lumMod val="97000"/>
-                  <a:lumOff val="3000"/>
-                </a:schemeClr>
-              </a:gs>
-              <a:gs pos="50000">
-                <a:schemeClr val="accent1"/>
-              </a:gs>
-            </a:gsLst>
-            <a:lin ang="10800000" scaled="1"/>
-            <a:tileRect/>
-          </a:gradFill>
-        </p:spPr>
-        <p:txBody>
-          <a:bodyPr vert="horz" lIns="91440" tIns="45720" rIns="91440" bIns="45720" rtlCol="0" anchor="ctr">
-            <a:noAutofit/>
-          </a:bodyPr>
-          <a:lstStyle>
-            <a:lvl1pPr marL="0" indent="0" algn="ctr" defTabSz="914400" rtl="0" eaLnBrk="1" latinLnBrk="0" hangingPunct="1">
+          <a:lstStyle/>
+          <a:p>
+            <a:pPr marL="0" marR="0" lvl="0" indent="0" algn="l" defTabSz="914400" rtl="0" eaLnBrk="1" fontAlgn="auto" latinLnBrk="0" hangingPunct="1">
               <a:lnSpc>
                 <a:spcPct val="100000"/>
               </a:lnSpc>
               <a:spcBef>
                 <a:spcPts val="1000"/>
               </a:spcBef>
+              <a:spcAft>
+                <a:spcPts val="0"/>
+              </a:spcAft>
+              <a:buClrTx/>
+              <a:buSzTx/>
               <a:buFont typeface="Arial" panose="020B0604020202020204" pitchFamily="34" charset="0"/>
               <a:buNone/>
-              <a:defRPr sz="1400" kern="1200" cap="all" spc="600" baseline="0">
-                <a:solidFill>
-                  <a:schemeClr val="bg1"/>
-                </a:solidFill>
-                <a:latin typeface="+mn-lt"/>
-                <a:ea typeface="+mn-ea"/>
-                <a:cs typeface="+mn-cs"/>
-              </a:defRPr>
-            </a:lvl1pPr>
-            <a:lvl2pPr marL="457200" indent="0" algn="l" defTabSz="914400" rtl="0" eaLnBrk="1" latinLnBrk="0" hangingPunct="1">
-              <a:lnSpc>
-                <a:spcPct val="150000"/>
-              </a:lnSpc>
-              <a:spcBef>
-                <a:spcPts val="500"/>
-              </a:spcBef>
-              <a:buFont typeface="Arial" panose="020B0604020202020204" pitchFamily="34" charset="0"/>
-              <a:buNone/>
-              <a:defRPr sz="2000" kern="1200">
-                <a:solidFill>
-                  <a:schemeClr val="tx1">
-                    <a:tint val="75000"/>
-                  </a:schemeClr>
-                </a:solidFill>
-                <a:latin typeface="+mn-lt"/>
-                <a:ea typeface="+mn-ea"/>
-                <a:cs typeface="+mn-cs"/>
-              </a:defRPr>
-            </a:lvl2pPr>
-            <a:lvl3pPr marL="914400" indent="0" algn="l" defTabSz="914400" rtl="0" eaLnBrk="1" latinLnBrk="0" hangingPunct="1">
-              <a:lnSpc>
-                <a:spcPct val="150000"/>
-              </a:lnSpc>
-              <a:spcBef>
-                <a:spcPts val="500"/>
-              </a:spcBef>
-              <a:buFont typeface="Arial" panose="020B0604020202020204" pitchFamily="34" charset="0"/>
-              <a:buNone/>
-              <a:defRPr sz="1800" kern="1200">
-                <a:solidFill>
-                  <a:schemeClr val="tx1">
-                    <a:tint val="75000"/>
-                  </a:schemeClr>
-                </a:solidFill>
-                <a:latin typeface="+mn-lt"/>
-                <a:ea typeface="+mn-ea"/>
-                <a:cs typeface="+mn-cs"/>
-              </a:defRPr>
-            </a:lvl3pPr>
-            <a:lvl4pPr marL="1371600" indent="0" algn="l" defTabSz="914400" rtl="0" eaLnBrk="1" latinLnBrk="0" hangingPunct="1">
-              <a:lnSpc>
-                <a:spcPct val="150000"/>
-              </a:lnSpc>
-              <a:spcBef>
-                <a:spcPts val="500"/>
-              </a:spcBef>
-              <a:buFont typeface="Arial" panose="020B0604020202020204" pitchFamily="34" charset="0"/>
-              <a:buNone/>
-              <a:defRPr sz="1600" kern="1200">
-                <a:solidFill>
-                  <a:schemeClr val="tx1">
-                    <a:tint val="75000"/>
-                  </a:schemeClr>
-                </a:solidFill>
-                <a:latin typeface="+mn-lt"/>
-                <a:ea typeface="+mn-ea"/>
-                <a:cs typeface="+mn-cs"/>
-              </a:defRPr>
-            </a:lvl4pPr>
-            <a:lvl5pPr marL="1828800" indent="0" algn="l" defTabSz="914400" rtl="0" eaLnBrk="1" latinLnBrk="0" hangingPunct="1">
-              <a:lnSpc>
-                <a:spcPct val="150000"/>
-              </a:lnSpc>
-              <a:spcBef>
-                <a:spcPts val="500"/>
-              </a:spcBef>
-              <a:buFont typeface="Arial" panose="020B0604020202020204" pitchFamily="34" charset="0"/>
-              <a:buNone/>
-              <a:defRPr sz="1600" kern="1200">
-                <a:solidFill>
-                  <a:schemeClr val="tx1">
-                    <a:tint val="75000"/>
-                  </a:schemeClr>
-                </a:solidFill>
-                <a:latin typeface="+mn-lt"/>
-                <a:ea typeface="+mn-ea"/>
-                <a:cs typeface="+mn-cs"/>
-              </a:defRPr>
-            </a:lvl5pPr>
-            <a:lvl6pPr marL="2286000" indent="0" algn="l" defTabSz="914400" rtl="0" eaLnBrk="1" latinLnBrk="0" hangingPunct="1">
-              <a:lnSpc>
-                <a:spcPct val="90000"/>
-              </a:lnSpc>
-              <a:spcBef>
-                <a:spcPts val="500"/>
-              </a:spcBef>
-              <a:buFont typeface="Arial" panose="020B0604020202020204" pitchFamily="34" charset="0"/>
-              <a:buNone/>
-              <a:defRPr sz="1600" kern="1200">
-                <a:solidFill>
-                  <a:schemeClr val="tx1">
-                    <a:tint val="75000"/>
-                  </a:schemeClr>
-                </a:solidFill>
-                <a:latin typeface="+mn-lt"/>
-                <a:ea typeface="+mn-ea"/>
-                <a:cs typeface="+mn-cs"/>
-              </a:defRPr>
-            </a:lvl6pPr>
-            <a:lvl7pPr marL="2743200" indent="0" algn="l" defTabSz="914400" rtl="0" eaLnBrk="1" latinLnBrk="0" hangingPunct="1">
-              <a:lnSpc>
-                <a:spcPct val="90000"/>
-              </a:lnSpc>
-              <a:spcBef>
-                <a:spcPts val="500"/>
-              </a:spcBef>
-              <a:buFont typeface="Arial" panose="020B0604020202020204" pitchFamily="34" charset="0"/>
-              <a:buNone/>
-              <a:defRPr sz="1600" kern="1200">
-                <a:solidFill>
-                  <a:schemeClr val="tx1">
-                    <a:tint val="75000"/>
-                  </a:schemeClr>
-                </a:solidFill>
-                <a:latin typeface="+mn-lt"/>
-                <a:ea typeface="+mn-ea"/>
-                <a:cs typeface="+mn-cs"/>
-              </a:defRPr>
-            </a:lvl7pPr>
-            <a:lvl8pPr marL="3200400" indent="0" algn="l" defTabSz="914400" rtl="0" eaLnBrk="1" latinLnBrk="0" hangingPunct="1">
-              <a:lnSpc>
-                <a:spcPct val="90000"/>
-              </a:lnSpc>
-              <a:spcBef>
-                <a:spcPts val="500"/>
-              </a:spcBef>
-              <a:buFont typeface="Arial" panose="020B0604020202020204" pitchFamily="34" charset="0"/>
-              <a:buNone/>
-              <a:defRPr sz="1600" kern="1200">
-                <a:solidFill>
-                  <a:schemeClr val="tx1">
-                    <a:tint val="75000"/>
-                  </a:schemeClr>
-                </a:solidFill>
-                <a:latin typeface="+mn-lt"/>
-                <a:ea typeface="+mn-ea"/>
-                <a:cs typeface="+mn-cs"/>
-              </a:defRPr>
-            </a:lvl8pPr>
-            <a:lvl9pPr marL="3657600" indent="0" algn="l" defTabSz="914400" rtl="0" eaLnBrk="1" latinLnBrk="0" hangingPunct="1">
-              <a:lnSpc>
-                <a:spcPct val="90000"/>
-              </a:lnSpc>
-              <a:spcBef>
-                <a:spcPts val="500"/>
-              </a:spcBef>
-              <a:buFont typeface="Arial" panose="020B0604020202020204" pitchFamily="34" charset="0"/>
-              <a:buNone/>
-              <a:defRPr sz="1600" kern="1200">
-                <a:solidFill>
-                  <a:schemeClr val="tx1">
-                    <a:tint val="75000"/>
-                  </a:schemeClr>
-                </a:solidFill>
-                <a:latin typeface="+mn-lt"/>
-                <a:ea typeface="+mn-ea"/>
-                <a:cs typeface="+mn-cs"/>
-              </a:defRPr>
-            </a:lvl9pPr>
-          </a:lstStyle>
-          <a:p>
-            <a:r>
-              <a:rPr lang="en-US" spc="300"/>
-              <a:t> </a:t>
-            </a:r>
-            <a:endParaRPr lang="en-US" spc="300" dirty="0"/>
-          </a:p>
-        </p:txBody>
-      </p:sp>
-      <p:sp>
-        <p:nvSpPr>
-          <p:cNvPr id="7" name="Content Placeholder 8">
-            <a:extLst>
-              <a:ext uri="{FF2B5EF4-FFF2-40B4-BE49-F238E27FC236}">
-                <a16:creationId xmlns:a16="http://schemas.microsoft.com/office/drawing/2014/main" id="{8FBDF5B0-DB22-8A14-31E0-643D1A462F62}"/>
-              </a:ext>
-            </a:extLst>
-          </p:cNvPr>
-          <p:cNvSpPr txBox="1">
-            <a:spLocks/>
-          </p:cNvSpPr>
-          <p:nvPr/>
-        </p:nvSpPr>
-        <p:spPr>
-          <a:xfrm>
-            <a:off x="6362331" y="2826250"/>
-            <a:ext cx="4646246" cy="2218585"/>
-          </a:xfrm>
-          <a:prstGeom prst="rect">
-            <a:avLst/>
-          </a:prstGeom>
-          <a:noFill/>
-        </p:spPr>
-        <p:txBody>
-          <a:bodyPr vert="horz" lIns="91440" tIns="45720" rIns="91440" bIns="45720" rtlCol="0" anchor="t">
-            <a:normAutofit/>
-          </a:bodyPr>
-          <a:lstStyle>
-            <a:lvl1pPr marL="0" indent="0" algn="ctr" defTabSz="914400" rtl="0" eaLnBrk="1" latinLnBrk="0" hangingPunct="1">
-              <a:lnSpc>
-                <a:spcPct val="100000"/>
-              </a:lnSpc>
-              <a:spcBef>
-                <a:spcPts val="1000"/>
-              </a:spcBef>
-              <a:buFont typeface="Arial" panose="020B0604020202020204" pitchFamily="34" charset="0"/>
-              <a:buNone/>
-              <a:defRPr sz="1400" kern="1200" cap="all" spc="600" baseline="0">
-                <a:solidFill>
-                  <a:schemeClr val="bg1"/>
-                </a:solidFill>
-                <a:latin typeface="+mn-lt"/>
-                <a:ea typeface="+mn-ea"/>
-                <a:cs typeface="+mn-cs"/>
-              </a:defRPr>
-            </a:lvl1pPr>
-            <a:lvl2pPr marL="457200" indent="0" algn="l" defTabSz="914400" rtl="0" eaLnBrk="1" latinLnBrk="0" hangingPunct="1">
-              <a:lnSpc>
-                <a:spcPct val="150000"/>
-              </a:lnSpc>
-              <a:spcBef>
-                <a:spcPts val="500"/>
-              </a:spcBef>
-              <a:buFont typeface="Arial" panose="020B0604020202020204" pitchFamily="34" charset="0"/>
-              <a:buNone/>
-              <a:defRPr sz="2000" kern="1200">
-                <a:solidFill>
-                  <a:schemeClr val="tx1">
-                    <a:tint val="75000"/>
-                  </a:schemeClr>
-                </a:solidFill>
-                <a:latin typeface="+mn-lt"/>
-                <a:ea typeface="+mn-ea"/>
-                <a:cs typeface="+mn-cs"/>
-              </a:defRPr>
-            </a:lvl2pPr>
-            <a:lvl3pPr marL="914400" indent="0" algn="l" defTabSz="914400" rtl="0" eaLnBrk="1" latinLnBrk="0" hangingPunct="1">
-              <a:lnSpc>
-                <a:spcPct val="150000"/>
-              </a:lnSpc>
-              <a:spcBef>
-                <a:spcPts val="500"/>
-              </a:spcBef>
-              <a:buFont typeface="Arial" panose="020B0604020202020204" pitchFamily="34" charset="0"/>
-              <a:buNone/>
-              <a:defRPr sz="1800" kern="1200">
-                <a:solidFill>
-                  <a:schemeClr val="tx1">
-                    <a:tint val="75000"/>
-                  </a:schemeClr>
-                </a:solidFill>
-                <a:latin typeface="+mn-lt"/>
-                <a:ea typeface="+mn-ea"/>
-                <a:cs typeface="+mn-cs"/>
-              </a:defRPr>
-            </a:lvl3pPr>
-            <a:lvl4pPr marL="1371600" indent="0" algn="l" defTabSz="914400" rtl="0" eaLnBrk="1" latinLnBrk="0" hangingPunct="1">
-              <a:lnSpc>
-                <a:spcPct val="150000"/>
-              </a:lnSpc>
-              <a:spcBef>
-                <a:spcPts val="500"/>
-              </a:spcBef>
-              <a:buFont typeface="Arial" panose="020B0604020202020204" pitchFamily="34" charset="0"/>
-              <a:buNone/>
-              <a:defRPr sz="1600" kern="1200">
-                <a:solidFill>
-                  <a:schemeClr val="tx1">
-                    <a:tint val="75000"/>
-                  </a:schemeClr>
-                </a:solidFill>
-                <a:latin typeface="+mn-lt"/>
-                <a:ea typeface="+mn-ea"/>
-                <a:cs typeface="+mn-cs"/>
-              </a:defRPr>
-            </a:lvl4pPr>
-            <a:lvl5pPr marL="1828800" indent="0" algn="l" defTabSz="914400" rtl="0" eaLnBrk="1" latinLnBrk="0" hangingPunct="1">
-              <a:lnSpc>
-                <a:spcPct val="150000"/>
-              </a:lnSpc>
-              <a:spcBef>
-                <a:spcPts val="500"/>
-              </a:spcBef>
-              <a:buFont typeface="Arial" panose="020B0604020202020204" pitchFamily="34" charset="0"/>
-              <a:buNone/>
-              <a:defRPr sz="1600" kern="1200">
-                <a:solidFill>
-                  <a:schemeClr val="tx1">
-                    <a:tint val="75000"/>
-                  </a:schemeClr>
-                </a:solidFill>
-                <a:latin typeface="+mn-lt"/>
-                <a:ea typeface="+mn-ea"/>
-                <a:cs typeface="+mn-cs"/>
-              </a:defRPr>
-            </a:lvl5pPr>
-            <a:lvl6pPr marL="2286000" indent="0" algn="l" defTabSz="914400" rtl="0" eaLnBrk="1" latinLnBrk="0" hangingPunct="1">
-              <a:lnSpc>
-                <a:spcPct val="90000"/>
-              </a:lnSpc>
-              <a:spcBef>
-                <a:spcPts val="500"/>
-              </a:spcBef>
-              <a:buFont typeface="Arial" panose="020B0604020202020204" pitchFamily="34" charset="0"/>
-              <a:buNone/>
-              <a:defRPr sz="1600" kern="1200">
-                <a:solidFill>
-                  <a:schemeClr val="tx1">
-                    <a:tint val="75000"/>
-                  </a:schemeClr>
-                </a:solidFill>
-                <a:latin typeface="+mn-lt"/>
-                <a:ea typeface="+mn-ea"/>
-                <a:cs typeface="+mn-cs"/>
-              </a:defRPr>
-            </a:lvl6pPr>
-            <a:lvl7pPr marL="2743200" indent="0" algn="l" defTabSz="914400" rtl="0" eaLnBrk="1" latinLnBrk="0" hangingPunct="1">
-              <a:lnSpc>
-                <a:spcPct val="90000"/>
-              </a:lnSpc>
-              <a:spcBef>
-                <a:spcPts val="500"/>
-              </a:spcBef>
-              <a:buFont typeface="Arial" panose="020B0604020202020204" pitchFamily="34" charset="0"/>
-              <a:buNone/>
-              <a:defRPr sz="1600" kern="1200">
-                <a:solidFill>
-                  <a:schemeClr val="tx1">
-                    <a:tint val="75000"/>
-                  </a:schemeClr>
-                </a:solidFill>
-                <a:latin typeface="+mn-lt"/>
-                <a:ea typeface="+mn-ea"/>
-                <a:cs typeface="+mn-cs"/>
-              </a:defRPr>
-            </a:lvl7pPr>
-            <a:lvl8pPr marL="3200400" indent="0" algn="l" defTabSz="914400" rtl="0" eaLnBrk="1" latinLnBrk="0" hangingPunct="1">
-              <a:lnSpc>
-                <a:spcPct val="90000"/>
-              </a:lnSpc>
-              <a:spcBef>
-                <a:spcPts val="500"/>
-              </a:spcBef>
-              <a:buFont typeface="Arial" panose="020B0604020202020204" pitchFamily="34" charset="0"/>
-              <a:buNone/>
-              <a:defRPr sz="1600" kern="1200">
-                <a:solidFill>
-                  <a:schemeClr val="tx1">
-                    <a:tint val="75000"/>
-                  </a:schemeClr>
-                </a:solidFill>
-                <a:latin typeface="+mn-lt"/>
-                <a:ea typeface="+mn-ea"/>
-                <a:cs typeface="+mn-cs"/>
-              </a:defRPr>
-            </a:lvl8pPr>
-            <a:lvl9pPr marL="3657600" indent="0" algn="l" defTabSz="914400" rtl="0" eaLnBrk="1" latinLnBrk="0" hangingPunct="1">
-              <a:lnSpc>
-                <a:spcPct val="90000"/>
-              </a:lnSpc>
-              <a:spcBef>
-                <a:spcPts val="500"/>
-              </a:spcBef>
-              <a:buFont typeface="Arial" panose="020B0604020202020204" pitchFamily="34" charset="0"/>
-              <a:buNone/>
-              <a:defRPr sz="1600" kern="1200">
-                <a:solidFill>
-                  <a:schemeClr val="tx1">
-                    <a:tint val="75000"/>
-                  </a:schemeClr>
-                </a:solidFill>
-                <a:latin typeface="+mn-lt"/>
-                <a:ea typeface="+mn-ea"/>
-                <a:cs typeface="+mn-cs"/>
-              </a:defRPr>
-            </a:lvl9pPr>
-          </a:lstStyle>
-          <a:p>
-            <a:r>
-              <a:rPr lang="en-US" dirty="0">
-                <a:solidFill>
-                  <a:schemeClr val="tx1"/>
-                </a:solidFill>
+              <a:tabLst/>
+              <a:defRPr/>
+            </a:pPr>
+            <a:r>
+              <a:rPr lang="en-US" sz="2000" spc="300" dirty="0">
+                <a:cs typeface="Biome Light" panose="020B0303030204020804" pitchFamily="34" charset="0"/>
               </a:rPr>
-              <a:t>Languages, frameworks, </a:t>
-            </a:r>
-            <a:r>
-              <a:rPr lang="en-US" dirty="0" err="1">
-                <a:solidFill>
-                  <a:schemeClr val="tx1"/>
-                </a:solidFill>
-              </a:rPr>
-              <a:t>etc</a:t>
-            </a:r>
-            <a:endParaRPr lang="en-US" dirty="0">
+              <a:t>CURRENTLY RESEARCHING</a:t>
+            </a:r>
+            <a:endParaRPr kumimoji="0" lang="en-US" sz="2000" b="0" i="0" u="none" strike="noStrike" kern="1200" cap="none" spc="300" normalizeH="0" baseline="0" noProof="0" dirty="0">
+              <a:ln>
+                <a:noFill/>
+              </a:ln>
               <a:solidFill>
                 <a:schemeClr val="tx1"/>
               </a:solidFill>
+              <a:effectLst/>
+              <a:uLnTx/>
+              <a:uFillTx/>
+              <a:latin typeface="+mn-lt"/>
+              <a:ea typeface="+mn-ea"/>
+              <a:cs typeface="Biome Light" panose="020B0303030204020804" pitchFamily="34" charset="0"/>
             </a:endParaRPr>
+          </a:p>
+          <a:p>
+            <a:r>
+              <a:rPr lang="en-US" dirty="0"/>
+              <a:t>We need an </a:t>
+            </a:r>
+            <a:r>
+              <a:rPr lang="en-US" dirty="0" err="1"/>
+              <a:t>api</a:t>
+            </a:r>
+            <a:r>
+              <a:rPr lang="en-US" dirty="0"/>
+              <a:t> for animal photo recognition</a:t>
+            </a:r>
+          </a:p>
+          <a:p>
+            <a:pPr marL="0" indent="0">
+              <a:buNone/>
+            </a:pPr>
+            <a:endParaRPr lang="en-US" b="1" dirty="0"/>
+          </a:p>
+        </p:txBody>
+      </p:sp>
+      <p:sp>
+        <p:nvSpPr>
+          <p:cNvPr id="16" name="Slide Number Placeholder 15">
+            <a:extLst>
+              <a:ext uri="{FF2B5EF4-FFF2-40B4-BE49-F238E27FC236}">
+                <a16:creationId xmlns:a16="http://schemas.microsoft.com/office/drawing/2014/main" id="{7FA57D11-A25F-4772-8E50-DDB68BE8CB69}"/>
+              </a:ext>
+            </a:extLst>
+          </p:cNvPr>
+          <p:cNvSpPr>
+            <a:spLocks noGrp="1"/>
+          </p:cNvSpPr>
+          <p:nvPr>
+            <p:ph type="sldNum" sz="quarter" idx="4"/>
+          </p:nvPr>
+        </p:nvSpPr>
+        <p:spPr/>
+        <p:txBody>
+          <a:bodyPr/>
+          <a:lstStyle/>
+          <a:p>
+            <a:fld id="{8C2E478F-E849-4A8C-AF1F-CBCC78A7CBFA}" type="slidenum">
+              <a:rPr lang="en-US" smtClean="0"/>
+              <a:t>6</a:t>
+            </a:fld>
+            <a:endParaRPr lang="en-US" dirty="0"/>
           </a:p>
         </p:txBody>
       </p:sp>
     </p:spTree>
     <p:extLst>
       <p:ext uri="{BB962C8B-B14F-4D97-AF65-F5344CB8AC3E}">
-        <p14:creationId xmlns:p14="http://schemas.microsoft.com/office/powerpoint/2010/main" val="2944765398"/>
+        <p14:creationId xmlns:p14="http://schemas.microsoft.com/office/powerpoint/2010/main" val="3516891798"/>
       </p:ext>
     </p:extLst>
   </p:cSld>
@@ -7987,7 +7356,7 @@
 </p:sld>
 </file>
 
-<file path=ppt/slides/slide6.xml><?xml version="1.0" encoding="utf-8"?>
+<file path=ppt/slides/slide7.xml><?xml version="1.0" encoding="utf-8"?>
 <p:sld xmlns:a="http://schemas.openxmlformats.org/drawingml/2006/main" xmlns:r="http://schemas.openxmlformats.org/officeDocument/2006/relationships" xmlns:p="http://schemas.openxmlformats.org/presentationml/2006/main">
   <p:cSld>
     <p:spTree>
@@ -8954,7 +8323,7 @@
           <a:p>
             <a:fld id="{8C2E478F-E849-4A8C-AF1F-CBCC78A7CBFA}" type="slidenum">
               <a:rPr lang="en-US" smtClean="0"/>
-              <a:t>6</a:t>
+              <a:t>7</a:t>
             </a:fld>
             <a:endParaRPr lang="en-US" dirty="0"/>
           </a:p>
@@ -8973,9 +8342,17 @@
 </p:sld>
 </file>
 
-<file path=ppt/slides/slide7.xml><?xml version="1.0" encoding="utf-8"?>
+<file path=ppt/slides/slide8.xml><?xml version="1.0" encoding="utf-8"?>
 <p:sld xmlns:a="http://schemas.openxmlformats.org/drawingml/2006/main" xmlns:r="http://schemas.openxmlformats.org/officeDocument/2006/relationships" xmlns:p="http://schemas.openxmlformats.org/presentationml/2006/main">
   <p:cSld>
+    <p:bg>
+      <p:bgPr>
+        <a:solidFill>
+          <a:schemeClr val="bg1"/>
+        </a:solidFill>
+        <a:effectLst/>
+      </p:bgPr>
+    </p:bg>
     <p:spTree>
       <p:nvGrpSpPr>
         <p:cNvPr id="1" name=""/>
@@ -8990,150 +8367,23 @@
           <a:chExt cx="0" cy="0"/>
         </a:xfrm>
       </p:grpSpPr>
-      <p:sp>
-        <p:nvSpPr>
-          <p:cNvPr id="2" name="Title 1">
-            <a:extLst>
-              <a:ext uri="{FF2B5EF4-FFF2-40B4-BE49-F238E27FC236}">
-                <a16:creationId xmlns:a16="http://schemas.microsoft.com/office/drawing/2014/main" id="{32DF4EAD-5E5D-5A8E-99BA-6CF431893108}"/>
-              </a:ext>
-            </a:extLst>
-          </p:cNvPr>
-          <p:cNvSpPr>
-            <a:spLocks noGrp="1"/>
-          </p:cNvSpPr>
-          <p:nvPr>
-            <p:ph type="title"/>
-          </p:nvPr>
-        </p:nvSpPr>
-        <p:spPr/>
-        <p:txBody>
-          <a:bodyPr/>
-          <a:lstStyle/>
-          <a:p>
-            <a:r>
-              <a:rPr lang="en-US" dirty="0"/>
-              <a:t>PLACEHOLDER</a:t>
-            </a:r>
-            <a:br>
-              <a:rPr lang="en-US" dirty="0"/>
-            </a:br>
-            <a:r>
-              <a:rPr lang="en-US" cap="none" dirty="0"/>
-              <a:t>the rest of the slides have not been designated for anything yet</a:t>
-            </a:r>
-            <a:endParaRPr lang="en-US" dirty="0"/>
-          </a:p>
-        </p:txBody>
-      </p:sp>
-      <p:sp>
-        <p:nvSpPr>
-          <p:cNvPr id="9" name="Slide Number Placeholder 8">
-            <a:extLst>
-              <a:ext uri="{FF2B5EF4-FFF2-40B4-BE49-F238E27FC236}">
-                <a16:creationId xmlns:a16="http://schemas.microsoft.com/office/drawing/2014/main" id="{2A2F2534-421D-65CC-167E-2623CCD90F1A}"/>
-              </a:ext>
-            </a:extLst>
-          </p:cNvPr>
-          <p:cNvSpPr>
-            <a:spLocks noGrp="1"/>
-          </p:cNvSpPr>
-          <p:nvPr>
-            <p:ph type="sldNum" sz="quarter" idx="11"/>
-          </p:nvPr>
-        </p:nvSpPr>
-        <p:spPr/>
-        <p:txBody>
-          <a:bodyPr/>
-          <a:lstStyle/>
-          <a:p>
-            <a:fld id="{8C2E478F-E849-4A8C-AF1F-CBCC78A7CBFA}" type="slidenum">
-              <a:rPr lang="en-US" smtClean="0"/>
-              <a:t>7</a:t>
-            </a:fld>
-            <a:endParaRPr lang="en-US" dirty="0"/>
-          </a:p>
-        </p:txBody>
-      </p:sp>
-    </p:spTree>
-    <p:extLst>
-      <p:ext uri="{BB962C8B-B14F-4D97-AF65-F5344CB8AC3E}">
-        <p14:creationId xmlns:p14="http://schemas.microsoft.com/office/powerpoint/2010/main" val="1052111207"/>
-      </p:ext>
-    </p:extLst>
-  </p:cSld>
-  <p:clrMapOvr>
-    <a:masterClrMapping/>
-  </p:clrMapOvr>
-</p:sld>
-</file>
-
-<file path=ppt/slides/slide8.xml><?xml version="1.0" encoding="utf-8"?>
-<p:sld xmlns:a="http://schemas.openxmlformats.org/drawingml/2006/main" xmlns:r="http://schemas.openxmlformats.org/officeDocument/2006/relationships" xmlns:p="http://schemas.openxmlformats.org/presentationml/2006/main">
-  <p:cSld>
-    <p:spTree>
-      <p:nvGrpSpPr>
-        <p:cNvPr id="1" name=""/>
-        <p:cNvGrpSpPr/>
-        <p:nvPr/>
-      </p:nvGrpSpPr>
-      <p:grpSpPr>
-        <a:xfrm>
-          <a:off x="0" y="0"/>
-          <a:ext cx="0" cy="0"/>
-          <a:chOff x="0" y="0"/>
-          <a:chExt cx="0" cy="0"/>
-        </a:xfrm>
-      </p:grpSpPr>
-      <p:sp>
-        <p:nvSpPr>
-          <p:cNvPr id="14" name="Title 2">
-            <a:extLst>
-              <a:ext uri="{FF2B5EF4-FFF2-40B4-BE49-F238E27FC236}">
-                <a16:creationId xmlns:a16="http://schemas.microsoft.com/office/drawing/2014/main" id="{93863800-85E5-44A7-96E9-521CE882616B}"/>
-              </a:ext>
-            </a:extLst>
-          </p:cNvPr>
-          <p:cNvSpPr>
-            <a:spLocks noGrp="1"/>
-          </p:cNvSpPr>
-          <p:nvPr>
-            <p:ph type="title"/>
-          </p:nvPr>
-        </p:nvSpPr>
-        <p:spPr/>
-        <p:txBody>
-          <a:bodyPr anchor="ctr">
-            <a:normAutofit/>
-          </a:bodyPr>
-          <a:lstStyle/>
-          <a:p>
-            <a:pPr algn="ctr"/>
-            <a:r>
-              <a:rPr lang="en-US" sz="4800" spc="300" dirty="0"/>
-              <a:t>Goals for q2</a:t>
-            </a:r>
-          </a:p>
-        </p:txBody>
-      </p:sp>
       <p:pic>
         <p:nvPicPr>
-          <p:cNvPr id="15" name="Picture Placeholder 14" descr="group professional photo">
-            <a:extLst>
-              <a:ext uri="{FF2B5EF4-FFF2-40B4-BE49-F238E27FC236}">
-                <a16:creationId xmlns:a16="http://schemas.microsoft.com/office/drawing/2014/main" id="{4B696E0D-78B0-41A4-A40D-7A4F6E88FEB7}"/>
+          <p:cNvPr id="40" name="Picture Placeholder 7" descr="abstract image">
+            <a:extLst>
+              <a:ext uri="{FF2B5EF4-FFF2-40B4-BE49-F238E27FC236}">
+                <a16:creationId xmlns:a16="http://schemas.microsoft.com/office/drawing/2014/main" id="{D5C5EA1B-F06D-4AD1-B526-89C2DF772232}"/>
               </a:ext>
             </a:extLst>
           </p:cNvPr>
           <p:cNvPicPr>
-            <a:picLocks noGrp="1" noChangeAspect="1"/>
+            <a:picLocks noChangeAspect="1"/>
           </p:cNvPicPr>
-          <p:nvPr>
-            <p:ph type="pic" sz="quarter" idx="10"/>
-          </p:nvPr>
+          <p:nvPr/>
         </p:nvPicPr>
-        <p:blipFill>
-          <a:blip r:embed="rId2" cstate="email">
+        <p:blipFill rotWithShape="1">
+          <a:blip r:embed="rId2">
+            <a:alphaModFix amt="52000"/>
             <a:extLst>
               <a:ext uri="{BEBA8EAE-BF5A-486C-A8C5-ECC9F3942E4B}">
                 <a14:imgProps xmlns:a14="http://schemas.microsoft.com/office/drawing/2010/main">
@@ -9144,1140 +8394,94 @@
                   </a14:imgLayer>
                 </a14:imgProps>
               </a:ext>
-              <a:ext uri="{28A0092B-C50C-407E-A947-70E740481C1C}">
-                <a14:useLocalDpi xmlns:a14="http://schemas.microsoft.com/office/drawing/2010/main"/>
-              </a:ext>
             </a:extLst>
           </a:blip>
-          <a:srcRect t="22475" b="22475"/>
-          <a:stretch>
-            <a:fillRect/>
-          </a:stretch>
+          <a:srcRect l="22717" r="45642"/>
+          <a:stretch/>
         </p:blipFill>
-        <p:spPr/>
+        <p:spPr>
+          <a:xfrm rot="16200000">
+            <a:off x="2667001" y="-2666999"/>
+            <a:ext cx="6858000" cy="12192000"/>
+          </a:xfrm>
+          <a:prstGeom prst="rect">
+            <a:avLst/>
+          </a:prstGeom>
+          <a:noFill/>
+        </p:spPr>
       </p:pic>
-      <p:pic>
-        <p:nvPicPr>
-          <p:cNvPr id="10" name="Picture Placeholder 9" descr="close up of computer boards">
-            <a:extLst>
-              <a:ext uri="{FF2B5EF4-FFF2-40B4-BE49-F238E27FC236}">
-                <a16:creationId xmlns:a16="http://schemas.microsoft.com/office/drawing/2014/main" id="{AD4E0449-1F68-4DB7-BBE6-7BC3B0E30699}"/>
-              </a:ext>
-            </a:extLst>
-          </p:cNvPr>
-          <p:cNvPicPr>
-            <a:picLocks noGrp="1" noChangeAspect="1"/>
-          </p:cNvPicPr>
-          <p:nvPr>
-            <p:ph type="pic" sz="quarter" idx="11"/>
-          </p:nvPr>
-        </p:nvPicPr>
-        <p:blipFill>
-          <a:blip r:embed="rId4" cstate="email">
-            <a:extLst>
-              <a:ext uri="{BEBA8EAE-BF5A-486C-A8C5-ECC9F3942E4B}">
-                <a14:imgProps xmlns:a14="http://schemas.microsoft.com/office/drawing/2010/main">
-                  <a14:imgLayer r:embed="rId5">
-                    <a14:imgEffect>
-                      <a14:saturation sat="0"/>
-                    </a14:imgEffect>
-                  </a14:imgLayer>
-                </a14:imgProps>
-              </a:ext>
-              <a:ext uri="{28A0092B-C50C-407E-A947-70E740481C1C}">
-                <a14:useLocalDpi xmlns:a14="http://schemas.microsoft.com/office/drawing/2010/main"/>
-              </a:ext>
-            </a:extLst>
-          </a:blip>
-          <a:srcRect t="15074" b="15074"/>
-          <a:stretch>
-            <a:fillRect/>
-          </a:stretch>
-        </p:blipFill>
-        <p:spPr/>
-      </p:pic>
-      <p:sp>
-        <p:nvSpPr>
-          <p:cNvPr id="4" name="Text Placeholder 3">
-            <a:extLst>
-              <a:ext uri="{FF2B5EF4-FFF2-40B4-BE49-F238E27FC236}">
-                <a16:creationId xmlns:a16="http://schemas.microsoft.com/office/drawing/2014/main" id="{CC409A73-2FDB-4725-9558-77B4ACF929B3}"/>
-              </a:ext>
-            </a:extLst>
-          </p:cNvPr>
-          <p:cNvSpPr>
-            <a:spLocks noGrp="1"/>
-          </p:cNvSpPr>
-          <p:nvPr>
-            <p:ph type="body" idx="1"/>
-          </p:nvPr>
-        </p:nvSpPr>
-        <p:spPr/>
-        <p:txBody>
-          <a:bodyPr>
-            <a:normAutofit fontScale="92500" lnSpcReduction="20000"/>
-          </a:bodyPr>
-          <a:lstStyle/>
-          <a:p>
-            <a:r>
-              <a:rPr lang="en-US" spc="300" dirty="0">
-                <a:solidFill>
-                  <a:schemeClr val="tx1"/>
-                </a:solidFill>
-              </a:rPr>
-              <a:t>EMPLOYEE OPPORTUNITIES</a:t>
-            </a:r>
-          </a:p>
-        </p:txBody>
-      </p:sp>
-      <p:sp>
-        <p:nvSpPr>
-          <p:cNvPr id="6" name="Text Placeholder 5">
-            <a:extLst>
-              <a:ext uri="{FF2B5EF4-FFF2-40B4-BE49-F238E27FC236}">
-                <a16:creationId xmlns:a16="http://schemas.microsoft.com/office/drawing/2014/main" id="{5FBB0776-0624-4A97-8BD3-03CF602288BA}"/>
-              </a:ext>
-            </a:extLst>
-          </p:cNvPr>
-          <p:cNvSpPr>
-            <a:spLocks noGrp="1"/>
-          </p:cNvSpPr>
-          <p:nvPr>
-            <p:ph type="body" sz="quarter" idx="3"/>
-          </p:nvPr>
-        </p:nvSpPr>
-        <p:spPr/>
-        <p:txBody>
-          <a:bodyPr>
-            <a:normAutofit fontScale="92500" lnSpcReduction="20000"/>
-          </a:bodyPr>
-          <a:lstStyle/>
-          <a:p>
-            <a:r>
-              <a:rPr lang="en-US" spc="300" dirty="0">
-                <a:solidFill>
-                  <a:schemeClr val="tx1"/>
-                </a:solidFill>
-              </a:rPr>
-              <a:t>BUSINESS PRIORITIES</a:t>
-            </a:r>
-          </a:p>
-        </p:txBody>
-      </p:sp>
-      <p:sp>
-        <p:nvSpPr>
-          <p:cNvPr id="5" name="Content Placeholder 4">
-            <a:extLst>
-              <a:ext uri="{FF2B5EF4-FFF2-40B4-BE49-F238E27FC236}">
-                <a16:creationId xmlns:a16="http://schemas.microsoft.com/office/drawing/2014/main" id="{56D0F54D-A602-4D35-8BE1-6B9BE8078989}"/>
-              </a:ext>
-            </a:extLst>
-          </p:cNvPr>
-          <p:cNvSpPr>
-            <a:spLocks noGrp="1"/>
-          </p:cNvSpPr>
-          <p:nvPr>
-            <p:ph sz="half" idx="2"/>
-          </p:nvPr>
-        </p:nvSpPr>
-        <p:spPr/>
+      <p:sp>
+        <p:nvSpPr>
+          <p:cNvPr id="6" name="Title 5">
+            <a:extLst>
+              <a:ext uri="{FF2B5EF4-FFF2-40B4-BE49-F238E27FC236}">
+                <a16:creationId xmlns:a16="http://schemas.microsoft.com/office/drawing/2014/main" id="{4F7706BE-EF2E-459C-8778-01DDD354C634}"/>
+              </a:ext>
+            </a:extLst>
+          </p:cNvPr>
+          <p:cNvSpPr>
+            <a:spLocks noGrp="1"/>
+          </p:cNvSpPr>
+          <p:nvPr>
+            <p:ph type="title" idx="4294967295"/>
+          </p:nvPr>
+        </p:nvSpPr>
+        <p:spPr>
+          <a:xfrm>
+            <a:off x="702365" y="1660810"/>
+            <a:ext cx="10787270" cy="830649"/>
+          </a:xfrm>
+        </p:spPr>
         <p:txBody>
           <a:bodyPr>
             <a:normAutofit/>
           </a:bodyPr>
           <a:lstStyle/>
           <a:p>
-            <a:pPr>
-              <a:lnSpc>
-                <a:spcPct val="100000"/>
-              </a:lnSpc>
-              <a:buFont typeface="Wingdings" panose="05000000000000000000" pitchFamily="2" charset="2"/>
-              <a:buChar char="§"/>
-            </a:pPr>
-            <a:r>
-              <a:rPr lang="en-US" sz="1400" dirty="0">
-                <a:solidFill>
-                  <a:schemeClr val="tx1"/>
-                </a:solidFill>
-              </a:rPr>
-              <a:t>End of fiscal celebration on July 15th </a:t>
-            </a:r>
-          </a:p>
-          <a:p>
-            <a:pPr>
-              <a:lnSpc>
-                <a:spcPct val="100000"/>
-              </a:lnSpc>
-              <a:buFont typeface="Wingdings" panose="05000000000000000000" pitchFamily="2" charset="2"/>
-              <a:buChar char="§"/>
-            </a:pPr>
-            <a:r>
-              <a:rPr lang="en-US" sz="1400" dirty="0">
-                <a:solidFill>
-                  <a:schemeClr val="tx1"/>
-                </a:solidFill>
-              </a:rPr>
-              <a:t>Employee day of learning on August 14th </a:t>
-            </a:r>
-          </a:p>
-          <a:p>
-            <a:pPr>
-              <a:lnSpc>
-                <a:spcPct val="100000"/>
-              </a:lnSpc>
-              <a:buFont typeface="Wingdings" panose="05000000000000000000" pitchFamily="2" charset="2"/>
-              <a:buChar char="§"/>
-            </a:pPr>
-            <a:r>
-              <a:rPr lang="en-US" sz="1400" dirty="0">
-                <a:solidFill>
-                  <a:schemeClr val="tx1"/>
-                </a:solidFill>
-              </a:rPr>
-              <a:t>Employee Yoga on September 3rd </a:t>
-            </a:r>
-          </a:p>
-          <a:p>
-            <a:pPr>
-              <a:lnSpc>
-                <a:spcPct val="100000"/>
-              </a:lnSpc>
-              <a:buFont typeface="Wingdings" panose="05000000000000000000" pitchFamily="2" charset="2"/>
-              <a:buChar char="§"/>
-            </a:pPr>
-            <a:r>
-              <a:rPr lang="en-US" sz="1400" dirty="0">
-                <a:solidFill>
-                  <a:schemeClr val="tx1"/>
-                </a:solidFill>
-              </a:rPr>
-              <a:t>Seminar series begins September 10th </a:t>
-            </a:r>
-          </a:p>
-        </p:txBody>
-      </p:sp>
-      <p:sp>
-        <p:nvSpPr>
-          <p:cNvPr id="7" name="Content Placeholder 6">
-            <a:extLst>
-              <a:ext uri="{FF2B5EF4-FFF2-40B4-BE49-F238E27FC236}">
-                <a16:creationId xmlns:a16="http://schemas.microsoft.com/office/drawing/2014/main" id="{EFFBC808-1837-4C36-BFF0-135B8C1042A2}"/>
-              </a:ext>
-            </a:extLst>
-          </p:cNvPr>
-          <p:cNvSpPr>
-            <a:spLocks noGrp="1"/>
-          </p:cNvSpPr>
-          <p:nvPr>
-            <p:ph sz="quarter" idx="4"/>
-          </p:nvPr>
-        </p:nvSpPr>
-        <p:spPr/>
-        <p:txBody>
-          <a:bodyPr>
-            <a:normAutofit/>
-          </a:bodyPr>
-          <a:lstStyle/>
-          <a:p>
-            <a:pPr>
-              <a:lnSpc>
-                <a:spcPct val="100000"/>
-              </a:lnSpc>
-              <a:buFont typeface="Wingdings" panose="05000000000000000000" pitchFamily="2" charset="2"/>
-              <a:buChar char="§"/>
-            </a:pPr>
-            <a:r>
-              <a:rPr lang="en-US" sz="1400" dirty="0">
-                <a:solidFill>
-                  <a:schemeClr val="tx1"/>
-                </a:solidFill>
-              </a:rPr>
-              <a:t>Increase customer satisfaction by 2%</a:t>
-            </a:r>
-          </a:p>
-          <a:p>
-            <a:pPr>
-              <a:lnSpc>
-                <a:spcPct val="100000"/>
-              </a:lnSpc>
-              <a:buFont typeface="Wingdings" panose="05000000000000000000" pitchFamily="2" charset="2"/>
-              <a:buChar char="§"/>
-            </a:pPr>
-            <a:r>
-              <a:rPr lang="en-US" sz="1400" dirty="0">
-                <a:solidFill>
-                  <a:schemeClr val="tx1"/>
-                </a:solidFill>
-              </a:rPr>
-              <a:t>Maintain growth</a:t>
-            </a:r>
-          </a:p>
-          <a:p>
-            <a:pPr>
-              <a:lnSpc>
-                <a:spcPct val="100000"/>
-              </a:lnSpc>
-              <a:buFont typeface="Wingdings" panose="05000000000000000000" pitchFamily="2" charset="2"/>
-              <a:buChar char="§"/>
-            </a:pPr>
-            <a:r>
-              <a:rPr lang="en-US" sz="1400" dirty="0">
-                <a:solidFill>
-                  <a:schemeClr val="tx1"/>
-                </a:solidFill>
-              </a:rPr>
-              <a:t>Initiative partnership with 3rd party organizations</a:t>
-            </a:r>
-          </a:p>
-        </p:txBody>
-      </p:sp>
-      <p:sp>
-        <p:nvSpPr>
-          <p:cNvPr id="16" name="Slide Number Placeholder 15">
-            <a:extLst>
-              <a:ext uri="{FF2B5EF4-FFF2-40B4-BE49-F238E27FC236}">
-                <a16:creationId xmlns:a16="http://schemas.microsoft.com/office/drawing/2014/main" id="{8E69FE38-B9E0-4441-8A00-92DDB88DF02C}"/>
-              </a:ext>
-            </a:extLst>
-          </p:cNvPr>
-          <p:cNvSpPr>
-            <a:spLocks noGrp="1"/>
-          </p:cNvSpPr>
-          <p:nvPr>
-            <p:ph type="sldNum" sz="quarter" idx="12"/>
-          </p:nvPr>
-        </p:nvSpPr>
-        <p:spPr/>
+            <a:r>
+              <a:rPr lang="en-US" sz="4000" spc="300" dirty="0"/>
+              <a:t>THANK YOU</a:t>
+            </a:r>
+          </a:p>
+        </p:txBody>
+      </p:sp>
+      <p:sp>
+        <p:nvSpPr>
+          <p:cNvPr id="3" name="Text Placeholder 2">
+            <a:extLst>
+              <a:ext uri="{FF2B5EF4-FFF2-40B4-BE49-F238E27FC236}">
+                <a16:creationId xmlns:a16="http://schemas.microsoft.com/office/drawing/2014/main" id="{C747C414-85D9-40D6-9BB3-5AF68A84F413}"/>
+              </a:ext>
+            </a:extLst>
+          </p:cNvPr>
+          <p:cNvSpPr>
+            <a:spLocks noGrp="1"/>
+          </p:cNvSpPr>
+          <p:nvPr>
+            <p:ph type="body" sz="quarter" idx="12"/>
+          </p:nvPr>
+        </p:nvSpPr>
+        <p:spPr>
+          <a:xfrm>
+            <a:off x="3512343" y="3169602"/>
+            <a:ext cx="5167313" cy="518795"/>
+          </a:xfrm>
+        </p:spPr>
         <p:txBody>
           <a:bodyPr/>
           <a:lstStyle/>
           <a:p>
-            <a:fld id="{8C2E478F-E849-4A8C-AF1F-CBCC78A7CBFA}" type="slidenum">
-              <a:rPr lang="en-US" smtClean="0"/>
-              <a:t>8</a:t>
-            </a:fld>
-            <a:endParaRPr lang="en-US" dirty="0"/>
+            <a:r>
+              <a:rPr lang="en-US" dirty="0"/>
+              <a:t>Team 1: Phase One</a:t>
+            </a:r>
           </a:p>
         </p:txBody>
       </p:sp>
     </p:spTree>
     <p:extLst>
       <p:ext uri="{BB962C8B-B14F-4D97-AF65-F5344CB8AC3E}">
-        <p14:creationId xmlns:p14="http://schemas.microsoft.com/office/powerpoint/2010/main" val="1619265676"/>
-      </p:ext>
-    </p:extLst>
-  </p:cSld>
-  <p:clrMapOvr>
-    <a:masterClrMapping/>
-  </p:clrMapOvr>
-</p:sld>
-</file>
-
-<file path=ppt/slides/slide9.xml><?xml version="1.0" encoding="utf-8"?>
-<p:sld xmlns:a="http://schemas.openxmlformats.org/drawingml/2006/main" xmlns:r="http://schemas.openxmlformats.org/officeDocument/2006/relationships" xmlns:p="http://schemas.openxmlformats.org/presentationml/2006/main">
-  <p:cSld>
-    <p:spTree>
-      <p:nvGrpSpPr>
-        <p:cNvPr id="1" name=""/>
-        <p:cNvGrpSpPr/>
-        <p:nvPr/>
-      </p:nvGrpSpPr>
-      <p:grpSpPr>
-        <a:xfrm>
-          <a:off x="0" y="0"/>
-          <a:ext cx="0" cy="0"/>
-          <a:chOff x="0" y="0"/>
-          <a:chExt cx="0" cy="0"/>
-        </a:xfrm>
-      </p:grpSpPr>
-      <p:sp>
-        <p:nvSpPr>
-          <p:cNvPr id="3" name="Title 2">
-            <a:extLst>
-              <a:ext uri="{FF2B5EF4-FFF2-40B4-BE49-F238E27FC236}">
-                <a16:creationId xmlns:a16="http://schemas.microsoft.com/office/drawing/2014/main" id="{85534194-745D-4888-BF16-6C09F65EA484}"/>
-              </a:ext>
-            </a:extLst>
-          </p:cNvPr>
-          <p:cNvSpPr>
-            <a:spLocks noGrp="1"/>
-          </p:cNvSpPr>
-          <p:nvPr>
-            <p:ph type="title"/>
-          </p:nvPr>
-        </p:nvSpPr>
-        <p:spPr/>
-        <p:txBody>
-          <a:bodyPr anchor="ctr">
-            <a:normAutofit/>
-          </a:bodyPr>
-          <a:lstStyle/>
-          <a:p>
-            <a:pPr algn="ctr"/>
-            <a:r>
-              <a:rPr lang="en-US" sz="4800" spc="300" dirty="0"/>
-              <a:t>Goals for Phases 2-4</a:t>
-            </a:r>
-          </a:p>
-        </p:txBody>
-      </p:sp>
-      <p:pic>
-        <p:nvPicPr>
-          <p:cNvPr id="14" name="Picture Placeholder 13" descr="person staring at blueprints on a wall">
-            <a:extLst>
-              <a:ext uri="{FF2B5EF4-FFF2-40B4-BE49-F238E27FC236}">
-                <a16:creationId xmlns:a16="http://schemas.microsoft.com/office/drawing/2014/main" id="{0FFF32E4-AD91-40FC-9DF7-A3354578229E}"/>
-              </a:ext>
-            </a:extLst>
-          </p:cNvPr>
-          <p:cNvPicPr>
-            <a:picLocks noGrp="1" noChangeAspect="1"/>
-          </p:cNvPicPr>
-          <p:nvPr>
-            <p:ph type="pic" sz="quarter" idx="10"/>
-          </p:nvPr>
-        </p:nvPicPr>
-        <p:blipFill>
-          <a:blip r:embed="rId2" cstate="email">
-            <a:extLst>
-              <a:ext uri="{BEBA8EAE-BF5A-486C-A8C5-ECC9F3942E4B}">
-                <a14:imgProps xmlns:a14="http://schemas.microsoft.com/office/drawing/2010/main">
-                  <a14:imgLayer r:embed="rId3">
-                    <a14:imgEffect>
-                      <a14:saturation sat="0"/>
-                    </a14:imgEffect>
-                  </a14:imgLayer>
-                </a14:imgProps>
-              </a:ext>
-              <a:ext uri="{28A0092B-C50C-407E-A947-70E740481C1C}">
-                <a14:useLocalDpi xmlns:a14="http://schemas.microsoft.com/office/drawing/2010/main"/>
-              </a:ext>
-            </a:extLst>
-          </a:blip>
-          <a:srcRect t="4341" b="4341"/>
-          <a:stretch>
-            <a:fillRect/>
-          </a:stretch>
-        </p:blipFill>
-        <p:spPr/>
-      </p:pic>
-      <p:pic>
-        <p:nvPicPr>
-          <p:cNvPr id="16" name="Picture Placeholder 15" descr="sticky notes on a clear dry erase board">
-            <a:extLst>
-              <a:ext uri="{FF2B5EF4-FFF2-40B4-BE49-F238E27FC236}">
-                <a16:creationId xmlns:a16="http://schemas.microsoft.com/office/drawing/2014/main" id="{50D4325D-C08E-44CB-8E25-A519866BD2D3}"/>
-              </a:ext>
-            </a:extLst>
-          </p:cNvPr>
-          <p:cNvPicPr>
-            <a:picLocks noGrp="1" noChangeAspect="1"/>
-          </p:cNvPicPr>
-          <p:nvPr>
-            <p:ph type="pic" sz="quarter" idx="11"/>
-          </p:nvPr>
-        </p:nvPicPr>
-        <p:blipFill>
-          <a:blip r:embed="rId4" cstate="email">
-            <a:extLst>
-              <a:ext uri="{BEBA8EAE-BF5A-486C-A8C5-ECC9F3942E4B}">
-                <a14:imgProps xmlns:a14="http://schemas.microsoft.com/office/drawing/2010/main">
-                  <a14:imgLayer r:embed="rId5">
-                    <a14:imgEffect>
-                      <a14:saturation sat="0"/>
-                    </a14:imgEffect>
-                  </a14:imgLayer>
-                </a14:imgProps>
-              </a:ext>
-              <a:ext uri="{28A0092B-C50C-407E-A947-70E740481C1C}">
-                <a14:useLocalDpi xmlns:a14="http://schemas.microsoft.com/office/drawing/2010/main"/>
-              </a:ext>
-            </a:extLst>
-          </a:blip>
-          <a:srcRect t="4341" b="4341"/>
-          <a:stretch>
-            <a:fillRect/>
-          </a:stretch>
-        </p:blipFill>
-        <p:spPr/>
-      </p:pic>
-      <p:pic>
-        <p:nvPicPr>
-          <p:cNvPr id="19" name="Picture Placeholder 18" descr="group of people at a conference table">
-            <a:extLst>
-              <a:ext uri="{FF2B5EF4-FFF2-40B4-BE49-F238E27FC236}">
-                <a16:creationId xmlns:a16="http://schemas.microsoft.com/office/drawing/2014/main" id="{FB89929D-9F1B-48CA-B694-B0344FFC9F65}"/>
-              </a:ext>
-            </a:extLst>
-          </p:cNvPr>
-          <p:cNvPicPr>
-            <a:picLocks noGrp="1" noChangeAspect="1"/>
-          </p:cNvPicPr>
-          <p:nvPr>
-            <p:ph type="pic" sz="quarter" idx="12"/>
-          </p:nvPr>
-        </p:nvPicPr>
-        <p:blipFill>
-          <a:blip r:embed="rId6" cstate="email">
-            <a:extLst>
-              <a:ext uri="{BEBA8EAE-BF5A-486C-A8C5-ECC9F3942E4B}">
-                <a14:imgProps xmlns:a14="http://schemas.microsoft.com/office/drawing/2010/main">
-                  <a14:imgLayer r:embed="rId7">
-                    <a14:imgEffect>
-                      <a14:saturation sat="0"/>
-                    </a14:imgEffect>
-                  </a14:imgLayer>
-                </a14:imgProps>
-              </a:ext>
-              <a:ext uri="{28A0092B-C50C-407E-A947-70E740481C1C}">
-                <a14:useLocalDpi xmlns:a14="http://schemas.microsoft.com/office/drawing/2010/main"/>
-              </a:ext>
-            </a:extLst>
-          </a:blip>
-          <a:srcRect t="4341" b="4341"/>
-          <a:stretch>
-            <a:fillRect/>
-          </a:stretch>
-        </p:blipFill>
-        <p:spPr/>
-      </p:pic>
-      <p:sp>
-        <p:nvSpPr>
-          <p:cNvPr id="6" name="Text Placeholder 5">
-            <a:extLst>
-              <a:ext uri="{FF2B5EF4-FFF2-40B4-BE49-F238E27FC236}">
-                <a16:creationId xmlns:a16="http://schemas.microsoft.com/office/drawing/2014/main" id="{E4A248D7-680E-4181-9558-ED00D7CEAD68}"/>
-              </a:ext>
-            </a:extLst>
-          </p:cNvPr>
-          <p:cNvSpPr>
-            <a:spLocks noGrp="1"/>
-          </p:cNvSpPr>
-          <p:nvPr>
-            <p:ph type="body" sz="quarter" idx="13"/>
-          </p:nvPr>
-        </p:nvSpPr>
-        <p:spPr/>
-        <p:txBody>
-          <a:bodyPr>
-            <a:normAutofit/>
-          </a:bodyPr>
-          <a:lstStyle/>
-          <a:p>
-            <a:pPr marL="0" indent="0">
-              <a:lnSpc>
-                <a:spcPct val="100000"/>
-              </a:lnSpc>
-              <a:spcBef>
-                <a:spcPts val="0"/>
-              </a:spcBef>
-              <a:buNone/>
-              <a:defRPr/>
-            </a:pPr>
-            <a:r>
-              <a:rPr lang="en-US" spc="300" dirty="0"/>
-              <a:t>BUSINESS </a:t>
-            </a:r>
-            <a:br>
-              <a:rPr lang="en-US" spc="300" dirty="0"/>
-            </a:br>
-            <a:r>
-              <a:rPr lang="en-US" spc="300" dirty="0"/>
-              <a:t>PRIORITIES</a:t>
-            </a:r>
-          </a:p>
-          <a:p>
-            <a:pPr marL="228600" indent="-228600">
-              <a:lnSpc>
-                <a:spcPct val="100000"/>
-              </a:lnSpc>
-              <a:buFont typeface="Wingdings" panose="05000000000000000000" pitchFamily="2" charset="2"/>
-              <a:buChar char="§"/>
-              <a:defRPr/>
-            </a:pPr>
-            <a:r>
-              <a:rPr lang="en-US" sz="1400" spc="0" dirty="0"/>
-              <a:t>Increase customer satisfaction by 2%</a:t>
-            </a:r>
-          </a:p>
-          <a:p>
-            <a:pPr marL="228600" indent="-228600">
-              <a:lnSpc>
-                <a:spcPct val="100000"/>
-              </a:lnSpc>
-              <a:buFont typeface="Wingdings" panose="05000000000000000000" pitchFamily="2" charset="2"/>
-              <a:buChar char="§"/>
-              <a:defRPr/>
-            </a:pPr>
-            <a:r>
-              <a:rPr lang="en-US" sz="1400" spc="0" dirty="0"/>
-              <a:t>Maintain growth</a:t>
-            </a:r>
-          </a:p>
-          <a:p>
-            <a:pPr marL="0" indent="0">
-              <a:lnSpc>
-                <a:spcPct val="100000"/>
-              </a:lnSpc>
-              <a:spcBef>
-                <a:spcPts val="0"/>
-              </a:spcBef>
-              <a:buNone/>
-              <a:defRPr/>
-            </a:pPr>
-            <a:endParaRPr lang="en-US" spc="300" dirty="0"/>
-          </a:p>
-          <a:p>
-            <a:endParaRPr lang="en-US" dirty="0"/>
-          </a:p>
-        </p:txBody>
-      </p:sp>
-      <p:sp>
-        <p:nvSpPr>
-          <p:cNvPr id="12" name="Content Placeholder 24">
-            <a:extLst>
-              <a:ext uri="{FF2B5EF4-FFF2-40B4-BE49-F238E27FC236}">
-                <a16:creationId xmlns:a16="http://schemas.microsoft.com/office/drawing/2014/main" id="{3DD3B9ED-231E-423D-B8D7-6DE1C249CA4E}"/>
-              </a:ext>
-            </a:extLst>
-          </p:cNvPr>
-          <p:cNvSpPr txBox="1">
-            <a:spLocks/>
-          </p:cNvSpPr>
-          <p:nvPr/>
-        </p:nvSpPr>
-        <p:spPr>
-          <a:xfrm>
-            <a:off x="4541520" y="3670301"/>
-            <a:ext cx="3108960" cy="2755898"/>
-          </a:xfrm>
-          <a:prstGeom prst="rect">
-            <a:avLst/>
-          </a:prstGeom>
-        </p:spPr>
-        <p:txBody>
-          <a:bodyPr vert="horz" lIns="91440" tIns="45720" rIns="91440" bIns="45720" rtlCol="0">
-            <a:normAutofit/>
-          </a:bodyPr>
-          <a:lstStyle>
-            <a:lvl1pPr marL="228600" indent="-228600" algn="l" defTabSz="914400" rtl="0" eaLnBrk="1" latinLnBrk="0" hangingPunct="1">
-              <a:lnSpc>
-                <a:spcPct val="150000"/>
-              </a:lnSpc>
-              <a:spcBef>
-                <a:spcPts val="1000"/>
-              </a:spcBef>
-              <a:buFont typeface="Arial" panose="020B0604020202020204" pitchFamily="34" charset="0"/>
-              <a:buChar char="•"/>
-              <a:defRPr sz="1600" kern="1200">
-                <a:solidFill>
-                  <a:schemeClr val="tx1"/>
-                </a:solidFill>
-                <a:latin typeface="+mn-lt"/>
-                <a:ea typeface="+mn-ea"/>
-                <a:cs typeface="+mn-cs"/>
-              </a:defRPr>
-            </a:lvl1pPr>
-            <a:lvl2pPr marL="685800" indent="-228600" algn="l" defTabSz="914400" rtl="0" eaLnBrk="1" latinLnBrk="0" hangingPunct="1">
-              <a:lnSpc>
-                <a:spcPct val="150000"/>
-              </a:lnSpc>
-              <a:spcBef>
-                <a:spcPts val="500"/>
-              </a:spcBef>
-              <a:buFont typeface="Arial" panose="020B0604020202020204" pitchFamily="34" charset="0"/>
-              <a:buChar char="•"/>
-              <a:defRPr sz="1400" kern="1200">
-                <a:solidFill>
-                  <a:schemeClr val="tx1"/>
-                </a:solidFill>
-                <a:latin typeface="+mn-lt"/>
-                <a:ea typeface="+mn-ea"/>
-                <a:cs typeface="+mn-cs"/>
-              </a:defRPr>
-            </a:lvl2pPr>
-            <a:lvl3pPr marL="1143000" indent="-228600" algn="l" defTabSz="914400" rtl="0" eaLnBrk="1" latinLnBrk="0" hangingPunct="1">
-              <a:lnSpc>
-                <a:spcPct val="150000"/>
-              </a:lnSpc>
-              <a:spcBef>
-                <a:spcPts val="500"/>
-              </a:spcBef>
-              <a:buFont typeface="Arial" panose="020B0604020202020204" pitchFamily="34" charset="0"/>
-              <a:buChar char="•"/>
-              <a:defRPr sz="1400" kern="1200">
-                <a:solidFill>
-                  <a:schemeClr val="tx1"/>
-                </a:solidFill>
-                <a:latin typeface="+mn-lt"/>
-                <a:ea typeface="+mn-ea"/>
-                <a:cs typeface="+mn-cs"/>
-              </a:defRPr>
-            </a:lvl3pPr>
-            <a:lvl4pPr marL="1600200" indent="-228600" algn="l" defTabSz="914400" rtl="0" eaLnBrk="1" latinLnBrk="0" hangingPunct="1">
-              <a:lnSpc>
-                <a:spcPct val="150000"/>
-              </a:lnSpc>
-              <a:spcBef>
-                <a:spcPts val="500"/>
-              </a:spcBef>
-              <a:buFont typeface="Arial" panose="020B0604020202020204" pitchFamily="34" charset="0"/>
-              <a:buChar char="•"/>
-              <a:defRPr sz="1200" kern="1200">
-                <a:solidFill>
-                  <a:schemeClr val="tx1"/>
-                </a:solidFill>
-                <a:latin typeface="+mn-lt"/>
-                <a:ea typeface="+mn-ea"/>
-                <a:cs typeface="+mn-cs"/>
-              </a:defRPr>
-            </a:lvl4pPr>
-            <a:lvl5pPr marL="2057400" indent="-228600" algn="l" defTabSz="914400" rtl="0" eaLnBrk="1" latinLnBrk="0" hangingPunct="1">
-              <a:lnSpc>
-                <a:spcPct val="150000"/>
-              </a:lnSpc>
-              <a:spcBef>
-                <a:spcPts val="500"/>
-              </a:spcBef>
-              <a:buFont typeface="Arial" panose="020B0604020202020204" pitchFamily="34" charset="0"/>
-              <a:buChar char="•"/>
-              <a:defRPr sz="1200" kern="1200">
-                <a:solidFill>
-                  <a:schemeClr val="tx1"/>
-                </a:solidFill>
-                <a:latin typeface="+mn-lt"/>
-                <a:ea typeface="+mn-ea"/>
-                <a:cs typeface="+mn-cs"/>
-              </a:defRPr>
-            </a:lvl5pPr>
-            <a:lvl6pPr marL="2514600" indent="-228600" algn="l" defTabSz="914400" rtl="0" eaLnBrk="1" latinLnBrk="0" hangingPunct="1">
-              <a:lnSpc>
-                <a:spcPct val="90000"/>
-              </a:lnSpc>
-              <a:spcBef>
-                <a:spcPts val="500"/>
-              </a:spcBef>
-              <a:buFont typeface="Arial" panose="020B0604020202020204" pitchFamily="34" charset="0"/>
-              <a:buChar char="•"/>
-              <a:defRPr sz="1800" kern="1200">
-                <a:solidFill>
-                  <a:schemeClr val="tx1"/>
-                </a:solidFill>
-                <a:latin typeface="+mn-lt"/>
-                <a:ea typeface="+mn-ea"/>
-                <a:cs typeface="+mn-cs"/>
-              </a:defRPr>
-            </a:lvl6pPr>
-            <a:lvl7pPr marL="2971800" indent="-228600" algn="l" defTabSz="914400" rtl="0" eaLnBrk="1" latinLnBrk="0" hangingPunct="1">
-              <a:lnSpc>
-                <a:spcPct val="90000"/>
-              </a:lnSpc>
-              <a:spcBef>
-                <a:spcPts val="500"/>
-              </a:spcBef>
-              <a:buFont typeface="Arial" panose="020B0604020202020204" pitchFamily="34" charset="0"/>
-              <a:buChar char="•"/>
-              <a:defRPr sz="1800" kern="1200">
-                <a:solidFill>
-                  <a:schemeClr val="tx1"/>
-                </a:solidFill>
-                <a:latin typeface="+mn-lt"/>
-                <a:ea typeface="+mn-ea"/>
-                <a:cs typeface="+mn-cs"/>
-              </a:defRPr>
-            </a:lvl7pPr>
-            <a:lvl8pPr marL="3429000" indent="-228600" algn="l" defTabSz="914400" rtl="0" eaLnBrk="1" latinLnBrk="0" hangingPunct="1">
-              <a:lnSpc>
-                <a:spcPct val="90000"/>
-              </a:lnSpc>
-              <a:spcBef>
-                <a:spcPts val="500"/>
-              </a:spcBef>
-              <a:buFont typeface="Arial" panose="020B0604020202020204" pitchFamily="34" charset="0"/>
-              <a:buChar char="•"/>
-              <a:defRPr sz="1800" kern="1200">
-                <a:solidFill>
-                  <a:schemeClr val="tx1"/>
-                </a:solidFill>
-                <a:latin typeface="+mn-lt"/>
-                <a:ea typeface="+mn-ea"/>
-                <a:cs typeface="+mn-cs"/>
-              </a:defRPr>
-            </a:lvl8pPr>
-            <a:lvl9pPr marL="3886200" indent="-228600" algn="l" defTabSz="914400" rtl="0" eaLnBrk="1" latinLnBrk="0" hangingPunct="1">
-              <a:lnSpc>
-                <a:spcPct val="90000"/>
-              </a:lnSpc>
-              <a:spcBef>
-                <a:spcPts val="500"/>
-              </a:spcBef>
-              <a:buFont typeface="Arial" panose="020B0604020202020204" pitchFamily="34" charset="0"/>
-              <a:buChar char="•"/>
-              <a:defRPr sz="1800" kern="1200">
-                <a:solidFill>
-                  <a:schemeClr val="tx1"/>
-                </a:solidFill>
-                <a:latin typeface="+mn-lt"/>
-                <a:ea typeface="+mn-ea"/>
-                <a:cs typeface="+mn-cs"/>
-              </a:defRPr>
-            </a:lvl9pPr>
-          </a:lstStyle>
-          <a:p>
-            <a:pPr marL="0" indent="0">
-              <a:lnSpc>
-                <a:spcPct val="100000"/>
-              </a:lnSpc>
-              <a:spcBef>
-                <a:spcPts val="0"/>
-              </a:spcBef>
-              <a:buNone/>
-              <a:defRPr/>
-            </a:pPr>
-            <a:r>
-              <a:rPr lang="en-US" sz="2400" spc="300" dirty="0"/>
-              <a:t>ADDED </a:t>
-            </a:r>
-            <a:br>
-              <a:rPr lang="en-US" sz="2400" spc="300" dirty="0"/>
-            </a:br>
-            <a:r>
-              <a:rPr lang="en-US" sz="2400" spc="300" dirty="0"/>
-              <a:t>PRIORITIES</a:t>
-            </a:r>
-          </a:p>
-          <a:p>
-            <a:pPr>
-              <a:lnSpc>
-                <a:spcPct val="100000"/>
-              </a:lnSpc>
-              <a:buFont typeface="Wingdings" panose="05000000000000000000" pitchFamily="2" charset="2"/>
-              <a:buChar char="§"/>
-              <a:defRPr/>
-            </a:pPr>
-            <a:r>
-              <a:rPr lang="en-US" sz="1400" dirty="0"/>
-              <a:t>Improve social media presence</a:t>
-            </a:r>
-          </a:p>
-          <a:p>
-            <a:pPr>
-              <a:lnSpc>
-                <a:spcPct val="100000"/>
-              </a:lnSpc>
-              <a:buFont typeface="Wingdings" panose="05000000000000000000" pitchFamily="2" charset="2"/>
-              <a:buChar char="§"/>
-              <a:defRPr/>
-            </a:pPr>
-            <a:r>
-              <a:rPr lang="en-US" sz="1400" dirty="0"/>
-              <a:t>Ensure the cost of development stays below budget</a:t>
-            </a:r>
-          </a:p>
-          <a:p>
-            <a:endParaRPr lang="en-US" dirty="0"/>
-          </a:p>
-        </p:txBody>
-      </p:sp>
-      <p:sp>
-        <p:nvSpPr>
-          <p:cNvPr id="13" name="Content Placeholder 25">
-            <a:extLst>
-              <a:ext uri="{FF2B5EF4-FFF2-40B4-BE49-F238E27FC236}">
-                <a16:creationId xmlns:a16="http://schemas.microsoft.com/office/drawing/2014/main" id="{184497C2-C5BB-4C07-AF14-B5D10275FC68}"/>
-              </a:ext>
-            </a:extLst>
-          </p:cNvPr>
-          <p:cNvSpPr txBox="1">
-            <a:spLocks/>
-          </p:cNvSpPr>
-          <p:nvPr/>
-        </p:nvSpPr>
-        <p:spPr>
-          <a:xfrm>
-            <a:off x="8122920" y="3670302"/>
-            <a:ext cx="3108960" cy="2755898"/>
-          </a:xfrm>
-          <a:prstGeom prst="rect">
-            <a:avLst/>
-          </a:prstGeom>
-        </p:spPr>
-        <p:txBody>
-          <a:bodyPr vert="horz" lIns="91440" tIns="45720" rIns="91440" bIns="45720" rtlCol="0">
-            <a:normAutofit/>
-          </a:bodyPr>
-          <a:lstStyle>
-            <a:lvl1pPr marL="228600" indent="-228600" algn="l" defTabSz="914400" rtl="0" eaLnBrk="1" latinLnBrk="0" hangingPunct="1">
-              <a:lnSpc>
-                <a:spcPct val="150000"/>
-              </a:lnSpc>
-              <a:spcBef>
-                <a:spcPts val="1000"/>
-              </a:spcBef>
-              <a:buFont typeface="Arial" panose="020B0604020202020204" pitchFamily="34" charset="0"/>
-              <a:buChar char="•"/>
-              <a:defRPr sz="1600" kern="1200">
-                <a:solidFill>
-                  <a:schemeClr val="tx1"/>
-                </a:solidFill>
-                <a:latin typeface="+mn-lt"/>
-                <a:ea typeface="+mn-ea"/>
-                <a:cs typeface="+mn-cs"/>
-              </a:defRPr>
-            </a:lvl1pPr>
-            <a:lvl2pPr marL="685800" indent="-228600" algn="l" defTabSz="914400" rtl="0" eaLnBrk="1" latinLnBrk="0" hangingPunct="1">
-              <a:lnSpc>
-                <a:spcPct val="150000"/>
-              </a:lnSpc>
-              <a:spcBef>
-                <a:spcPts val="500"/>
-              </a:spcBef>
-              <a:buFont typeface="Arial" panose="020B0604020202020204" pitchFamily="34" charset="0"/>
-              <a:buChar char="•"/>
-              <a:defRPr sz="1400" kern="1200">
-                <a:solidFill>
-                  <a:schemeClr val="tx1"/>
-                </a:solidFill>
-                <a:latin typeface="+mn-lt"/>
-                <a:ea typeface="+mn-ea"/>
-                <a:cs typeface="+mn-cs"/>
-              </a:defRPr>
-            </a:lvl2pPr>
-            <a:lvl3pPr marL="1143000" indent="-228600" algn="l" defTabSz="914400" rtl="0" eaLnBrk="1" latinLnBrk="0" hangingPunct="1">
-              <a:lnSpc>
-                <a:spcPct val="150000"/>
-              </a:lnSpc>
-              <a:spcBef>
-                <a:spcPts val="500"/>
-              </a:spcBef>
-              <a:buFont typeface="Arial" panose="020B0604020202020204" pitchFamily="34" charset="0"/>
-              <a:buChar char="•"/>
-              <a:defRPr sz="1400" kern="1200">
-                <a:solidFill>
-                  <a:schemeClr val="tx1"/>
-                </a:solidFill>
-                <a:latin typeface="+mn-lt"/>
-                <a:ea typeface="+mn-ea"/>
-                <a:cs typeface="+mn-cs"/>
-              </a:defRPr>
-            </a:lvl3pPr>
-            <a:lvl4pPr marL="1600200" indent="-228600" algn="l" defTabSz="914400" rtl="0" eaLnBrk="1" latinLnBrk="0" hangingPunct="1">
-              <a:lnSpc>
-                <a:spcPct val="150000"/>
-              </a:lnSpc>
-              <a:spcBef>
-                <a:spcPts val="500"/>
-              </a:spcBef>
-              <a:buFont typeface="Arial" panose="020B0604020202020204" pitchFamily="34" charset="0"/>
-              <a:buChar char="•"/>
-              <a:defRPr sz="1200" kern="1200">
-                <a:solidFill>
-                  <a:schemeClr val="tx1"/>
-                </a:solidFill>
-                <a:latin typeface="+mn-lt"/>
-                <a:ea typeface="+mn-ea"/>
-                <a:cs typeface="+mn-cs"/>
-              </a:defRPr>
-            </a:lvl4pPr>
-            <a:lvl5pPr marL="2057400" indent="-228600" algn="l" defTabSz="914400" rtl="0" eaLnBrk="1" latinLnBrk="0" hangingPunct="1">
-              <a:lnSpc>
-                <a:spcPct val="150000"/>
-              </a:lnSpc>
-              <a:spcBef>
-                <a:spcPts val="500"/>
-              </a:spcBef>
-              <a:buFont typeface="Arial" panose="020B0604020202020204" pitchFamily="34" charset="0"/>
-              <a:buChar char="•"/>
-              <a:defRPr sz="1200" kern="1200">
-                <a:solidFill>
-                  <a:schemeClr val="tx1"/>
-                </a:solidFill>
-                <a:latin typeface="+mn-lt"/>
-                <a:ea typeface="+mn-ea"/>
-                <a:cs typeface="+mn-cs"/>
-              </a:defRPr>
-            </a:lvl5pPr>
-            <a:lvl6pPr marL="2514600" indent="-228600" algn="l" defTabSz="914400" rtl="0" eaLnBrk="1" latinLnBrk="0" hangingPunct="1">
-              <a:lnSpc>
-                <a:spcPct val="90000"/>
-              </a:lnSpc>
-              <a:spcBef>
-                <a:spcPts val="500"/>
-              </a:spcBef>
-              <a:buFont typeface="Arial" panose="020B0604020202020204" pitchFamily="34" charset="0"/>
-              <a:buChar char="•"/>
-              <a:defRPr sz="1800" kern="1200">
-                <a:solidFill>
-                  <a:schemeClr val="tx1"/>
-                </a:solidFill>
-                <a:latin typeface="+mn-lt"/>
-                <a:ea typeface="+mn-ea"/>
-                <a:cs typeface="+mn-cs"/>
-              </a:defRPr>
-            </a:lvl6pPr>
-            <a:lvl7pPr marL="2971800" indent="-228600" algn="l" defTabSz="914400" rtl="0" eaLnBrk="1" latinLnBrk="0" hangingPunct="1">
-              <a:lnSpc>
-                <a:spcPct val="90000"/>
-              </a:lnSpc>
-              <a:spcBef>
-                <a:spcPts val="500"/>
-              </a:spcBef>
-              <a:buFont typeface="Arial" panose="020B0604020202020204" pitchFamily="34" charset="0"/>
-              <a:buChar char="•"/>
-              <a:defRPr sz="1800" kern="1200">
-                <a:solidFill>
-                  <a:schemeClr val="tx1"/>
-                </a:solidFill>
-                <a:latin typeface="+mn-lt"/>
-                <a:ea typeface="+mn-ea"/>
-                <a:cs typeface="+mn-cs"/>
-              </a:defRPr>
-            </a:lvl7pPr>
-            <a:lvl8pPr marL="3429000" indent="-228600" algn="l" defTabSz="914400" rtl="0" eaLnBrk="1" latinLnBrk="0" hangingPunct="1">
-              <a:lnSpc>
-                <a:spcPct val="90000"/>
-              </a:lnSpc>
-              <a:spcBef>
-                <a:spcPts val="500"/>
-              </a:spcBef>
-              <a:buFont typeface="Arial" panose="020B0604020202020204" pitchFamily="34" charset="0"/>
-              <a:buChar char="•"/>
-              <a:defRPr sz="1800" kern="1200">
-                <a:solidFill>
-                  <a:schemeClr val="tx1"/>
-                </a:solidFill>
-                <a:latin typeface="+mn-lt"/>
-                <a:ea typeface="+mn-ea"/>
-                <a:cs typeface="+mn-cs"/>
-              </a:defRPr>
-            </a:lvl8pPr>
-            <a:lvl9pPr marL="3886200" indent="-228600" algn="l" defTabSz="914400" rtl="0" eaLnBrk="1" latinLnBrk="0" hangingPunct="1">
-              <a:lnSpc>
-                <a:spcPct val="90000"/>
-              </a:lnSpc>
-              <a:spcBef>
-                <a:spcPts val="500"/>
-              </a:spcBef>
-              <a:buFont typeface="Arial" panose="020B0604020202020204" pitchFamily="34" charset="0"/>
-              <a:buChar char="•"/>
-              <a:defRPr sz="1800" kern="1200">
-                <a:solidFill>
-                  <a:schemeClr val="tx1"/>
-                </a:solidFill>
-                <a:latin typeface="+mn-lt"/>
-                <a:ea typeface="+mn-ea"/>
-                <a:cs typeface="+mn-cs"/>
-              </a:defRPr>
-            </a:lvl9pPr>
-          </a:lstStyle>
-          <a:p>
-            <a:pPr marL="0" indent="0">
-              <a:lnSpc>
-                <a:spcPct val="100000"/>
-              </a:lnSpc>
-              <a:spcBef>
-                <a:spcPts val="0"/>
-              </a:spcBef>
-              <a:buFontTx/>
-              <a:buNone/>
-              <a:defRPr/>
-            </a:pPr>
-            <a:r>
-              <a:rPr lang="en-US" sz="2400" spc="300" dirty="0"/>
-              <a:t>EMPLOYEE OPPORTUNITIES</a:t>
-            </a:r>
-          </a:p>
-          <a:p>
-            <a:pPr>
-              <a:lnSpc>
-                <a:spcPct val="100000"/>
-              </a:lnSpc>
-              <a:buFont typeface="Wingdings" panose="05000000000000000000" pitchFamily="2" charset="2"/>
-              <a:buChar char="§"/>
-              <a:defRPr/>
-            </a:pPr>
-            <a:r>
-              <a:rPr lang="en-US" sz="1400" dirty="0"/>
-              <a:t>Interns begin</a:t>
-            </a:r>
-          </a:p>
-          <a:p>
-            <a:pPr>
-              <a:lnSpc>
-                <a:spcPct val="100000"/>
-              </a:lnSpc>
-              <a:buFont typeface="Wingdings" panose="05000000000000000000" pitchFamily="2" charset="2"/>
-              <a:buChar char="§"/>
-              <a:defRPr/>
-            </a:pPr>
-            <a:r>
-              <a:rPr lang="en-US" sz="1400" dirty="0"/>
-              <a:t>Indoor rec leagues</a:t>
-            </a:r>
-          </a:p>
-          <a:p>
-            <a:pPr>
-              <a:lnSpc>
-                <a:spcPct val="100000"/>
-              </a:lnSpc>
-              <a:buFont typeface="Wingdings" panose="05000000000000000000" pitchFamily="2" charset="2"/>
-              <a:buChar char="§"/>
-              <a:defRPr/>
-            </a:pPr>
-            <a:r>
-              <a:rPr lang="en-US" sz="1400" dirty="0"/>
-              <a:t>Chess tournaments</a:t>
-            </a:r>
-          </a:p>
-          <a:p>
-            <a:pPr>
-              <a:lnSpc>
-                <a:spcPct val="100000"/>
-              </a:lnSpc>
-              <a:buFont typeface="Wingdings" panose="05000000000000000000" pitchFamily="2" charset="2"/>
-              <a:buChar char="§"/>
-              <a:defRPr/>
-            </a:pPr>
-            <a:r>
-              <a:rPr lang="en-US" sz="1400" dirty="0"/>
-              <a:t>Big Game watching party</a:t>
-            </a:r>
-          </a:p>
-        </p:txBody>
-      </p:sp>
-      <p:sp>
-        <p:nvSpPr>
-          <p:cNvPr id="21" name="Slide Number Placeholder 20">
-            <a:extLst>
-              <a:ext uri="{FF2B5EF4-FFF2-40B4-BE49-F238E27FC236}">
-                <a16:creationId xmlns:a16="http://schemas.microsoft.com/office/drawing/2014/main" id="{27B9B9E1-D2EC-4B8B-BC3C-67231FDDCC79}"/>
-              </a:ext>
-            </a:extLst>
-          </p:cNvPr>
-          <p:cNvSpPr>
-            <a:spLocks noGrp="1"/>
-          </p:cNvSpPr>
-          <p:nvPr>
-            <p:ph type="sldNum" sz="quarter" idx="16"/>
-          </p:nvPr>
-        </p:nvSpPr>
-        <p:spPr/>
-        <p:txBody>
-          <a:bodyPr/>
-          <a:lstStyle/>
-          <a:p>
-            <a:fld id="{8C2E478F-E849-4A8C-AF1F-CBCC78A7CBFA}" type="slidenum">
-              <a:rPr lang="en-US" smtClean="0"/>
-              <a:t>9</a:t>
-            </a:fld>
-            <a:endParaRPr lang="en-US" dirty="0"/>
-          </a:p>
-        </p:txBody>
-      </p:sp>
-    </p:spTree>
-    <p:extLst>
-      <p:ext uri="{BB962C8B-B14F-4D97-AF65-F5344CB8AC3E}">
-        <p14:creationId xmlns:p14="http://schemas.microsoft.com/office/powerpoint/2010/main" val="714960598"/>
+        <p14:creationId xmlns:p14="http://schemas.microsoft.com/office/powerpoint/2010/main" val="927727573"/>
       </p:ext>
     </p:extLst>
   </p:cSld>

--- a/Phase 1 - Presentation.pptx
+++ b/Phase 1 - Presentation.pptx
@@ -5,20 +5,21 @@
     <p:sldMasterId id="2147483648" r:id="rId4"/>
   </p:sldMasterIdLst>
   <p:notesMasterIdLst>
-    <p:notesMasterId r:id="rId13"/>
+    <p:notesMasterId r:id="rId14"/>
   </p:notesMasterIdLst>
   <p:handoutMasterIdLst>
-    <p:handoutMasterId r:id="rId14"/>
+    <p:handoutMasterId r:id="rId15"/>
   </p:handoutMasterIdLst>
   <p:sldIdLst>
     <p:sldId id="2448" r:id="rId5"/>
     <p:sldId id="2462" r:id="rId6"/>
     <p:sldId id="259" r:id="rId7"/>
     <p:sldId id="2451" r:id="rId8"/>
-    <p:sldId id="2457" r:id="rId9"/>
-    <p:sldId id="2456" r:id="rId10"/>
-    <p:sldId id="2453" r:id="rId11"/>
-    <p:sldId id="2436" r:id="rId12"/>
+    <p:sldId id="2463" r:id="rId9"/>
+    <p:sldId id="2457" r:id="rId10"/>
+    <p:sldId id="2464" r:id="rId11"/>
+    <p:sldId id="2453" r:id="rId12"/>
+    <p:sldId id="2436" r:id="rId13"/>
   </p:sldIdLst>
   <p:sldSz cx="12192000" cy="6858000"/>
   <p:notesSz cx="6858000" cy="9144000"/>
@@ -238,7 +239,7 @@
           <a:p>
             <a:fld id="{966D5B4E-BF3E-3B45-A4BA-D6C3B92870D7}" type="datetimeFigureOut">
               <a:rPr lang="en-US" smtClean="0"/>
-              <a:t>2/5/2024</a:t>
+              <a:t>2/6/2024</a:t>
             </a:fld>
             <a:endParaRPr lang="en-US" dirty="0"/>
           </a:p>
@@ -415,7 +416,7 @@
           <a:p>
             <a:fld id="{F5A8621B-8C8E-49BA-8772-41D0FE75A082}" type="datetimeFigureOut">
               <a:rPr lang="en-US" smtClean="0"/>
-              <a:t>2/5/2024</a:t>
+              <a:t>2/6/2024</a:t>
             </a:fld>
             <a:endParaRPr lang="en-US" dirty="0"/>
           </a:p>
@@ -748,90 +749,6 @@
             <a:fld id="{228B34ED-4CDD-41C9-90F7-D768D5559A6F}" type="slidenum">
               <a:rPr lang="en-US" smtClean="0"/>
               <a:t>3</a:t>
-            </a:fld>
-            <a:endParaRPr lang="en-US" dirty="0"/>
-          </a:p>
-        </p:txBody>
-      </p:sp>
-    </p:spTree>
-    <p:extLst>
-      <p:ext uri="{BB962C8B-B14F-4D97-AF65-F5344CB8AC3E}">
-        <p14:creationId xmlns:p14="http://schemas.microsoft.com/office/powerpoint/2010/main" val="1632949142"/>
-      </p:ext>
-    </p:extLst>
-  </p:cSld>
-  <p:clrMapOvr>
-    <a:masterClrMapping/>
-  </p:clrMapOvr>
-</p:notes>
-</file>
-
-<file path=ppt/notesSlides/notesSlide2.xml><?xml version="1.0" encoding="utf-8"?>
-<p:notes xmlns:a="http://schemas.openxmlformats.org/drawingml/2006/main" xmlns:r="http://schemas.openxmlformats.org/officeDocument/2006/relationships" xmlns:p="http://schemas.openxmlformats.org/presentationml/2006/main">
-  <p:cSld>
-    <p:spTree>
-      <p:nvGrpSpPr>
-        <p:cNvPr id="1" name=""/>
-        <p:cNvGrpSpPr/>
-        <p:nvPr/>
-      </p:nvGrpSpPr>
-      <p:grpSpPr>
-        <a:xfrm>
-          <a:off x="0" y="0"/>
-          <a:ext cx="0" cy="0"/>
-          <a:chOff x="0" y="0"/>
-          <a:chExt cx="0" cy="0"/>
-        </a:xfrm>
-      </p:grpSpPr>
-      <p:sp>
-        <p:nvSpPr>
-          <p:cNvPr id="2" name="Slide Image Placeholder 1"/>
-          <p:cNvSpPr>
-            <a:spLocks noGrp="1" noRot="1" noChangeAspect="1"/>
-          </p:cNvSpPr>
-          <p:nvPr>
-            <p:ph type="sldImg"/>
-          </p:nvPr>
-        </p:nvSpPr>
-        <p:spPr/>
-      </p:sp>
-      <p:sp>
-        <p:nvSpPr>
-          <p:cNvPr id="3" name="Notes Placeholder 2"/>
-          <p:cNvSpPr>
-            <a:spLocks noGrp="1"/>
-          </p:cNvSpPr>
-          <p:nvPr>
-            <p:ph type="body" idx="1"/>
-          </p:nvPr>
-        </p:nvSpPr>
-        <p:spPr/>
-        <p:txBody>
-          <a:bodyPr/>
-          <a:lstStyle/>
-          <a:p>
-            <a:endParaRPr lang="en-US" dirty="0"/>
-          </a:p>
-        </p:txBody>
-      </p:sp>
-      <p:sp>
-        <p:nvSpPr>
-          <p:cNvPr id="4" name="Slide Number Placeholder 3"/>
-          <p:cNvSpPr>
-            <a:spLocks noGrp="1"/>
-          </p:cNvSpPr>
-          <p:nvPr>
-            <p:ph type="sldNum" sz="quarter" idx="5"/>
-          </p:nvPr>
-        </p:nvSpPr>
-        <p:spPr/>
-        <p:txBody>
-          <a:bodyPr/>
-          <a:lstStyle/>
-          <a:p>
-            <a:fld id="{228B34ED-4CDD-41C9-90F7-D768D5559A6F}" type="slidenum">
-              <a:rPr lang="en-US" smtClean="0"/>
-              <a:t>6</a:t>
             </a:fld>
             <a:endParaRPr lang="en-US" dirty="0"/>
           </a:p>
@@ -5930,9 +5847,24 @@
           <a:bodyPr/>
           <a:lstStyle/>
           <a:p>
-            <a:r>
-              <a:rPr lang="en-US" sz="4000" dirty="0"/>
+            <a:pPr>
+              <a:lnSpc>
+                <a:spcPct val="100000"/>
+              </a:lnSpc>
+              <a:spcBef>
+                <a:spcPts val="0"/>
+              </a:spcBef>
+            </a:pPr>
+            <a:r>
+              <a:rPr lang="en-US" sz="4200" dirty="0"/>
               <a:t>INTRODUCTION</a:t>
+            </a:r>
+            <a:br>
+              <a:rPr lang="en-US" sz="5400" dirty="0"/>
+            </a:br>
+            <a:r>
+              <a:rPr lang="en-US" dirty="0"/>
+              <a:t>Project idea</a:t>
             </a:r>
           </a:p>
         </p:txBody>
@@ -5995,7 +5927,7 @@
         </p:nvSpPr>
         <p:spPr>
           <a:xfrm>
-            <a:off x="6225539" y="1613870"/>
+            <a:off x="6095999" y="1862068"/>
             <a:ext cx="3017520" cy="464871"/>
           </a:xfrm>
         </p:spPr>
@@ -6004,8 +5936,8 @@
           <a:lstStyle/>
           <a:p>
             <a:r>
-              <a:rPr lang="en-US" dirty="0"/>
-              <a:t>PROJECT NAME</a:t>
+              <a:rPr lang="en-US" sz="2400" dirty="0"/>
+              <a:t>PET NAMER</a:t>
             </a:r>
           </a:p>
         </p:txBody>
@@ -6028,8 +5960,8 @@
         </p:nvSpPr>
         <p:spPr>
           <a:xfrm>
-            <a:off x="6225538" y="2472267"/>
-            <a:ext cx="4516707" cy="3420533"/>
+            <a:off x="6224556" y="2583402"/>
+            <a:ext cx="4516707" cy="3646749"/>
           </a:xfrm>
         </p:spPr>
         <p:txBody>
@@ -6138,41 +6070,6 @@
           <a:chExt cx="0" cy="0"/>
         </a:xfrm>
       </p:grpSpPr>
-      <p:pic>
-        <p:nvPicPr>
-          <p:cNvPr id="8" name="Picture Placeholder 7" descr="close up of computer code">
-            <a:extLst>
-              <a:ext uri="{FF2B5EF4-FFF2-40B4-BE49-F238E27FC236}">
-                <a16:creationId xmlns:a16="http://schemas.microsoft.com/office/drawing/2014/main" id="{A596BF19-CC58-4709-B5D6-3FC378FDC7BA}"/>
-              </a:ext>
-            </a:extLst>
-          </p:cNvPr>
-          <p:cNvPicPr>
-            <a:picLocks noGrp="1" noChangeAspect="1"/>
-          </p:cNvPicPr>
-          <p:nvPr>
-            <p:ph type="pic" sz="quarter" idx="13"/>
-          </p:nvPr>
-        </p:nvPicPr>
-        <p:blipFill rotWithShape="1">
-          <a:blip r:embed="rId2">
-            <a:extLst>
-              <a:ext uri="{BEBA8EAE-BF5A-486C-A8C5-ECC9F3942E4B}">
-                <a14:imgProps xmlns:a14="http://schemas.microsoft.com/office/drawing/2010/main">
-                  <a14:imgLayer r:embed="rId3">
-                    <a14:imgEffect>
-                      <a14:saturation sat="0"/>
-                    </a14:imgEffect>
-                  </a14:imgLayer>
-                </a14:imgProps>
-              </a:ext>
-            </a:extLst>
-          </a:blip>
-          <a:srcRect l="20370" r="20370"/>
-          <a:stretch/>
-        </p:blipFill>
-        <p:spPr/>
-      </p:pic>
       <p:sp>
         <p:nvSpPr>
           <p:cNvPr id="6" name="Slide Number Placeholder 5">
@@ -6218,16 +6115,16 @@
         </p:nvSpPr>
         <p:spPr>
           <a:xfrm>
-            <a:off x="6362331" y="659363"/>
-            <a:ext cx="5251450" cy="1661297"/>
+            <a:off x="6362330" y="446291"/>
+            <a:ext cx="5630887" cy="1661297"/>
           </a:xfrm>
           <a:prstGeom prst="rect">
             <a:avLst/>
           </a:prstGeom>
         </p:spPr>
         <p:txBody>
-          <a:bodyPr vert="horz" lIns="91440" tIns="45720" rIns="91440" bIns="45720" rtlCol="0" anchor="b">
-            <a:normAutofit fontScale="92500" lnSpcReduction="10000"/>
+          <a:bodyPr vert="horz" lIns="91440" tIns="45720" rIns="91440" bIns="45720" rtlCol="0" anchor="t">
+            <a:normAutofit fontScale="92500"/>
           </a:bodyPr>
           <a:lstStyle>
             <a:lvl1pPr algn="l" defTabSz="914400" rtl="0" eaLnBrk="1" latinLnBrk="0" hangingPunct="1">
@@ -6250,8 +6147,14 @@
           </a:lstStyle>
           <a:p>
             <a:r>
-              <a:rPr lang="en-US" dirty="0"/>
+              <a:rPr lang="en-US" sz="4500" dirty="0"/>
               <a:t>Executive summary</a:t>
+            </a:r>
+          </a:p>
+          <a:p>
+            <a:r>
+              <a:rPr lang="en-US" sz="3500" dirty="0"/>
+              <a:t>Project proposal</a:t>
             </a:r>
           </a:p>
         </p:txBody>
@@ -6506,409 +6409,8 @@
         </p:nvSpPr>
         <p:spPr>
           <a:xfrm>
-            <a:off x="6362330" y="2320660"/>
-            <a:ext cx="4516707" cy="3420533"/>
-          </a:xfrm>
-          <a:prstGeom prst="rect">
-            <a:avLst/>
-          </a:prstGeom>
-          <a:noFill/>
-        </p:spPr>
-        <p:txBody>
-          <a:bodyPr vert="horz" lIns="91440" tIns="45720" rIns="91440" bIns="45720" rtlCol="0" anchor="t">
-            <a:normAutofit lnSpcReduction="10000"/>
-          </a:bodyPr>
-          <a:lstStyle>
-            <a:lvl1pPr marL="0" indent="0" algn="ctr" defTabSz="914400" rtl="0" eaLnBrk="1" latinLnBrk="0" hangingPunct="1">
-              <a:lnSpc>
-                <a:spcPct val="100000"/>
-              </a:lnSpc>
-              <a:spcBef>
-                <a:spcPts val="1000"/>
-              </a:spcBef>
-              <a:buFont typeface="Arial" panose="020B0604020202020204" pitchFamily="34" charset="0"/>
-              <a:buNone/>
-              <a:defRPr sz="1400" kern="1200" cap="all" spc="600" baseline="0">
-                <a:solidFill>
-                  <a:schemeClr val="bg1"/>
-                </a:solidFill>
-                <a:latin typeface="+mn-lt"/>
-                <a:ea typeface="+mn-ea"/>
-                <a:cs typeface="+mn-cs"/>
-              </a:defRPr>
-            </a:lvl1pPr>
-            <a:lvl2pPr marL="457200" indent="0" algn="l" defTabSz="914400" rtl="0" eaLnBrk="1" latinLnBrk="0" hangingPunct="1">
-              <a:lnSpc>
-                <a:spcPct val="150000"/>
-              </a:lnSpc>
-              <a:spcBef>
-                <a:spcPts val="500"/>
-              </a:spcBef>
-              <a:buFont typeface="Arial" panose="020B0604020202020204" pitchFamily="34" charset="0"/>
-              <a:buNone/>
-              <a:defRPr sz="2000" kern="1200">
-                <a:solidFill>
-                  <a:schemeClr val="tx1">
-                    <a:tint val="75000"/>
-                  </a:schemeClr>
-                </a:solidFill>
-                <a:latin typeface="+mn-lt"/>
-                <a:ea typeface="+mn-ea"/>
-                <a:cs typeface="+mn-cs"/>
-              </a:defRPr>
-            </a:lvl2pPr>
-            <a:lvl3pPr marL="914400" indent="0" algn="l" defTabSz="914400" rtl="0" eaLnBrk="1" latinLnBrk="0" hangingPunct="1">
-              <a:lnSpc>
-                <a:spcPct val="150000"/>
-              </a:lnSpc>
-              <a:spcBef>
-                <a:spcPts val="500"/>
-              </a:spcBef>
-              <a:buFont typeface="Arial" panose="020B0604020202020204" pitchFamily="34" charset="0"/>
-              <a:buNone/>
-              <a:defRPr sz="1800" kern="1200">
-                <a:solidFill>
-                  <a:schemeClr val="tx1">
-                    <a:tint val="75000"/>
-                  </a:schemeClr>
-                </a:solidFill>
-                <a:latin typeface="+mn-lt"/>
-                <a:ea typeface="+mn-ea"/>
-                <a:cs typeface="+mn-cs"/>
-              </a:defRPr>
-            </a:lvl3pPr>
-            <a:lvl4pPr marL="1371600" indent="0" algn="l" defTabSz="914400" rtl="0" eaLnBrk="1" latinLnBrk="0" hangingPunct="1">
-              <a:lnSpc>
-                <a:spcPct val="150000"/>
-              </a:lnSpc>
-              <a:spcBef>
-                <a:spcPts val="500"/>
-              </a:spcBef>
-              <a:buFont typeface="Arial" panose="020B0604020202020204" pitchFamily="34" charset="0"/>
-              <a:buNone/>
-              <a:defRPr sz="1600" kern="1200">
-                <a:solidFill>
-                  <a:schemeClr val="tx1">
-                    <a:tint val="75000"/>
-                  </a:schemeClr>
-                </a:solidFill>
-                <a:latin typeface="+mn-lt"/>
-                <a:ea typeface="+mn-ea"/>
-                <a:cs typeface="+mn-cs"/>
-              </a:defRPr>
-            </a:lvl4pPr>
-            <a:lvl5pPr marL="1828800" indent="0" algn="l" defTabSz="914400" rtl="0" eaLnBrk="1" latinLnBrk="0" hangingPunct="1">
-              <a:lnSpc>
-                <a:spcPct val="150000"/>
-              </a:lnSpc>
-              <a:spcBef>
-                <a:spcPts val="500"/>
-              </a:spcBef>
-              <a:buFont typeface="Arial" panose="020B0604020202020204" pitchFamily="34" charset="0"/>
-              <a:buNone/>
-              <a:defRPr sz="1600" kern="1200">
-                <a:solidFill>
-                  <a:schemeClr val="tx1">
-                    <a:tint val="75000"/>
-                  </a:schemeClr>
-                </a:solidFill>
-                <a:latin typeface="+mn-lt"/>
-                <a:ea typeface="+mn-ea"/>
-                <a:cs typeface="+mn-cs"/>
-              </a:defRPr>
-            </a:lvl5pPr>
-            <a:lvl6pPr marL="2286000" indent="0" algn="l" defTabSz="914400" rtl="0" eaLnBrk="1" latinLnBrk="0" hangingPunct="1">
-              <a:lnSpc>
-                <a:spcPct val="90000"/>
-              </a:lnSpc>
-              <a:spcBef>
-                <a:spcPts val="500"/>
-              </a:spcBef>
-              <a:buFont typeface="Arial" panose="020B0604020202020204" pitchFamily="34" charset="0"/>
-              <a:buNone/>
-              <a:defRPr sz="1600" kern="1200">
-                <a:solidFill>
-                  <a:schemeClr val="tx1">
-                    <a:tint val="75000"/>
-                  </a:schemeClr>
-                </a:solidFill>
-                <a:latin typeface="+mn-lt"/>
-                <a:ea typeface="+mn-ea"/>
-                <a:cs typeface="+mn-cs"/>
-              </a:defRPr>
-            </a:lvl6pPr>
-            <a:lvl7pPr marL="2743200" indent="0" algn="l" defTabSz="914400" rtl="0" eaLnBrk="1" latinLnBrk="0" hangingPunct="1">
-              <a:lnSpc>
-                <a:spcPct val="90000"/>
-              </a:lnSpc>
-              <a:spcBef>
-                <a:spcPts val="500"/>
-              </a:spcBef>
-              <a:buFont typeface="Arial" panose="020B0604020202020204" pitchFamily="34" charset="0"/>
-              <a:buNone/>
-              <a:defRPr sz="1600" kern="1200">
-                <a:solidFill>
-                  <a:schemeClr val="tx1">
-                    <a:tint val="75000"/>
-                  </a:schemeClr>
-                </a:solidFill>
-                <a:latin typeface="+mn-lt"/>
-                <a:ea typeface="+mn-ea"/>
-                <a:cs typeface="+mn-cs"/>
-              </a:defRPr>
-            </a:lvl7pPr>
-            <a:lvl8pPr marL="3200400" indent="0" algn="l" defTabSz="914400" rtl="0" eaLnBrk="1" latinLnBrk="0" hangingPunct="1">
-              <a:lnSpc>
-                <a:spcPct val="90000"/>
-              </a:lnSpc>
-              <a:spcBef>
-                <a:spcPts val="500"/>
-              </a:spcBef>
-              <a:buFont typeface="Arial" panose="020B0604020202020204" pitchFamily="34" charset="0"/>
-              <a:buNone/>
-              <a:defRPr sz="1600" kern="1200">
-                <a:solidFill>
-                  <a:schemeClr val="tx1">
-                    <a:tint val="75000"/>
-                  </a:schemeClr>
-                </a:solidFill>
-                <a:latin typeface="+mn-lt"/>
-                <a:ea typeface="+mn-ea"/>
-                <a:cs typeface="+mn-cs"/>
-              </a:defRPr>
-            </a:lvl8pPr>
-            <a:lvl9pPr marL="3657600" indent="0" algn="l" defTabSz="914400" rtl="0" eaLnBrk="1" latinLnBrk="0" hangingPunct="1">
-              <a:lnSpc>
-                <a:spcPct val="90000"/>
-              </a:lnSpc>
-              <a:spcBef>
-                <a:spcPts val="500"/>
-              </a:spcBef>
-              <a:buFont typeface="Arial" panose="020B0604020202020204" pitchFamily="34" charset="0"/>
-              <a:buNone/>
-              <a:defRPr sz="1600" kern="1200">
-                <a:solidFill>
-                  <a:schemeClr val="tx1">
-                    <a:tint val="75000"/>
-                  </a:schemeClr>
-                </a:solidFill>
-                <a:latin typeface="+mn-lt"/>
-                <a:ea typeface="+mn-ea"/>
-                <a:cs typeface="+mn-cs"/>
-              </a:defRPr>
-            </a:lvl9pPr>
-          </a:lstStyle>
-          <a:p>
-            <a:pPr algn="l">
-              <a:lnSpc>
-                <a:spcPct val="120000"/>
-              </a:lnSpc>
-              <a:spcBef>
-                <a:spcPts val="0"/>
-              </a:spcBef>
-            </a:pPr>
-            <a:r>
-              <a:rPr lang="en-US" sz="2400" cap="none" spc="0" dirty="0">
-                <a:solidFill>
-                  <a:sysClr val="windowText" lastClr="000000"/>
-                </a:solidFill>
-                <a:effectLst/>
-              </a:rPr>
-              <a:t>After a client uploads a picture of their pet, our image recognition will be able to determine what kind of animal it is, then recommend names based off this information and a couple of other factors such as the animal’s coloring.</a:t>
-            </a:r>
-          </a:p>
-        </p:txBody>
-      </p:sp>
-    </p:spTree>
-    <p:extLst>
-      <p:ext uri="{BB962C8B-B14F-4D97-AF65-F5344CB8AC3E}">
-        <p14:creationId xmlns:p14="http://schemas.microsoft.com/office/powerpoint/2010/main" val="2944765398"/>
-      </p:ext>
-    </p:extLst>
-  </p:cSld>
-  <p:clrMapOvr>
-    <a:masterClrMapping/>
-  </p:clrMapOvr>
-</p:sld>
-</file>
-
-<file path=ppt/slides/slide5.xml><?xml version="1.0" encoding="utf-8"?>
-<p:sld xmlns:a="http://schemas.openxmlformats.org/drawingml/2006/main" xmlns:r="http://schemas.openxmlformats.org/officeDocument/2006/relationships" xmlns:p="http://schemas.openxmlformats.org/presentationml/2006/main">
-  <p:cSld>
-    <p:spTree>
-      <p:nvGrpSpPr>
-        <p:cNvPr id="1" name=""/>
-        <p:cNvGrpSpPr/>
-        <p:nvPr/>
-      </p:nvGrpSpPr>
-      <p:grpSpPr>
-        <a:xfrm>
-          <a:off x="0" y="0"/>
-          <a:ext cx="0" cy="0"/>
-          <a:chOff x="0" y="0"/>
-          <a:chExt cx="0" cy="0"/>
-        </a:xfrm>
-      </p:grpSpPr>
-      <p:sp>
-        <p:nvSpPr>
-          <p:cNvPr id="3" name="Title 2">
-            <a:extLst>
-              <a:ext uri="{FF2B5EF4-FFF2-40B4-BE49-F238E27FC236}">
-                <a16:creationId xmlns:a16="http://schemas.microsoft.com/office/drawing/2014/main" id="{1D24B42B-925B-494C-A986-BD85E8117E1E}"/>
-              </a:ext>
-            </a:extLst>
-          </p:cNvPr>
-          <p:cNvSpPr>
-            <a:spLocks noGrp="1"/>
-          </p:cNvSpPr>
-          <p:nvPr>
-            <p:ph type="title"/>
-          </p:nvPr>
-        </p:nvSpPr>
-        <p:spPr>
-          <a:xfrm>
-            <a:off x="6362331" y="659363"/>
-            <a:ext cx="5251450" cy="1661297"/>
-          </a:xfrm>
-        </p:spPr>
-        <p:txBody>
-          <a:bodyPr>
-            <a:normAutofit fontScale="90000"/>
-          </a:bodyPr>
-          <a:lstStyle/>
-          <a:p>
-            <a:r>
-              <a:rPr lang="en-US" dirty="0"/>
-              <a:t>EQUIPMENT</a:t>
-            </a:r>
-            <a:br>
-              <a:rPr lang="en-US" dirty="0"/>
-            </a:br>
-            <a:r>
-              <a:rPr lang="en-US" dirty="0"/>
-              <a:t>&amp; Software</a:t>
-            </a:r>
-          </a:p>
-        </p:txBody>
-      </p:sp>
-      <p:pic>
-        <p:nvPicPr>
-          <p:cNvPr id="13" name="Picture Placeholder 12" descr="close up of computer on top of table against a brick wall">
-            <a:extLst>
-              <a:ext uri="{FF2B5EF4-FFF2-40B4-BE49-F238E27FC236}">
-                <a16:creationId xmlns:a16="http://schemas.microsoft.com/office/drawing/2014/main" id="{90BB9493-60B4-4B89-89CE-E1F8BF6C4D12}"/>
-              </a:ext>
-            </a:extLst>
-          </p:cNvPr>
-          <p:cNvPicPr>
-            <a:picLocks noGrp="1" noChangeAspect="1"/>
-          </p:cNvPicPr>
-          <p:nvPr>
-            <p:ph type="pic" sz="quarter" idx="13"/>
-          </p:nvPr>
-        </p:nvPicPr>
-        <p:blipFill rotWithShape="1">
-          <a:blip r:embed="rId2" cstate="email">
-            <a:extLst>
-              <a:ext uri="{BEBA8EAE-BF5A-486C-A8C5-ECC9F3942E4B}">
-                <a14:imgProps xmlns:a14="http://schemas.microsoft.com/office/drawing/2010/main">
-                  <a14:imgLayer r:embed="rId3">
-                    <a14:imgEffect>
-                      <a14:saturation sat="0"/>
-                    </a14:imgEffect>
-                  </a14:imgLayer>
-                </a14:imgProps>
-              </a:ext>
-              <a:ext uri="{28A0092B-C50C-407E-A947-70E740481C1C}">
-                <a14:useLocalDpi xmlns:a14="http://schemas.microsoft.com/office/drawing/2010/main"/>
-              </a:ext>
-            </a:extLst>
-          </a:blip>
-          <a:srcRect l="20370" r="20370"/>
-          <a:stretch/>
-        </p:blipFill>
-        <p:spPr/>
-      </p:pic>
-      <p:sp>
-        <p:nvSpPr>
-          <p:cNvPr id="5" name="Text Placeholder 4">
-            <a:extLst>
-              <a:ext uri="{FF2B5EF4-FFF2-40B4-BE49-F238E27FC236}">
-                <a16:creationId xmlns:a16="http://schemas.microsoft.com/office/drawing/2014/main" id="{AF9B872F-6332-408E-9135-B871F0C90C00}"/>
-              </a:ext>
-            </a:extLst>
-          </p:cNvPr>
-          <p:cNvSpPr>
-            <a:spLocks noGrp="1"/>
-          </p:cNvSpPr>
-          <p:nvPr>
-            <p:ph type="body" idx="1"/>
-          </p:nvPr>
-        </p:nvSpPr>
-        <p:spPr>
-          <a:xfrm>
-            <a:off x="6362330" y="5940605"/>
-            <a:ext cx="5829669" cy="365125"/>
-          </a:xfrm>
-        </p:spPr>
-        <p:txBody>
-          <a:bodyPr/>
-          <a:lstStyle/>
-          <a:p>
-            <a:r>
-              <a:rPr lang="en-US" spc="300" dirty="0"/>
-              <a:t> </a:t>
-            </a:r>
-          </a:p>
-        </p:txBody>
-      </p:sp>
-      <p:sp>
-        <p:nvSpPr>
-          <p:cNvPr id="2" name="Slide Number Placeholder 1">
-            <a:extLst>
-              <a:ext uri="{FF2B5EF4-FFF2-40B4-BE49-F238E27FC236}">
-                <a16:creationId xmlns:a16="http://schemas.microsoft.com/office/drawing/2014/main" id="{948DD8A0-BD53-4DBF-949B-0D64D12DADA9}"/>
-              </a:ext>
-            </a:extLst>
-          </p:cNvPr>
-          <p:cNvSpPr>
-            <a:spLocks noGrp="1"/>
-          </p:cNvSpPr>
-          <p:nvPr>
-            <p:ph type="sldNum" sz="quarter" idx="12"/>
-          </p:nvPr>
-        </p:nvSpPr>
-        <p:spPr/>
-        <p:txBody>
-          <a:bodyPr/>
-          <a:lstStyle/>
-          <a:p>
-            <a:fld id="{8C2E478F-E849-4A8C-AF1F-CBCC78A7CBFA}" type="slidenum">
-              <a:rPr lang="en-US" smtClean="0"/>
-              <a:t>5</a:t>
-            </a:fld>
-            <a:endParaRPr lang="en-US" dirty="0"/>
-          </a:p>
-        </p:txBody>
-      </p:sp>
-      <p:sp>
-        <p:nvSpPr>
-          <p:cNvPr id="6" name="Content Placeholder 8">
-            <a:extLst>
-              <a:ext uri="{FF2B5EF4-FFF2-40B4-BE49-F238E27FC236}">
-                <a16:creationId xmlns:a16="http://schemas.microsoft.com/office/drawing/2014/main" id="{3B4F2E0F-78BC-2FE8-4808-2A26179B55EA}"/>
-              </a:ext>
-            </a:extLst>
-          </p:cNvPr>
-          <p:cNvSpPr txBox="1">
-            <a:spLocks/>
-          </p:cNvSpPr>
-          <p:nvPr/>
-        </p:nvSpPr>
-        <p:spPr>
-          <a:xfrm>
-            <a:off x="6362331" y="2826250"/>
-            <a:ext cx="4646246" cy="2218585"/>
+            <a:off x="6362330" y="1882066"/>
+            <a:ext cx="4516707" cy="3859127"/>
           </a:xfrm>
           <a:prstGeom prst="rect">
             <a:avLst/>
@@ -7100,34 +6602,664 @@
             </a:lvl9pPr>
           </a:lstStyle>
           <a:p>
-            <a:r>
-              <a:rPr lang="en-US" dirty="0">
+            <a:pPr algn="l">
+              <a:lnSpc>
+                <a:spcPct val="120000"/>
+              </a:lnSpc>
+              <a:spcBef>
+                <a:spcPts val="0"/>
+              </a:spcBef>
+            </a:pPr>
+            <a:r>
+              <a:rPr lang="en-US" sz="2400" cap="none" spc="0" dirty="0">
                 <a:solidFill>
-                  <a:schemeClr val="tx1"/>
+                  <a:sysClr val="windowText" lastClr="000000"/>
                 </a:solidFill>
+                <a:effectLst/>
               </a:rPr>
-              <a:t>Languages, frameworks, </a:t>
-            </a:r>
-            <a:r>
-              <a:rPr lang="en-US" dirty="0" err="1">
-                <a:solidFill>
-                  <a:schemeClr val="tx1"/>
-                </a:solidFill>
-              </a:rPr>
-              <a:t>etc</a:t>
-            </a:r>
-            <a:endParaRPr lang="en-US" dirty="0">
-              <a:solidFill>
-                <a:schemeClr val="tx1"/>
-              </a:solidFill>
-            </a:endParaRPr>
-          </a:p>
-        </p:txBody>
-      </p:sp>
+              <a:t>After a client uploads a picture of their pet, our image recognition will be able to determine what kind of animal it is, then recommend names based off this information and a couple of other factors such as the animal’s coloring.</a:t>
+            </a:r>
+          </a:p>
+        </p:txBody>
+      </p:sp>
+      <p:sp>
+        <p:nvSpPr>
+          <p:cNvPr id="7" name="Picture Placeholder 6">
+            <a:extLst>
+              <a:ext uri="{FF2B5EF4-FFF2-40B4-BE49-F238E27FC236}">
+                <a16:creationId xmlns:a16="http://schemas.microsoft.com/office/drawing/2014/main" id="{BC79F0CB-D8A3-C42E-9E9A-ABCD333E1E55}"/>
+              </a:ext>
+            </a:extLst>
+          </p:cNvPr>
+          <p:cNvSpPr>
+            <a:spLocks noGrp="1"/>
+          </p:cNvSpPr>
+          <p:nvPr>
+            <p:ph type="pic" sz="quarter" idx="13"/>
+          </p:nvPr>
+        </p:nvSpPr>
+        <p:spPr/>
+      </p:sp>
+      <p:pic>
+        <p:nvPicPr>
+          <p:cNvPr id="13" name="Picture Placeholder 12" descr="close up of computer on top of table against a brick wall">
+            <a:extLst>
+              <a:ext uri="{FF2B5EF4-FFF2-40B4-BE49-F238E27FC236}">
+                <a16:creationId xmlns:a16="http://schemas.microsoft.com/office/drawing/2014/main" id="{90BB9493-60B4-4B89-89CE-E1F8BF6C4D12}"/>
+              </a:ext>
+            </a:extLst>
+          </p:cNvPr>
+          <p:cNvPicPr>
+            <a:picLocks noChangeAspect="1"/>
+          </p:cNvPicPr>
+          <p:nvPr/>
+        </p:nvPicPr>
+        <p:blipFill rotWithShape="1">
+          <a:blip r:embed="rId2" cstate="email">
+            <a:extLst>
+              <a:ext uri="{BEBA8EAE-BF5A-486C-A8C5-ECC9F3942E4B}">
+                <a14:imgProps xmlns:a14="http://schemas.microsoft.com/office/drawing/2010/main">
+                  <a14:imgLayer r:embed="rId3">
+                    <a14:imgEffect>
+                      <a14:saturation sat="0"/>
+                    </a14:imgEffect>
+                  </a14:imgLayer>
+                </a14:imgProps>
+              </a:ext>
+              <a:ext uri="{28A0092B-C50C-407E-A947-70E740481C1C}">
+                <a14:useLocalDpi xmlns:a14="http://schemas.microsoft.com/office/drawing/2010/main"/>
+              </a:ext>
+            </a:extLst>
+          </a:blip>
+          <a:srcRect l="20370" r="20370"/>
+          <a:stretch/>
+        </p:blipFill>
+        <p:spPr>
+          <a:xfrm>
+            <a:off x="0" y="-9922"/>
+            <a:ext cx="6096000" cy="6867922"/>
+          </a:xfrm>
+          <a:custGeom>
+            <a:avLst/>
+            <a:gdLst>
+              <a:gd name="connsiteX0" fmla="*/ 0 w 6096000"/>
+              <a:gd name="connsiteY0" fmla="*/ 0 h 6858000"/>
+              <a:gd name="connsiteX1" fmla="*/ 6096000 w 6096000"/>
+              <a:gd name="connsiteY1" fmla="*/ 0 h 6858000"/>
+              <a:gd name="connsiteX2" fmla="*/ 6096000 w 6096000"/>
+              <a:gd name="connsiteY2" fmla="*/ 6858000 h 6858000"/>
+              <a:gd name="connsiteX3" fmla="*/ 0 w 6096000"/>
+              <a:gd name="connsiteY3" fmla="*/ 6858000 h 6858000"/>
+              <a:gd name="connsiteX4" fmla="*/ 0 w 6096000"/>
+              <a:gd name="connsiteY4" fmla="*/ 0 h 6858000"/>
+              <a:gd name="connsiteX0" fmla="*/ 0 w 6096000"/>
+              <a:gd name="connsiteY0" fmla="*/ 0 h 6858000"/>
+              <a:gd name="connsiteX1" fmla="*/ 6096000 w 6096000"/>
+              <a:gd name="connsiteY1" fmla="*/ 0 h 6858000"/>
+              <a:gd name="connsiteX2" fmla="*/ 4242487 w 6096000"/>
+              <a:gd name="connsiteY2" fmla="*/ 6833286 h 6858000"/>
+              <a:gd name="connsiteX3" fmla="*/ 0 w 6096000"/>
+              <a:gd name="connsiteY3" fmla="*/ 6858000 h 6858000"/>
+              <a:gd name="connsiteX4" fmla="*/ 0 w 6096000"/>
+              <a:gd name="connsiteY4" fmla="*/ 0 h 6858000"/>
+              <a:gd name="connsiteX0" fmla="*/ 0 w 6096000"/>
+              <a:gd name="connsiteY0" fmla="*/ 0 h 6867922"/>
+              <a:gd name="connsiteX1" fmla="*/ 6096000 w 6096000"/>
+              <a:gd name="connsiteY1" fmla="*/ 0 h 6867922"/>
+              <a:gd name="connsiteX2" fmla="*/ 4228633 w 6096000"/>
+              <a:gd name="connsiteY2" fmla="*/ 6867922 h 6867922"/>
+              <a:gd name="connsiteX3" fmla="*/ 0 w 6096000"/>
+              <a:gd name="connsiteY3" fmla="*/ 6858000 h 6867922"/>
+              <a:gd name="connsiteX4" fmla="*/ 0 w 6096000"/>
+              <a:gd name="connsiteY4" fmla="*/ 0 h 6867922"/>
+            </a:gdLst>
+            <a:ahLst/>
+            <a:cxnLst>
+              <a:cxn ang="0">
+                <a:pos x="connsiteX0" y="connsiteY0"/>
+              </a:cxn>
+              <a:cxn ang="0">
+                <a:pos x="connsiteX1" y="connsiteY1"/>
+              </a:cxn>
+              <a:cxn ang="0">
+                <a:pos x="connsiteX2" y="connsiteY2"/>
+              </a:cxn>
+              <a:cxn ang="0">
+                <a:pos x="connsiteX3" y="connsiteY3"/>
+              </a:cxn>
+              <a:cxn ang="0">
+                <a:pos x="connsiteX4" y="connsiteY4"/>
+              </a:cxn>
+            </a:cxnLst>
+            <a:rect l="l" t="t" r="r" b="b"/>
+            <a:pathLst>
+              <a:path w="6096000" h="6867922">
+                <a:moveTo>
+                  <a:pt x="0" y="0"/>
+                </a:moveTo>
+                <a:lnTo>
+                  <a:pt x="6096000" y="0"/>
+                </a:lnTo>
+                <a:lnTo>
+                  <a:pt x="4228633" y="6867922"/>
+                </a:lnTo>
+                <a:lnTo>
+                  <a:pt x="0" y="6858000"/>
+                </a:lnTo>
+                <a:lnTo>
+                  <a:pt x="0" y="0"/>
+                </a:lnTo>
+                <a:close/>
+              </a:path>
+            </a:pathLst>
+          </a:custGeom>
+          <a:effectLst/>
+        </p:spPr>
+      </p:pic>
     </p:spTree>
     <p:extLst>
       <p:ext uri="{BB962C8B-B14F-4D97-AF65-F5344CB8AC3E}">
-        <p14:creationId xmlns:p14="http://schemas.microsoft.com/office/powerpoint/2010/main" val="3164405530"/>
+        <p14:creationId xmlns:p14="http://schemas.microsoft.com/office/powerpoint/2010/main" val="2944765398"/>
+      </p:ext>
+    </p:extLst>
+  </p:cSld>
+  <p:clrMapOvr>
+    <a:masterClrMapping/>
+  </p:clrMapOvr>
+</p:sld>
+</file>
+
+<file path=ppt/slides/slide5.xml><?xml version="1.0" encoding="utf-8"?>
+<p:sld xmlns:a="http://schemas.openxmlformats.org/drawingml/2006/main" xmlns:r="http://schemas.openxmlformats.org/officeDocument/2006/relationships" xmlns:p="http://schemas.openxmlformats.org/presentationml/2006/main">
+  <p:cSld>
+    <p:spTree>
+      <p:nvGrpSpPr>
+        <p:cNvPr id="1" name=""/>
+        <p:cNvGrpSpPr/>
+        <p:nvPr/>
+      </p:nvGrpSpPr>
+      <p:grpSpPr>
+        <a:xfrm>
+          <a:off x="0" y="0"/>
+          <a:ext cx="0" cy="0"/>
+          <a:chOff x="0" y="0"/>
+          <a:chExt cx="0" cy="0"/>
+        </a:xfrm>
+      </p:grpSpPr>
+      <p:sp>
+        <p:nvSpPr>
+          <p:cNvPr id="3" name="Title 2">
+            <a:extLst>
+              <a:ext uri="{FF2B5EF4-FFF2-40B4-BE49-F238E27FC236}">
+                <a16:creationId xmlns:a16="http://schemas.microsoft.com/office/drawing/2014/main" id="{1D24B42B-925B-494C-A986-BD85E8117E1E}"/>
+              </a:ext>
+            </a:extLst>
+          </p:cNvPr>
+          <p:cNvSpPr>
+            <a:spLocks noGrp="1"/>
+          </p:cNvSpPr>
+          <p:nvPr>
+            <p:ph type="title"/>
+          </p:nvPr>
+        </p:nvSpPr>
+        <p:spPr>
+          <a:xfrm>
+            <a:off x="6362331" y="401907"/>
+            <a:ext cx="5251450" cy="1661297"/>
+          </a:xfrm>
+        </p:spPr>
+        <p:txBody>
+          <a:bodyPr anchor="t">
+            <a:normAutofit/>
+          </a:bodyPr>
+          <a:lstStyle/>
+          <a:p>
+            <a:r>
+              <a:rPr lang="en-US" sz="4200" dirty="0"/>
+              <a:t>Components</a:t>
+            </a:r>
+            <a:br>
+              <a:rPr lang="en-US" dirty="0"/>
+            </a:br>
+            <a:r>
+              <a:rPr lang="en-US" sz="3200" dirty="0"/>
+              <a:t>statement of work</a:t>
+            </a:r>
+            <a:endParaRPr lang="en-US" dirty="0"/>
+          </a:p>
+        </p:txBody>
+      </p:sp>
+      <p:sp>
+        <p:nvSpPr>
+          <p:cNvPr id="5" name="Text Placeholder 4">
+            <a:extLst>
+              <a:ext uri="{FF2B5EF4-FFF2-40B4-BE49-F238E27FC236}">
+                <a16:creationId xmlns:a16="http://schemas.microsoft.com/office/drawing/2014/main" id="{AF9B872F-6332-408E-9135-B871F0C90C00}"/>
+              </a:ext>
+            </a:extLst>
+          </p:cNvPr>
+          <p:cNvSpPr>
+            <a:spLocks noGrp="1"/>
+          </p:cNvSpPr>
+          <p:nvPr>
+            <p:ph type="body" idx="1"/>
+          </p:nvPr>
+        </p:nvSpPr>
+        <p:spPr>
+          <a:xfrm>
+            <a:off x="6362330" y="5940605"/>
+            <a:ext cx="5829669" cy="365125"/>
+          </a:xfrm>
+        </p:spPr>
+        <p:txBody>
+          <a:bodyPr/>
+          <a:lstStyle/>
+          <a:p>
+            <a:r>
+              <a:rPr lang="en-US" spc="300" dirty="0"/>
+              <a:t> </a:t>
+            </a:r>
+          </a:p>
+        </p:txBody>
+      </p:sp>
+      <p:sp>
+        <p:nvSpPr>
+          <p:cNvPr id="2" name="Slide Number Placeholder 1">
+            <a:extLst>
+              <a:ext uri="{FF2B5EF4-FFF2-40B4-BE49-F238E27FC236}">
+                <a16:creationId xmlns:a16="http://schemas.microsoft.com/office/drawing/2014/main" id="{948DD8A0-BD53-4DBF-949B-0D64D12DADA9}"/>
+              </a:ext>
+            </a:extLst>
+          </p:cNvPr>
+          <p:cNvSpPr>
+            <a:spLocks noGrp="1"/>
+          </p:cNvSpPr>
+          <p:nvPr>
+            <p:ph type="sldNum" sz="quarter" idx="12"/>
+          </p:nvPr>
+        </p:nvSpPr>
+        <p:spPr/>
+        <p:txBody>
+          <a:bodyPr/>
+          <a:lstStyle/>
+          <a:p>
+            <a:fld id="{8C2E478F-E849-4A8C-AF1F-CBCC78A7CBFA}" type="slidenum">
+              <a:rPr lang="en-US" smtClean="0"/>
+              <a:t>5</a:t>
+            </a:fld>
+            <a:endParaRPr lang="en-US" dirty="0"/>
+          </a:p>
+        </p:txBody>
+      </p:sp>
+      <p:sp>
+        <p:nvSpPr>
+          <p:cNvPr id="6" name="Content Placeholder 8">
+            <a:extLst>
+              <a:ext uri="{FF2B5EF4-FFF2-40B4-BE49-F238E27FC236}">
+                <a16:creationId xmlns:a16="http://schemas.microsoft.com/office/drawing/2014/main" id="{3B4F2E0F-78BC-2FE8-4808-2A26179B55EA}"/>
+              </a:ext>
+            </a:extLst>
+          </p:cNvPr>
+          <p:cNvSpPr txBox="1">
+            <a:spLocks/>
+          </p:cNvSpPr>
+          <p:nvPr/>
+        </p:nvSpPr>
+        <p:spPr>
+          <a:xfrm>
+            <a:off x="6362330" y="1882066"/>
+            <a:ext cx="5517781" cy="3764132"/>
+          </a:xfrm>
+          <a:prstGeom prst="rect">
+            <a:avLst/>
+          </a:prstGeom>
+          <a:noFill/>
+        </p:spPr>
+        <p:txBody>
+          <a:bodyPr vert="horz" lIns="91440" tIns="45720" rIns="91440" bIns="45720" rtlCol="0" anchor="t">
+            <a:normAutofit fontScale="92500" lnSpcReduction="10000"/>
+          </a:bodyPr>
+          <a:lstStyle>
+            <a:defPPr>
+              <a:defRPr lang="en-US"/>
+            </a:defPPr>
+            <a:lvl1pPr indent="0">
+              <a:lnSpc>
+                <a:spcPct val="120000"/>
+              </a:lnSpc>
+              <a:spcBef>
+                <a:spcPts val="0"/>
+              </a:spcBef>
+              <a:buFont typeface="Arial" panose="020B0604020202020204" pitchFamily="34" charset="0"/>
+              <a:buNone/>
+              <a:defRPr sz="2400" cap="none" spc="0" baseline="0">
+                <a:solidFill>
+                  <a:sysClr val="windowText" lastClr="000000"/>
+                </a:solidFill>
+                <a:effectLst/>
+              </a:defRPr>
+            </a:lvl1pPr>
+            <a:lvl2pPr indent="0">
+              <a:lnSpc>
+                <a:spcPct val="150000"/>
+              </a:lnSpc>
+              <a:spcBef>
+                <a:spcPts val="500"/>
+              </a:spcBef>
+              <a:buFont typeface="Arial" panose="020B0604020202020204" pitchFamily="34" charset="0"/>
+              <a:buNone/>
+              <a:defRPr sz="2000">
+                <a:solidFill>
+                  <a:schemeClr val="tx1">
+                    <a:tint val="75000"/>
+                  </a:schemeClr>
+                </a:solidFill>
+              </a:defRPr>
+            </a:lvl2pPr>
+            <a:lvl3pPr indent="0">
+              <a:lnSpc>
+                <a:spcPct val="150000"/>
+              </a:lnSpc>
+              <a:spcBef>
+                <a:spcPts val="500"/>
+              </a:spcBef>
+              <a:buFont typeface="Arial" panose="020B0604020202020204" pitchFamily="34" charset="0"/>
+              <a:buNone/>
+              <a:defRPr>
+                <a:solidFill>
+                  <a:schemeClr val="tx1">
+                    <a:tint val="75000"/>
+                  </a:schemeClr>
+                </a:solidFill>
+              </a:defRPr>
+            </a:lvl3pPr>
+            <a:lvl4pPr indent="0">
+              <a:lnSpc>
+                <a:spcPct val="150000"/>
+              </a:lnSpc>
+              <a:spcBef>
+                <a:spcPts val="500"/>
+              </a:spcBef>
+              <a:buFont typeface="Arial" panose="020B0604020202020204" pitchFamily="34" charset="0"/>
+              <a:buNone/>
+              <a:defRPr sz="1600">
+                <a:solidFill>
+                  <a:schemeClr val="tx1">
+                    <a:tint val="75000"/>
+                  </a:schemeClr>
+                </a:solidFill>
+              </a:defRPr>
+            </a:lvl4pPr>
+            <a:lvl5pPr indent="0">
+              <a:lnSpc>
+                <a:spcPct val="150000"/>
+              </a:lnSpc>
+              <a:spcBef>
+                <a:spcPts val="500"/>
+              </a:spcBef>
+              <a:buFont typeface="Arial" panose="020B0604020202020204" pitchFamily="34" charset="0"/>
+              <a:buNone/>
+              <a:defRPr sz="1600">
+                <a:solidFill>
+                  <a:schemeClr val="tx1">
+                    <a:tint val="75000"/>
+                  </a:schemeClr>
+                </a:solidFill>
+              </a:defRPr>
+            </a:lvl5pPr>
+            <a:lvl6pPr indent="0">
+              <a:lnSpc>
+                <a:spcPct val="90000"/>
+              </a:lnSpc>
+              <a:spcBef>
+                <a:spcPts val="500"/>
+              </a:spcBef>
+              <a:buFont typeface="Arial" panose="020B0604020202020204" pitchFamily="34" charset="0"/>
+              <a:buNone/>
+              <a:defRPr sz="1600">
+                <a:solidFill>
+                  <a:schemeClr val="tx1">
+                    <a:tint val="75000"/>
+                  </a:schemeClr>
+                </a:solidFill>
+              </a:defRPr>
+            </a:lvl6pPr>
+            <a:lvl7pPr indent="0">
+              <a:lnSpc>
+                <a:spcPct val="90000"/>
+              </a:lnSpc>
+              <a:spcBef>
+                <a:spcPts val="500"/>
+              </a:spcBef>
+              <a:buFont typeface="Arial" panose="020B0604020202020204" pitchFamily="34" charset="0"/>
+              <a:buNone/>
+              <a:defRPr sz="1600">
+                <a:solidFill>
+                  <a:schemeClr val="tx1">
+                    <a:tint val="75000"/>
+                  </a:schemeClr>
+                </a:solidFill>
+              </a:defRPr>
+            </a:lvl7pPr>
+            <a:lvl8pPr indent="0">
+              <a:lnSpc>
+                <a:spcPct val="90000"/>
+              </a:lnSpc>
+              <a:spcBef>
+                <a:spcPts val="500"/>
+              </a:spcBef>
+              <a:buFont typeface="Arial" panose="020B0604020202020204" pitchFamily="34" charset="0"/>
+              <a:buNone/>
+              <a:defRPr sz="1600">
+                <a:solidFill>
+                  <a:schemeClr val="tx1">
+                    <a:tint val="75000"/>
+                  </a:schemeClr>
+                </a:solidFill>
+              </a:defRPr>
+            </a:lvl8pPr>
+            <a:lvl9pPr indent="0">
+              <a:lnSpc>
+                <a:spcPct val="90000"/>
+              </a:lnSpc>
+              <a:spcBef>
+                <a:spcPts val="500"/>
+              </a:spcBef>
+              <a:buFont typeface="Arial" panose="020B0604020202020204" pitchFamily="34" charset="0"/>
+              <a:buNone/>
+              <a:defRPr sz="1600">
+                <a:solidFill>
+                  <a:schemeClr val="tx1">
+                    <a:tint val="75000"/>
+                  </a:schemeClr>
+                </a:solidFill>
+              </a:defRPr>
+            </a:lvl9pPr>
+          </a:lstStyle>
+          <a:p>
+            <a:pPr marL="342900" indent="-342900">
+              <a:spcBef>
+                <a:spcPts val="1200"/>
+              </a:spcBef>
+              <a:buFont typeface="Arial" panose="020B0604020202020204" pitchFamily="34" charset="0"/>
+              <a:buChar char="•"/>
+            </a:pPr>
+            <a:r>
+              <a:rPr lang="en-US" dirty="0"/>
+              <a:t>Landing page with account creation</a:t>
+            </a:r>
+          </a:p>
+          <a:p>
+            <a:pPr marL="342900" indent="-342900">
+              <a:spcBef>
+                <a:spcPts val="1200"/>
+              </a:spcBef>
+              <a:buFont typeface="Arial" panose="020B0604020202020204" pitchFamily="34" charset="0"/>
+              <a:buChar char="•"/>
+            </a:pPr>
+            <a:r>
+              <a:rPr lang="en-US" dirty="0"/>
+              <a:t>Picture upload screen</a:t>
+            </a:r>
+          </a:p>
+          <a:p>
+            <a:pPr marL="342900" indent="-342900">
+              <a:spcBef>
+                <a:spcPts val="1200"/>
+              </a:spcBef>
+              <a:buFont typeface="Arial" panose="020B0604020202020204" pitchFamily="34" charset="0"/>
+              <a:buChar char="•"/>
+            </a:pPr>
+            <a:r>
+              <a:rPr lang="en-US" dirty="0"/>
+              <a:t>Picture recognition response</a:t>
+            </a:r>
+          </a:p>
+          <a:p>
+            <a:pPr marL="342900" indent="-342900">
+              <a:spcBef>
+                <a:spcPts val="1200"/>
+              </a:spcBef>
+              <a:buFont typeface="Arial" panose="020B0604020202020204" pitchFamily="34" charset="0"/>
+              <a:buChar char="•"/>
+            </a:pPr>
+            <a:r>
+              <a:rPr lang="en-US" dirty="0"/>
+              <a:t>Name suggestions from designated databases based on the animal and obvious features</a:t>
+            </a:r>
+          </a:p>
+          <a:p>
+            <a:pPr marL="342900" indent="-342900">
+              <a:spcBef>
+                <a:spcPts val="1200"/>
+              </a:spcBef>
+              <a:buFont typeface="Arial" panose="020B0604020202020204" pitchFamily="34" charset="0"/>
+              <a:buChar char="•"/>
+            </a:pPr>
+            <a:r>
+              <a:rPr lang="en-US" dirty="0"/>
+              <a:t>Ability to save favorite names to account database</a:t>
+            </a:r>
+          </a:p>
+        </p:txBody>
+      </p:sp>
+      <p:pic>
+        <p:nvPicPr>
+          <p:cNvPr id="4" name="Picture Placeholder 7" descr="close up of computer code">
+            <a:extLst>
+              <a:ext uri="{FF2B5EF4-FFF2-40B4-BE49-F238E27FC236}">
+                <a16:creationId xmlns:a16="http://schemas.microsoft.com/office/drawing/2014/main" id="{EFC42499-7A07-6EF5-2A4A-AD93E002BC94}"/>
+              </a:ext>
+            </a:extLst>
+          </p:cNvPr>
+          <p:cNvPicPr>
+            <a:picLocks noChangeAspect="1"/>
+          </p:cNvPicPr>
+          <p:nvPr/>
+        </p:nvPicPr>
+        <p:blipFill rotWithShape="1">
+          <a:blip r:embed="rId2">
+            <a:extLst>
+              <a:ext uri="{BEBA8EAE-BF5A-486C-A8C5-ECC9F3942E4B}">
+                <a14:imgProps xmlns:a14="http://schemas.microsoft.com/office/drawing/2010/main">
+                  <a14:imgLayer r:embed="rId3">
+                    <a14:imgEffect>
+                      <a14:saturation sat="0"/>
+                    </a14:imgEffect>
+                  </a14:imgLayer>
+                </a14:imgProps>
+              </a:ext>
+            </a:extLst>
+          </a:blip>
+          <a:srcRect l="20370" r="20370"/>
+          <a:stretch/>
+        </p:blipFill>
+        <p:spPr>
+          <a:xfrm>
+            <a:off x="0" y="0"/>
+            <a:ext cx="6096000" cy="6867922"/>
+          </a:xfrm>
+          <a:custGeom>
+            <a:avLst/>
+            <a:gdLst>
+              <a:gd name="connsiteX0" fmla="*/ 0 w 6096000"/>
+              <a:gd name="connsiteY0" fmla="*/ 0 h 6858000"/>
+              <a:gd name="connsiteX1" fmla="*/ 6096000 w 6096000"/>
+              <a:gd name="connsiteY1" fmla="*/ 0 h 6858000"/>
+              <a:gd name="connsiteX2" fmla="*/ 6096000 w 6096000"/>
+              <a:gd name="connsiteY2" fmla="*/ 6858000 h 6858000"/>
+              <a:gd name="connsiteX3" fmla="*/ 0 w 6096000"/>
+              <a:gd name="connsiteY3" fmla="*/ 6858000 h 6858000"/>
+              <a:gd name="connsiteX4" fmla="*/ 0 w 6096000"/>
+              <a:gd name="connsiteY4" fmla="*/ 0 h 6858000"/>
+              <a:gd name="connsiteX0" fmla="*/ 0 w 6096000"/>
+              <a:gd name="connsiteY0" fmla="*/ 0 h 6858000"/>
+              <a:gd name="connsiteX1" fmla="*/ 6096000 w 6096000"/>
+              <a:gd name="connsiteY1" fmla="*/ 0 h 6858000"/>
+              <a:gd name="connsiteX2" fmla="*/ 4242487 w 6096000"/>
+              <a:gd name="connsiteY2" fmla="*/ 6833286 h 6858000"/>
+              <a:gd name="connsiteX3" fmla="*/ 0 w 6096000"/>
+              <a:gd name="connsiteY3" fmla="*/ 6858000 h 6858000"/>
+              <a:gd name="connsiteX4" fmla="*/ 0 w 6096000"/>
+              <a:gd name="connsiteY4" fmla="*/ 0 h 6858000"/>
+              <a:gd name="connsiteX0" fmla="*/ 0 w 6096000"/>
+              <a:gd name="connsiteY0" fmla="*/ 0 h 6867922"/>
+              <a:gd name="connsiteX1" fmla="*/ 6096000 w 6096000"/>
+              <a:gd name="connsiteY1" fmla="*/ 0 h 6867922"/>
+              <a:gd name="connsiteX2" fmla="*/ 4228633 w 6096000"/>
+              <a:gd name="connsiteY2" fmla="*/ 6867922 h 6867922"/>
+              <a:gd name="connsiteX3" fmla="*/ 0 w 6096000"/>
+              <a:gd name="connsiteY3" fmla="*/ 6858000 h 6867922"/>
+              <a:gd name="connsiteX4" fmla="*/ 0 w 6096000"/>
+              <a:gd name="connsiteY4" fmla="*/ 0 h 6867922"/>
+            </a:gdLst>
+            <a:ahLst/>
+            <a:cxnLst>
+              <a:cxn ang="0">
+                <a:pos x="connsiteX0" y="connsiteY0"/>
+              </a:cxn>
+              <a:cxn ang="0">
+                <a:pos x="connsiteX1" y="connsiteY1"/>
+              </a:cxn>
+              <a:cxn ang="0">
+                <a:pos x="connsiteX2" y="connsiteY2"/>
+              </a:cxn>
+              <a:cxn ang="0">
+                <a:pos x="connsiteX3" y="connsiteY3"/>
+              </a:cxn>
+              <a:cxn ang="0">
+                <a:pos x="connsiteX4" y="connsiteY4"/>
+              </a:cxn>
+            </a:cxnLst>
+            <a:rect l="l" t="t" r="r" b="b"/>
+            <a:pathLst>
+              <a:path w="6096000" h="6867922">
+                <a:moveTo>
+                  <a:pt x="0" y="0"/>
+                </a:moveTo>
+                <a:lnTo>
+                  <a:pt x="6096000" y="0"/>
+                </a:lnTo>
+                <a:lnTo>
+                  <a:pt x="4228633" y="6867922"/>
+                </a:lnTo>
+                <a:lnTo>
+                  <a:pt x="0" y="6858000"/>
+                </a:lnTo>
+                <a:lnTo>
+                  <a:pt x="0" y="0"/>
+                </a:lnTo>
+                <a:close/>
+              </a:path>
+            </a:pathLst>
+          </a:custGeom>
+          <a:effectLst/>
+        </p:spPr>
+      </p:pic>
+    </p:spTree>
+    <p:extLst>
+      <p:ext uri="{BB962C8B-B14F-4D97-AF65-F5344CB8AC3E}">
+        <p14:creationId xmlns:p14="http://schemas.microsoft.com/office/powerpoint/2010/main" val="4094892012"/>
       </p:ext>
     </p:extLst>
   </p:cSld>
@@ -7154,12 +7286,54 @@
           <a:chExt cx="0" cy="0"/>
         </a:xfrm>
       </p:grpSpPr>
-      <p:sp>
-        <p:nvSpPr>
-          <p:cNvPr id="2" name="Title 1">
-            <a:extLst>
-              <a:ext uri="{FF2B5EF4-FFF2-40B4-BE49-F238E27FC236}">
-                <a16:creationId xmlns:a16="http://schemas.microsoft.com/office/drawing/2014/main" id="{12CC3376-5069-4C7B-BE6B-A3776D1B47BA}"/>
+      <p:pic>
+        <p:nvPicPr>
+          <p:cNvPr id="9" name="Picture Placeholder 7" descr="abstract image">
+            <a:extLst>
+              <a:ext uri="{FF2B5EF4-FFF2-40B4-BE49-F238E27FC236}">
+                <a16:creationId xmlns:a16="http://schemas.microsoft.com/office/drawing/2014/main" id="{10C261F5-27E5-A8D9-57BF-8DCB0A00F6B1}"/>
+              </a:ext>
+            </a:extLst>
+          </p:cNvPr>
+          <p:cNvPicPr>
+            <a:picLocks noChangeAspect="1"/>
+          </p:cNvPicPr>
+          <p:nvPr/>
+        </p:nvPicPr>
+        <p:blipFill rotWithShape="1">
+          <a:blip r:embed="rId2">
+            <a:alphaModFix/>
+            <a:extLst>
+              <a:ext uri="{BEBA8EAE-BF5A-486C-A8C5-ECC9F3942E4B}">
+                <a14:imgProps xmlns:a14="http://schemas.microsoft.com/office/drawing/2010/main">
+                  <a14:imgLayer r:embed="rId3">
+                    <a14:imgEffect>
+                      <a14:saturation sat="0"/>
+                    </a14:imgEffect>
+                  </a14:imgLayer>
+                </a14:imgProps>
+              </a:ext>
+            </a:extLst>
+          </a:blip>
+          <a:srcRect l="18261" r="36813"/>
+          <a:stretch/>
+        </p:blipFill>
+        <p:spPr>
+          <a:xfrm>
+            <a:off x="-1" y="0"/>
+            <a:ext cx="5477523" cy="6858000"/>
+          </a:xfrm>
+          <a:prstGeom prst="rect">
+            <a:avLst/>
+          </a:prstGeom>
+        </p:spPr>
+      </p:pic>
+      <p:sp>
+        <p:nvSpPr>
+          <p:cNvPr id="3" name="Title 2">
+            <a:extLst>
+              <a:ext uri="{FF2B5EF4-FFF2-40B4-BE49-F238E27FC236}">
+                <a16:creationId xmlns:a16="http://schemas.microsoft.com/office/drawing/2014/main" id="{1D24B42B-925B-494C-A986-BD85E8117E1E}"/>
               </a:ext>
             </a:extLst>
           </p:cNvPr>
@@ -7170,44 +7344,461 @@
             <p:ph type="title"/>
           </p:nvPr>
         </p:nvSpPr>
-        <p:spPr/>
+        <p:spPr>
+          <a:xfrm>
+            <a:off x="6096000" y="668680"/>
+            <a:ext cx="5251450" cy="956373"/>
+          </a:xfrm>
+        </p:spPr>
+        <p:txBody>
+          <a:bodyPr anchor="t">
+            <a:normAutofit/>
+          </a:bodyPr>
+          <a:lstStyle/>
+          <a:p>
+            <a:r>
+              <a:rPr lang="en-US" sz="4800" dirty="0"/>
+              <a:t>technology</a:t>
+            </a:r>
+          </a:p>
+        </p:txBody>
+      </p:sp>
+      <p:sp>
+        <p:nvSpPr>
+          <p:cNvPr id="5" name="Text Placeholder 4">
+            <a:extLst>
+              <a:ext uri="{FF2B5EF4-FFF2-40B4-BE49-F238E27FC236}">
+                <a16:creationId xmlns:a16="http://schemas.microsoft.com/office/drawing/2014/main" id="{AF9B872F-6332-408E-9135-B871F0C90C00}"/>
+              </a:ext>
+            </a:extLst>
+          </p:cNvPr>
+          <p:cNvSpPr>
+            <a:spLocks noGrp="1"/>
+          </p:cNvSpPr>
+          <p:nvPr>
+            <p:ph type="body" idx="1"/>
+          </p:nvPr>
+        </p:nvSpPr>
+        <p:spPr>
+          <a:xfrm>
+            <a:off x="6362330" y="5940605"/>
+            <a:ext cx="5829669" cy="365125"/>
+          </a:xfrm>
+        </p:spPr>
         <p:txBody>
           <a:bodyPr/>
           <a:lstStyle/>
           <a:p>
             <a:r>
+              <a:rPr lang="en-US" spc="300" dirty="0"/>
+              <a:t> </a:t>
+            </a:r>
+          </a:p>
+        </p:txBody>
+      </p:sp>
+      <p:sp>
+        <p:nvSpPr>
+          <p:cNvPr id="2" name="Slide Number Placeholder 1">
+            <a:extLst>
+              <a:ext uri="{FF2B5EF4-FFF2-40B4-BE49-F238E27FC236}">
+                <a16:creationId xmlns:a16="http://schemas.microsoft.com/office/drawing/2014/main" id="{948DD8A0-BD53-4DBF-949B-0D64D12DADA9}"/>
+              </a:ext>
+            </a:extLst>
+          </p:cNvPr>
+          <p:cNvSpPr>
+            <a:spLocks noGrp="1"/>
+          </p:cNvSpPr>
+          <p:nvPr>
+            <p:ph type="sldNum" sz="quarter" idx="12"/>
+          </p:nvPr>
+        </p:nvSpPr>
+        <p:spPr/>
+        <p:txBody>
+          <a:bodyPr/>
+          <a:lstStyle/>
+          <a:p>
+            <a:fld id="{8C2E478F-E849-4A8C-AF1F-CBCC78A7CBFA}" type="slidenum">
+              <a:rPr lang="en-US" smtClean="0"/>
+              <a:t>6</a:t>
+            </a:fld>
+            <a:endParaRPr lang="en-US" dirty="0"/>
+          </a:p>
+        </p:txBody>
+      </p:sp>
+      <p:sp>
+        <p:nvSpPr>
+          <p:cNvPr id="6" name="Content Placeholder 8">
+            <a:extLst>
+              <a:ext uri="{FF2B5EF4-FFF2-40B4-BE49-F238E27FC236}">
+                <a16:creationId xmlns:a16="http://schemas.microsoft.com/office/drawing/2014/main" id="{3B4F2E0F-78BC-2FE8-4808-2A26179B55EA}"/>
+              </a:ext>
+            </a:extLst>
+          </p:cNvPr>
+          <p:cNvSpPr txBox="1">
+            <a:spLocks/>
+          </p:cNvSpPr>
+          <p:nvPr/>
+        </p:nvSpPr>
+        <p:spPr>
+          <a:xfrm>
+            <a:off x="6362330" y="2050743"/>
+            <a:ext cx="4646246" cy="3038482"/>
+          </a:xfrm>
+          <a:prstGeom prst="rect">
+            <a:avLst/>
+          </a:prstGeom>
+          <a:noFill/>
+        </p:spPr>
+        <p:txBody>
+          <a:bodyPr vert="horz" lIns="91440" tIns="45720" rIns="91440" bIns="45720" rtlCol="0" anchor="t">
+            <a:normAutofit/>
+          </a:bodyPr>
+          <a:lstStyle>
+            <a:defPPr>
+              <a:defRPr lang="en-US"/>
+            </a:defPPr>
+            <a:lvl1pPr indent="0">
+              <a:lnSpc>
+                <a:spcPct val="120000"/>
+              </a:lnSpc>
+              <a:spcBef>
+                <a:spcPts val="0"/>
+              </a:spcBef>
+              <a:buFont typeface="Arial" panose="020B0604020202020204" pitchFamily="34" charset="0"/>
+              <a:buNone/>
+              <a:defRPr sz="2400" cap="none" spc="0" baseline="0">
+                <a:solidFill>
+                  <a:sysClr val="windowText" lastClr="000000"/>
+                </a:solidFill>
+                <a:effectLst/>
+              </a:defRPr>
+            </a:lvl1pPr>
+            <a:lvl2pPr indent="0">
+              <a:lnSpc>
+                <a:spcPct val="150000"/>
+              </a:lnSpc>
+              <a:spcBef>
+                <a:spcPts val="500"/>
+              </a:spcBef>
+              <a:buFont typeface="Arial" panose="020B0604020202020204" pitchFamily="34" charset="0"/>
+              <a:buNone/>
+              <a:defRPr sz="2000">
+                <a:solidFill>
+                  <a:schemeClr val="tx1">
+                    <a:tint val="75000"/>
+                  </a:schemeClr>
+                </a:solidFill>
+              </a:defRPr>
+            </a:lvl2pPr>
+            <a:lvl3pPr indent="0">
+              <a:lnSpc>
+                <a:spcPct val="150000"/>
+              </a:lnSpc>
+              <a:spcBef>
+                <a:spcPts val="500"/>
+              </a:spcBef>
+              <a:buFont typeface="Arial" panose="020B0604020202020204" pitchFamily="34" charset="0"/>
+              <a:buNone/>
+              <a:defRPr>
+                <a:solidFill>
+                  <a:schemeClr val="tx1">
+                    <a:tint val="75000"/>
+                  </a:schemeClr>
+                </a:solidFill>
+              </a:defRPr>
+            </a:lvl3pPr>
+            <a:lvl4pPr indent="0">
+              <a:lnSpc>
+                <a:spcPct val="150000"/>
+              </a:lnSpc>
+              <a:spcBef>
+                <a:spcPts val="500"/>
+              </a:spcBef>
+              <a:buFont typeface="Arial" panose="020B0604020202020204" pitchFamily="34" charset="0"/>
+              <a:buNone/>
+              <a:defRPr sz="1600">
+                <a:solidFill>
+                  <a:schemeClr val="tx1">
+                    <a:tint val="75000"/>
+                  </a:schemeClr>
+                </a:solidFill>
+              </a:defRPr>
+            </a:lvl4pPr>
+            <a:lvl5pPr indent="0">
+              <a:lnSpc>
+                <a:spcPct val="150000"/>
+              </a:lnSpc>
+              <a:spcBef>
+                <a:spcPts val="500"/>
+              </a:spcBef>
+              <a:buFont typeface="Arial" panose="020B0604020202020204" pitchFamily="34" charset="0"/>
+              <a:buNone/>
+              <a:defRPr sz="1600">
+                <a:solidFill>
+                  <a:schemeClr val="tx1">
+                    <a:tint val="75000"/>
+                  </a:schemeClr>
+                </a:solidFill>
+              </a:defRPr>
+            </a:lvl5pPr>
+            <a:lvl6pPr indent="0">
+              <a:lnSpc>
+                <a:spcPct val="90000"/>
+              </a:lnSpc>
+              <a:spcBef>
+                <a:spcPts val="500"/>
+              </a:spcBef>
+              <a:buFont typeface="Arial" panose="020B0604020202020204" pitchFamily="34" charset="0"/>
+              <a:buNone/>
+              <a:defRPr sz="1600">
+                <a:solidFill>
+                  <a:schemeClr val="tx1">
+                    <a:tint val="75000"/>
+                  </a:schemeClr>
+                </a:solidFill>
+              </a:defRPr>
+            </a:lvl6pPr>
+            <a:lvl7pPr indent="0">
+              <a:lnSpc>
+                <a:spcPct val="90000"/>
+              </a:lnSpc>
+              <a:spcBef>
+                <a:spcPts val="500"/>
+              </a:spcBef>
+              <a:buFont typeface="Arial" panose="020B0604020202020204" pitchFamily="34" charset="0"/>
+              <a:buNone/>
+              <a:defRPr sz="1600">
+                <a:solidFill>
+                  <a:schemeClr val="tx1">
+                    <a:tint val="75000"/>
+                  </a:schemeClr>
+                </a:solidFill>
+              </a:defRPr>
+            </a:lvl7pPr>
+            <a:lvl8pPr indent="0">
+              <a:lnSpc>
+                <a:spcPct val="90000"/>
+              </a:lnSpc>
+              <a:spcBef>
+                <a:spcPts val="500"/>
+              </a:spcBef>
+              <a:buFont typeface="Arial" panose="020B0604020202020204" pitchFamily="34" charset="0"/>
+              <a:buNone/>
+              <a:defRPr sz="1600">
+                <a:solidFill>
+                  <a:schemeClr val="tx1">
+                    <a:tint val="75000"/>
+                  </a:schemeClr>
+                </a:solidFill>
+              </a:defRPr>
+            </a:lvl8pPr>
+            <a:lvl9pPr indent="0">
+              <a:lnSpc>
+                <a:spcPct val="90000"/>
+              </a:lnSpc>
+              <a:spcBef>
+                <a:spcPts val="500"/>
+              </a:spcBef>
+              <a:buFont typeface="Arial" panose="020B0604020202020204" pitchFamily="34" charset="0"/>
+              <a:buNone/>
+              <a:defRPr sz="1600">
+                <a:solidFill>
+                  <a:schemeClr val="tx1">
+                    <a:tint val="75000"/>
+                  </a:schemeClr>
+                </a:solidFill>
+              </a:defRPr>
+            </a:lvl9pPr>
+          </a:lstStyle>
+          <a:p>
+            <a:pPr marL="342900" indent="-342900">
+              <a:buFont typeface="Arial" panose="020B0604020202020204" pitchFamily="34" charset="0"/>
+              <a:buChar char="•"/>
+            </a:pPr>
+            <a:r>
               <a:rPr lang="en-US" dirty="0"/>
-              <a:t>API</a:t>
-            </a:r>
-            <a:r>
-              <a:rPr lang="en-US" sz="2000" dirty="0"/>
-              <a:t>s</a:t>
-            </a:r>
+              <a:t>GitHub</a:t>
+            </a:r>
+          </a:p>
+          <a:p>
+            <a:pPr marL="342900" indent="-342900">
+              <a:buFont typeface="Arial" panose="020B0604020202020204" pitchFamily="34" charset="0"/>
+              <a:buChar char="•"/>
+            </a:pPr>
+            <a:r>
+              <a:rPr lang="en-US" dirty="0" err="1"/>
+              <a:t>VSCode</a:t>
+            </a:r>
+            <a:r>
+              <a:rPr lang="en-US" dirty="0"/>
+              <a:t> IDE</a:t>
+            </a:r>
+          </a:p>
+          <a:p>
+            <a:pPr marL="342900" indent="-342900">
+              <a:buFont typeface="Arial" panose="020B0604020202020204" pitchFamily="34" charset="0"/>
+              <a:buChar char="•"/>
+            </a:pPr>
+            <a:r>
+              <a:rPr lang="en-US" dirty="0"/>
+              <a:t>Python</a:t>
+            </a:r>
+          </a:p>
+          <a:p>
+            <a:pPr marL="342900" indent="-342900">
+              <a:buFont typeface="Arial" panose="020B0604020202020204" pitchFamily="34" charset="0"/>
+              <a:buChar char="•"/>
+            </a:pPr>
+            <a:r>
+              <a:rPr lang="en-US" dirty="0"/>
+              <a:t>Django</a:t>
+            </a:r>
+          </a:p>
+          <a:p>
+            <a:pPr marL="342900" indent="-342900">
+              <a:buFont typeface="Arial" panose="020B0604020202020204" pitchFamily="34" charset="0"/>
+              <a:buChar char="•"/>
+            </a:pPr>
+            <a:r>
+              <a:rPr lang="en-US" b="0" i="0" dirty="0">
+                <a:solidFill>
+                  <a:srgbClr val="1D1C1D"/>
+                </a:solidFill>
+                <a:effectLst/>
+                <a:latin typeface="Slack-Lato"/>
+              </a:rPr>
+              <a:t>PostgreSQL</a:t>
+            </a:r>
+            <a:endParaRPr lang="en-US" dirty="0"/>
+          </a:p>
+          <a:p>
+            <a:pPr marL="342900" indent="-342900">
+              <a:buFont typeface="Arial" panose="020B0604020202020204" pitchFamily="34" charset="0"/>
+              <a:buChar char="•"/>
+            </a:pPr>
+            <a:endParaRPr lang="en-US" dirty="0"/>
+          </a:p>
+          <a:p>
+            <a:pPr marL="342900" indent="-342900">
+              <a:buFont typeface="Arial" panose="020B0604020202020204" pitchFamily="34" charset="0"/>
+              <a:buChar char="•"/>
+            </a:pPr>
+            <a:endParaRPr lang="en-US" dirty="0"/>
+          </a:p>
+        </p:txBody>
+      </p:sp>
+    </p:spTree>
+    <p:extLst>
+      <p:ext uri="{BB962C8B-B14F-4D97-AF65-F5344CB8AC3E}">
+        <p14:creationId xmlns:p14="http://schemas.microsoft.com/office/powerpoint/2010/main" val="3164405530"/>
+      </p:ext>
+    </p:extLst>
+  </p:cSld>
+  <p:clrMapOvr>
+    <a:masterClrMapping/>
+  </p:clrMapOvr>
+</p:sld>
+</file>
+
+<file path=ppt/slides/slide7.xml><?xml version="1.0" encoding="utf-8"?>
+<p:sld xmlns:a="http://schemas.openxmlformats.org/drawingml/2006/main" xmlns:r="http://schemas.openxmlformats.org/officeDocument/2006/relationships" xmlns:p="http://schemas.openxmlformats.org/presentationml/2006/main">
+  <p:cSld>
+    <p:spTree>
+      <p:nvGrpSpPr>
+        <p:cNvPr id="1" name=""/>
+        <p:cNvGrpSpPr/>
+        <p:nvPr/>
+      </p:nvGrpSpPr>
+      <p:grpSpPr>
+        <a:xfrm>
+          <a:off x="0" y="0"/>
+          <a:ext cx="0" cy="0"/>
+          <a:chOff x="0" y="0"/>
+          <a:chExt cx="0" cy="0"/>
+        </a:xfrm>
+      </p:grpSpPr>
+      <p:sp>
+        <p:nvSpPr>
+          <p:cNvPr id="5" name="Text Placeholder 4">
+            <a:extLst>
+              <a:ext uri="{FF2B5EF4-FFF2-40B4-BE49-F238E27FC236}">
+                <a16:creationId xmlns:a16="http://schemas.microsoft.com/office/drawing/2014/main" id="{AF9B872F-6332-408E-9135-B871F0C90C00}"/>
+              </a:ext>
+            </a:extLst>
+          </p:cNvPr>
+          <p:cNvSpPr>
+            <a:spLocks noGrp="1"/>
+          </p:cNvSpPr>
+          <p:nvPr>
+            <p:ph type="body" idx="1"/>
+          </p:nvPr>
+        </p:nvSpPr>
+        <p:spPr>
+          <a:xfrm>
+            <a:off x="6362330" y="5940605"/>
+            <a:ext cx="5829669" cy="365125"/>
+          </a:xfrm>
+        </p:spPr>
+        <p:txBody>
+          <a:bodyPr/>
+          <a:lstStyle/>
+          <a:p>
+            <a:r>
+              <a:rPr lang="en-US" spc="300" dirty="0"/>
+              <a:t> </a:t>
+            </a:r>
+          </a:p>
+        </p:txBody>
+      </p:sp>
+      <p:sp>
+        <p:nvSpPr>
+          <p:cNvPr id="2" name="Slide Number Placeholder 1">
+            <a:extLst>
+              <a:ext uri="{FF2B5EF4-FFF2-40B4-BE49-F238E27FC236}">
+                <a16:creationId xmlns:a16="http://schemas.microsoft.com/office/drawing/2014/main" id="{948DD8A0-BD53-4DBF-949B-0D64D12DADA9}"/>
+              </a:ext>
+            </a:extLst>
+          </p:cNvPr>
+          <p:cNvSpPr>
+            <a:spLocks noGrp="1"/>
+          </p:cNvSpPr>
+          <p:nvPr>
+            <p:ph type="sldNum" sz="quarter" idx="12"/>
+          </p:nvPr>
+        </p:nvSpPr>
+        <p:spPr/>
+        <p:txBody>
+          <a:bodyPr/>
+          <a:lstStyle/>
+          <a:p>
+            <a:fld id="{8C2E478F-E849-4A8C-AF1F-CBCC78A7CBFA}" type="slidenum">
+              <a:rPr lang="en-US" smtClean="0"/>
+              <a:t>7</a:t>
+            </a:fld>
+            <a:endParaRPr lang="en-US" dirty="0"/>
           </a:p>
         </p:txBody>
       </p:sp>
       <p:pic>
         <p:nvPicPr>
-          <p:cNvPr id="6" name="Picture Placeholder 5" descr="person staring at blueprints on a brick wall">
-            <a:extLst>
-              <a:ext uri="{FF2B5EF4-FFF2-40B4-BE49-F238E27FC236}">
-                <a16:creationId xmlns:a16="http://schemas.microsoft.com/office/drawing/2014/main" id="{C07C315A-7CD1-432C-92FA-6B62159B56CA}"/>
+          <p:cNvPr id="4" name="Picture Placeholder 5" descr="person staring at blueprints on a brick wall">
+            <a:extLst>
+              <a:ext uri="{FF2B5EF4-FFF2-40B4-BE49-F238E27FC236}">
+                <a16:creationId xmlns:a16="http://schemas.microsoft.com/office/drawing/2014/main" id="{A290E82F-CF8E-78AC-4042-A00C42CC919A}"/>
               </a:ext>
             </a:extLst>
           </p:cNvPr>
           <p:cNvPicPr>
-            <a:picLocks noGrp="1" noChangeAspect="1"/>
+            <a:picLocks noChangeAspect="1"/>
           </p:cNvPicPr>
-          <p:nvPr>
-            <p:ph type="pic" sz="quarter" idx="14"/>
-          </p:nvPr>
+          <p:nvPr/>
         </p:nvPicPr>
         <p:blipFill rotWithShape="1">
-          <a:blip r:embed="rId3">
+          <a:blip r:embed="rId2">
             <a:extLst>
               <a:ext uri="{BEBA8EAE-BF5A-486C-A8C5-ECC9F3942E4B}">
                 <a14:imgProps xmlns:a14="http://schemas.microsoft.com/office/drawing/2010/main">
-                  <a14:imgLayer r:embed="rId4">
+                  <a14:imgLayer r:embed="rId3">
                     <a14:imgEffect>
                       <a14:saturation sat="0"/>
                     </a14:imgEffect>
@@ -7224,14 +7815,17 @@
             <a:off x="0" y="0"/>
             <a:ext cx="5416550" cy="6858000"/>
           </a:xfrm>
+          <a:prstGeom prst="rect">
+            <a:avLst/>
+          </a:prstGeom>
         </p:spPr>
       </p:pic>
       <p:sp>
         <p:nvSpPr>
-          <p:cNvPr id="14" name="Content Placeholder 13">
-            <a:extLst>
-              <a:ext uri="{FF2B5EF4-FFF2-40B4-BE49-F238E27FC236}">
-                <a16:creationId xmlns:a16="http://schemas.microsoft.com/office/drawing/2014/main" id="{79248A72-A597-48DF-A270-3389F5D209C0}"/>
+          <p:cNvPr id="10" name="Title 1">
+            <a:extLst>
+              <a:ext uri="{FF2B5EF4-FFF2-40B4-BE49-F238E27FC236}">
+                <a16:creationId xmlns:a16="http://schemas.microsoft.com/office/drawing/2014/main" id="{9A2FAB6D-1E67-AD6D-D1AB-C04147A1D343}"/>
               </a:ext>
             </a:extLst>
           </p:cNvPr>
@@ -7239,22 +7833,67 @@
             <a:spLocks noGrp="1"/>
           </p:cNvSpPr>
           <p:nvPr>
-            <p:ph idx="1"/>
-          </p:nvPr>
+            <p:ph type="title"/>
+          </p:nvPr>
+        </p:nvSpPr>
+        <p:spPr>
+          <a:xfrm>
+            <a:off x="6095999" y="612037"/>
+            <a:ext cx="5897218" cy="884238"/>
+          </a:xfrm>
+        </p:spPr>
+        <p:txBody>
+          <a:bodyPr/>
+          <a:lstStyle/>
+          <a:p>
+            <a:pPr>
+              <a:lnSpc>
+                <a:spcPct val="100000"/>
+              </a:lnSpc>
+              <a:spcBef>
+                <a:spcPts val="0"/>
+              </a:spcBef>
+            </a:pPr>
+            <a:r>
+              <a:rPr lang="en-US" sz="5400" dirty="0"/>
+              <a:t>API</a:t>
+            </a:r>
+            <a:r>
+              <a:rPr lang="en-US" sz="3600" dirty="0"/>
+              <a:t>s</a:t>
+            </a:r>
+          </a:p>
+        </p:txBody>
+      </p:sp>
+      <p:sp>
+        <p:nvSpPr>
+          <p:cNvPr id="11" name="Content Placeholder 13">
+            <a:extLst>
+              <a:ext uri="{FF2B5EF4-FFF2-40B4-BE49-F238E27FC236}">
+                <a16:creationId xmlns:a16="http://schemas.microsoft.com/office/drawing/2014/main" id="{5D13124E-A576-A643-0305-072644813EB5}"/>
+              </a:ext>
+            </a:extLst>
+          </p:cNvPr>
+          <p:cNvSpPr txBox="1">
+            <a:spLocks/>
+          </p:cNvSpPr>
+          <p:nvPr/>
         </p:nvSpPr>
         <p:spPr>
           <a:xfrm>
             <a:off x="6096000" y="1660945"/>
             <a:ext cx="5669280" cy="4208346"/>
           </a:xfrm>
+          <a:prstGeom prst="rect">
+            <a:avLst/>
+          </a:prstGeom>
         </p:spPr>
         <p:txBody>
-          <a:bodyPr>
+          <a:bodyPr vert="horz" lIns="91440" tIns="45720" rIns="91440" bIns="45720" rtlCol="0">
             <a:normAutofit/>
           </a:bodyPr>
-          <a:lstStyle/>
-          <a:p>
-            <a:pPr marL="0" marR="0" lvl="0" indent="0" algn="l" defTabSz="914400" rtl="0" eaLnBrk="1" fontAlgn="auto" latinLnBrk="0" hangingPunct="1">
+          <a:lstStyle>
+            <a:lvl1pPr marR="0" lvl="0" indent="0" fontAlgn="auto">
               <a:lnSpc>
                 <a:spcPct val="100000"/>
               </a:lnSpc>
@@ -7269,84 +7908,165 @@
               <a:buFont typeface="Arial" panose="020B0604020202020204" pitchFamily="34" charset="0"/>
               <a:buNone/>
               <a:tabLst/>
-              <a:defRPr/>
+              <a:defRPr sz="2000" spc="300">
+                <a:cs typeface="Biome Light" panose="020B0303030204020804" pitchFamily="34" charset="0"/>
+              </a:defRPr>
+            </a:lvl1pPr>
+            <a:lvl2pPr marL="685800" lvl="1" indent="-228600">
+              <a:lnSpc>
+                <a:spcPct val="150000"/>
+              </a:lnSpc>
+              <a:spcBef>
+                <a:spcPts val="500"/>
+              </a:spcBef>
+              <a:buFont typeface="Arial" panose="020B0604020202020204" pitchFamily="34" charset="0"/>
+              <a:buChar char="•"/>
+              <a:defRPr sz="2000"/>
+            </a:lvl2pPr>
+            <a:lvl3pPr marL="1143000" indent="-228600">
+              <a:lnSpc>
+                <a:spcPct val="150000"/>
+              </a:lnSpc>
+              <a:spcBef>
+                <a:spcPts val="500"/>
+              </a:spcBef>
+              <a:buFont typeface="Arial" panose="020B0604020202020204" pitchFamily="34" charset="0"/>
+              <a:buChar char="•"/>
+              <a:defRPr sz="1400"/>
+            </a:lvl3pPr>
+            <a:lvl4pPr marL="1600200" indent="-228600">
+              <a:lnSpc>
+                <a:spcPct val="150000"/>
+              </a:lnSpc>
+              <a:spcBef>
+                <a:spcPts val="500"/>
+              </a:spcBef>
+              <a:buFont typeface="Arial" panose="020B0604020202020204" pitchFamily="34" charset="0"/>
+              <a:buChar char="•"/>
+              <a:defRPr sz="1200"/>
+            </a:lvl4pPr>
+            <a:lvl5pPr marL="2057400" indent="-228600">
+              <a:lnSpc>
+                <a:spcPct val="150000"/>
+              </a:lnSpc>
+              <a:spcBef>
+                <a:spcPts val="500"/>
+              </a:spcBef>
+              <a:buFont typeface="Arial" panose="020B0604020202020204" pitchFamily="34" charset="0"/>
+              <a:buChar char="•"/>
+              <a:defRPr sz="1200"/>
+            </a:lvl5pPr>
+            <a:lvl6pPr marL="2514600" indent="-228600">
+              <a:lnSpc>
+                <a:spcPct val="90000"/>
+              </a:lnSpc>
+              <a:spcBef>
+                <a:spcPts val="500"/>
+              </a:spcBef>
+              <a:buFont typeface="Arial" panose="020B0604020202020204" pitchFamily="34" charset="0"/>
+              <a:buChar char="•"/>
+            </a:lvl6pPr>
+            <a:lvl7pPr marL="2971800" indent="-228600">
+              <a:lnSpc>
+                <a:spcPct val="90000"/>
+              </a:lnSpc>
+              <a:spcBef>
+                <a:spcPts val="500"/>
+              </a:spcBef>
+              <a:buFont typeface="Arial" panose="020B0604020202020204" pitchFamily="34" charset="0"/>
+              <a:buChar char="•"/>
+            </a:lvl7pPr>
+            <a:lvl8pPr marL="3429000" indent="-228600">
+              <a:lnSpc>
+                <a:spcPct val="90000"/>
+              </a:lnSpc>
+              <a:spcBef>
+                <a:spcPts val="500"/>
+              </a:spcBef>
+              <a:buFont typeface="Arial" panose="020B0604020202020204" pitchFamily="34" charset="0"/>
+              <a:buChar char="•"/>
+            </a:lvl8pPr>
+            <a:lvl9pPr marL="3886200" indent="-228600">
+              <a:lnSpc>
+                <a:spcPct val="90000"/>
+              </a:lnSpc>
+              <a:spcBef>
+                <a:spcPts val="500"/>
+              </a:spcBef>
+              <a:buFont typeface="Arial" panose="020B0604020202020204" pitchFamily="34" charset="0"/>
+              <a:buChar char="•"/>
+            </a:lvl9pPr>
+          </a:lstStyle>
+          <a:p>
+            <a:r>
+              <a:rPr lang="en-US" spc="0" dirty="0"/>
+              <a:t>CURRENTLY RESEARCHING</a:t>
+            </a:r>
+          </a:p>
+          <a:p>
+            <a:pPr>
+              <a:lnSpc>
+                <a:spcPct val="150000"/>
+              </a:lnSpc>
             </a:pPr>
             <a:r>
-              <a:rPr lang="en-US" sz="2000" spc="300" dirty="0">
-                <a:cs typeface="Biome Light" panose="020B0303030204020804" pitchFamily="34" charset="0"/>
+              <a:rPr lang="en-US" spc="0" dirty="0">
+                <a:cs typeface="+mn-cs"/>
               </a:rPr>
-              <a:t>CURRENTLY RESEARCHING</a:t>
-            </a:r>
-            <a:endParaRPr kumimoji="0" lang="en-US" sz="2000" b="0" i="0" u="none" strike="noStrike" kern="1200" cap="none" spc="300" normalizeH="0" baseline="0" noProof="0" dirty="0">
-              <a:ln>
-                <a:noFill/>
-              </a:ln>
-              <a:solidFill>
-                <a:schemeClr val="tx1"/>
-              </a:solidFill>
-              <a:effectLst/>
-              <a:uLnTx/>
-              <a:uFillTx/>
-              <a:latin typeface="+mn-lt"/>
-              <a:ea typeface="+mn-ea"/>
-              <a:cs typeface="Biome Light" panose="020B0303030204020804" pitchFamily="34" charset="0"/>
-            </a:endParaRPr>
-          </a:p>
-          <a:p>
+              <a:t>We need an API for animal photo recognition, here’s what we are looking at possibly implementing:</a:t>
+            </a:r>
+          </a:p>
+          <a:p>
+            <a:pPr lvl="1"/>
             <a:r>
               <a:rPr lang="en-US" dirty="0"/>
-              <a:t>We need an </a:t>
+              <a:t>Amazon </a:t>
             </a:r>
             <a:r>
               <a:rPr lang="en-US" dirty="0" err="1"/>
-              <a:t>api</a:t>
-            </a:r>
+              <a:t>Rekognition</a:t>
+            </a:r>
+            <a:endParaRPr lang="en-US" dirty="0"/>
+          </a:p>
+          <a:p>
+            <a:pPr lvl="1"/>
+            <a:r>
+              <a:rPr lang="en-US" dirty="0" err="1"/>
+              <a:t>Imagga</a:t>
+            </a:r>
+            <a:endParaRPr lang="en-US" dirty="0"/>
+          </a:p>
+          <a:p>
+            <a:pPr lvl="1"/>
             <a:r>
               <a:rPr lang="en-US" dirty="0"/>
-              <a:t> for animal photo recognition</a:t>
-            </a:r>
-          </a:p>
-          <a:p>
-            <a:pPr marL="0" indent="0">
-              <a:buNone/>
-            </a:pPr>
-            <a:endParaRPr lang="en-US" b="1" dirty="0"/>
-          </a:p>
-        </p:txBody>
-      </p:sp>
-      <p:sp>
-        <p:nvSpPr>
-          <p:cNvPr id="16" name="Slide Number Placeholder 15">
-            <a:extLst>
-              <a:ext uri="{FF2B5EF4-FFF2-40B4-BE49-F238E27FC236}">
-                <a16:creationId xmlns:a16="http://schemas.microsoft.com/office/drawing/2014/main" id="{7FA57D11-A25F-4772-8E50-DDB68BE8CB69}"/>
-              </a:ext>
-            </a:extLst>
-          </p:cNvPr>
-          <p:cNvSpPr>
-            <a:spLocks noGrp="1"/>
-          </p:cNvSpPr>
-          <p:nvPr>
-            <p:ph type="sldNum" sz="quarter" idx="4"/>
-          </p:nvPr>
-        </p:nvSpPr>
-        <p:spPr/>
-        <p:txBody>
-          <a:bodyPr/>
-          <a:lstStyle/>
-          <a:p>
-            <a:fld id="{8C2E478F-E849-4A8C-AF1F-CBCC78A7CBFA}" type="slidenum">
-              <a:rPr lang="en-US" smtClean="0"/>
-              <a:t>6</a:t>
-            </a:fld>
+              <a:t>The Dog API</a:t>
+            </a:r>
+          </a:p>
+          <a:p>
+            <a:pPr lvl="1"/>
+            <a:r>
+              <a:rPr lang="en-US" dirty="0"/>
+              <a:t>Vision AI</a:t>
+            </a:r>
+          </a:p>
+          <a:p>
+            <a:pPr lvl="1"/>
+            <a:r>
+              <a:rPr lang="en-US" dirty="0" err="1"/>
+              <a:t>KerasCV</a:t>
+            </a:r>
             <a:endParaRPr lang="en-US" dirty="0"/>
+          </a:p>
+          <a:p>
+            <a:endParaRPr lang="en-US" spc="0" dirty="0"/>
           </a:p>
         </p:txBody>
       </p:sp>
     </p:spTree>
     <p:extLst>
       <p:ext uri="{BB962C8B-B14F-4D97-AF65-F5344CB8AC3E}">
-        <p14:creationId xmlns:p14="http://schemas.microsoft.com/office/powerpoint/2010/main" val="3516891798"/>
+        <p14:creationId xmlns:p14="http://schemas.microsoft.com/office/powerpoint/2010/main" val="440829756"/>
       </p:ext>
     </p:extLst>
   </p:cSld>
@@ -7356,7 +8076,7 @@
 </p:sld>
 </file>
 
-<file path=ppt/slides/slide7.xml><?xml version="1.0" encoding="utf-8"?>
+<file path=ppt/slides/slide8.xml><?xml version="1.0" encoding="utf-8"?>
 <p:sld xmlns:a="http://schemas.openxmlformats.org/drawingml/2006/main" xmlns:r="http://schemas.openxmlformats.org/officeDocument/2006/relationships" xmlns:p="http://schemas.openxmlformats.org/presentationml/2006/main">
   <p:cSld>
     <p:spTree>
@@ -7470,7 +8190,7 @@
           <a:p>
             <a:r>
               <a:rPr lang="en-US" sz="4800" dirty="0"/>
-              <a:t>timeline</a:t>
+              <a:t>Timeline &amp; milestones</a:t>
             </a:r>
           </a:p>
         </p:txBody>
@@ -7490,7 +8210,7 @@
           <p:nvPr>
             <p:extLst>
               <p:ext uri="{D42A27DB-BD31-4B8C-83A1-F6EECF244321}">
-                <p14:modId xmlns:p14="http://schemas.microsoft.com/office/powerpoint/2010/main" val="2024189722"/>
+                <p14:modId xmlns:p14="http://schemas.microsoft.com/office/powerpoint/2010/main" val="2187961690"/>
               </p:ext>
             </p:extLst>
           </p:nvPr>
@@ -8148,7 +8868,7 @@
                           </a:solidFill>
                           <a:cs typeface="Biome Light" panose="020B0303030204020804" pitchFamily="34" charset="0"/>
                         </a:rPr>
-                        <a:t>DEVELOPMENT</a:t>
+                        <a:t>ADJUSTMENTS</a:t>
                       </a:r>
                       <a:endParaRPr lang="en-US" sz="1400" dirty="0">
                         <a:solidFill>
@@ -8323,7 +9043,7 @@
           <a:p>
             <a:fld id="{8C2E478F-E849-4A8C-AF1F-CBCC78A7CBFA}" type="slidenum">
               <a:rPr lang="en-US" smtClean="0"/>
-              <a:t>7</a:t>
+              <a:t>8</a:t>
             </a:fld>
             <a:endParaRPr lang="en-US" dirty="0"/>
           </a:p>
@@ -8342,7 +9062,7 @@
 </p:sld>
 </file>
 
-<file path=ppt/slides/slide8.xml><?xml version="1.0" encoding="utf-8"?>
+<file path=ppt/slides/slide9.xml><?xml version="1.0" encoding="utf-8"?>
 <p:sld xmlns:a="http://schemas.openxmlformats.org/drawingml/2006/main" xmlns:r="http://schemas.openxmlformats.org/officeDocument/2006/relationships" xmlns:p="http://schemas.openxmlformats.org/presentationml/2006/main">
   <p:cSld>
     <p:bg>
@@ -9377,35 +10097,6 @@
 </file>
 
 <file path=customXml/item1.xml><?xml version="1.0" encoding="utf-8"?>
-<p:properties xmlns:p="http://schemas.microsoft.com/office/2006/metadata/properties" xmlns:xsi="http://www.w3.org/2001/XMLSchema-instance" xmlns:pc="http://schemas.microsoft.com/office/infopath/2007/PartnerControls">
-  <documentManagement>
-    <Status xmlns="71af3243-3dd4-4a8d-8c0d-dd76da1f02a5">Not started</Status>
-    <MediaServiceKeyPoints xmlns="71af3243-3dd4-4a8d-8c0d-dd76da1f02a5" xsi:nil="true"/>
-    <_ip_UnifiedCompliancePolicyUIAction xmlns="http://schemas.microsoft.com/sharepoint/v3" xsi:nil="true"/>
-    <Image xmlns="71af3243-3dd4-4a8d-8c0d-dd76da1f02a5">
-      <Url xsi:nil="true"/>
-      <Description xsi:nil="true"/>
-    </Image>
-    <Background xmlns="71af3243-3dd4-4a8d-8c0d-dd76da1f02a5">false</Background>
-    <_ip_UnifiedCompliancePolicyProperties xmlns="http://schemas.microsoft.com/sharepoint/v3" xsi:nil="true"/>
-    <ImageTagsTaxHTField xmlns="71af3243-3dd4-4a8d-8c0d-dd76da1f02a5">
-      <Terms xmlns="http://schemas.microsoft.com/office/infopath/2007/PartnerControls"/>
-    </ImageTagsTaxHTField>
-    <TaxCatchAll xmlns="230e9df3-be65-4c73-a93b-d1236ebd677e" xsi:nil="true"/>
-  </documentManagement>
-</p:properties>
-</file>
-
-<file path=customXml/item2.xml><?xml version="1.0" encoding="utf-8"?>
-<?mso-contentType ?>
-<FormTemplates xmlns="http://schemas.microsoft.com/sharepoint/v3/contenttype/forms">
-  <Display>DocumentLibraryForm</Display>
-  <Edit>DocumentLibraryForm</Edit>
-  <New>DocumentLibraryForm</New>
-</FormTemplates>
-</file>
-
-<file path=customXml/item3.xml><?xml version="1.0" encoding="utf-8"?>
 <ct:contentTypeSchema xmlns:ct="http://schemas.microsoft.com/office/2006/metadata/contentType" xmlns:ma="http://schemas.microsoft.com/office/2006/metadata/properties/metaAttributes" ct:_="" ma:_="" ma:contentTypeName="Document" ma:contentTypeID="0x01010079F111ED35F8CC479449609E8A0923A6" ma:contentTypeVersion="28" ma:contentTypeDescription="Create a new document." ma:contentTypeScope="" ma:versionID="60f5a4f2d2b0abadcf532d48ebf9cb71">
   <xsd:schema xmlns:xsd="http://www.w3.org/2001/XMLSchema" xmlns:xs="http://www.w3.org/2001/XMLSchema" xmlns:p="http://schemas.microsoft.com/office/2006/metadata/properties" xmlns:ns1="http://schemas.microsoft.com/sharepoint/v3" xmlns:ns2="71af3243-3dd4-4a8d-8c0d-dd76da1f02a5" xmlns:ns3="16c05727-aa75-4e4a-9b5f-8a80a1165891" xmlns:ns4="230e9df3-be65-4c73-a93b-d1236ebd677e" targetNamespace="http://schemas.microsoft.com/office/2006/metadata/properties" ma:root="true" ma:fieldsID="7dd78129e6a1811f84807ad11c651531" ns1:_="" ns2:_="" ns3:_="" ns4:_="">
     <xsd:import namespace="http://schemas.microsoft.com/sharepoint/v3"/>
@@ -9717,27 +10408,36 @@
 </ct:contentTypeSchema>
 </file>
 
-<file path=customXml/itemProps1.xml><?xml version="1.0" encoding="utf-8"?>
-<ds:datastoreItem xmlns:ds="http://schemas.openxmlformats.org/officeDocument/2006/customXml" ds:itemID="{8002A8ED-1331-4C1D-8649-743D7BE164DD}">
-  <ds:schemaRefs>
-    <ds:schemaRef ds:uri="http://schemas.microsoft.com/office/2006/metadata/properties"/>
-    <ds:schemaRef ds:uri="http://schemas.microsoft.com/office/infopath/2007/PartnerControls"/>
-    <ds:schemaRef ds:uri="71af3243-3dd4-4a8d-8c0d-dd76da1f02a5"/>
-    <ds:schemaRef ds:uri="http://schemas.microsoft.com/sharepoint/v3"/>
-    <ds:schemaRef ds:uri="230e9df3-be65-4c73-a93b-d1236ebd677e"/>
-  </ds:schemaRefs>
-</ds:datastoreItem>
+<file path=customXml/item2.xml><?xml version="1.0" encoding="utf-8"?>
+<?mso-contentType ?>
+<FormTemplates xmlns="http://schemas.microsoft.com/sharepoint/v3/contenttype/forms">
+  <Display>DocumentLibraryForm</Display>
+  <Edit>DocumentLibraryForm</Edit>
+  <New>DocumentLibraryForm</New>
+</FormTemplates>
 </file>
 
-<file path=customXml/itemProps2.xml><?xml version="1.0" encoding="utf-8"?>
-<ds:datastoreItem xmlns:ds="http://schemas.openxmlformats.org/officeDocument/2006/customXml" ds:itemID="{99E4EAC9-33DC-4CF0-BA31-C98F61CE4785}">
-  <ds:schemaRefs>
-    <ds:schemaRef ds:uri="http://schemas.microsoft.com/sharepoint/v3/contenttype/forms"/>
-  </ds:schemaRefs>
-</ds:datastoreItem>
+<file path=customXml/item3.xml><?xml version="1.0" encoding="utf-8"?>
+<p:properties xmlns:p="http://schemas.microsoft.com/office/2006/metadata/properties" xmlns:xsi="http://www.w3.org/2001/XMLSchema-instance" xmlns:pc="http://schemas.microsoft.com/office/infopath/2007/PartnerControls">
+  <documentManagement>
+    <Status xmlns="71af3243-3dd4-4a8d-8c0d-dd76da1f02a5">Not started</Status>
+    <MediaServiceKeyPoints xmlns="71af3243-3dd4-4a8d-8c0d-dd76da1f02a5" xsi:nil="true"/>
+    <_ip_UnifiedCompliancePolicyUIAction xmlns="http://schemas.microsoft.com/sharepoint/v3" xsi:nil="true"/>
+    <Image xmlns="71af3243-3dd4-4a8d-8c0d-dd76da1f02a5">
+      <Url xsi:nil="true"/>
+      <Description xsi:nil="true"/>
+    </Image>
+    <Background xmlns="71af3243-3dd4-4a8d-8c0d-dd76da1f02a5">false</Background>
+    <_ip_UnifiedCompliancePolicyProperties xmlns="http://schemas.microsoft.com/sharepoint/v3" xsi:nil="true"/>
+    <ImageTagsTaxHTField xmlns="71af3243-3dd4-4a8d-8c0d-dd76da1f02a5">
+      <Terms xmlns="http://schemas.microsoft.com/office/infopath/2007/PartnerControls"/>
+    </ImageTagsTaxHTField>
+    <TaxCatchAll xmlns="230e9df3-be65-4c73-a93b-d1236ebd677e" xsi:nil="true"/>
+  </documentManagement>
+</p:properties>
 </file>
 
-<file path=customXml/itemProps3.xml><?xml version="1.0" encoding="utf-8"?>
+<file path=customXml/itemProps1.xml><?xml version="1.0" encoding="utf-8"?>
 <ds:datastoreItem xmlns:ds="http://schemas.openxmlformats.org/officeDocument/2006/customXml" ds:itemID="{A3D5DB56-3A71-4638-9571-EE877FD66E96}">
   <ds:schemaRefs>
     <ds:schemaRef ds:uri="http://schemas.microsoft.com/office/2006/metadata/contentType"/>
@@ -9758,6 +10458,26 @@
 </ds:datastoreItem>
 </file>
 
+<file path=customXml/itemProps2.xml><?xml version="1.0" encoding="utf-8"?>
+<ds:datastoreItem xmlns:ds="http://schemas.openxmlformats.org/officeDocument/2006/customXml" ds:itemID="{99E4EAC9-33DC-4CF0-BA31-C98F61CE4785}">
+  <ds:schemaRefs>
+    <ds:schemaRef ds:uri="http://schemas.microsoft.com/sharepoint/v3/contenttype/forms"/>
+  </ds:schemaRefs>
+</ds:datastoreItem>
+</file>
+
+<file path=customXml/itemProps3.xml><?xml version="1.0" encoding="utf-8"?>
+<ds:datastoreItem xmlns:ds="http://schemas.openxmlformats.org/officeDocument/2006/customXml" ds:itemID="{8002A8ED-1331-4C1D-8649-743D7BE164DD}">
+  <ds:schemaRefs>
+    <ds:schemaRef ds:uri="http://schemas.microsoft.com/office/2006/metadata/properties"/>
+    <ds:schemaRef ds:uri="http://schemas.microsoft.com/office/infopath/2007/PartnerControls"/>
+    <ds:schemaRef ds:uri="71af3243-3dd4-4a8d-8c0d-dd76da1f02a5"/>
+    <ds:schemaRef ds:uri="http://schemas.microsoft.com/sharepoint/v3"/>
+    <ds:schemaRef ds:uri="230e9df3-be65-4c73-a93b-d1236ebd677e"/>
+  </ds:schemaRefs>
+</ds:datastoreItem>
+</file>
+
 <file path=docMetadata/LabelInfo.xml><?xml version="1.0" encoding="utf-8"?>
 <clbl:labelList xmlns:clbl="http://schemas.microsoft.com/office/2020/mipLabelMetadata"/>
 </file>
--- a/Phase 1 - Presentation.pptx
+++ b/Phase 1 - Presentation.pptx
@@ -7855,13 +7855,14 @@
               </a:spcBef>
             </a:pPr>
             <a:r>
-              <a:rPr lang="en-US" sz="5400" dirty="0"/>
-              <a:t>API</a:t>
-            </a:r>
-            <a:r>
-              <a:rPr lang="en-US" sz="3600" dirty="0"/>
+              <a:rPr lang="en-US" sz="4200" dirty="0"/>
+              <a:t>Cutting edge API</a:t>
+            </a:r>
+            <a:r>
+              <a:rPr lang="en-US" sz="3200" dirty="0"/>
               <a:t>s</a:t>
             </a:r>
+            <a:endParaRPr lang="en-US" sz="4200" dirty="0"/>
           </a:p>
         </p:txBody>
       </p:sp>
@@ -10097,6 +10098,35 @@
 </file>
 
 <file path=customXml/item1.xml><?xml version="1.0" encoding="utf-8"?>
+<p:properties xmlns:p="http://schemas.microsoft.com/office/2006/metadata/properties" xmlns:xsi="http://www.w3.org/2001/XMLSchema-instance" xmlns:pc="http://schemas.microsoft.com/office/infopath/2007/PartnerControls">
+  <documentManagement>
+    <Status xmlns="71af3243-3dd4-4a8d-8c0d-dd76da1f02a5">Not started</Status>
+    <MediaServiceKeyPoints xmlns="71af3243-3dd4-4a8d-8c0d-dd76da1f02a5" xsi:nil="true"/>
+    <_ip_UnifiedCompliancePolicyUIAction xmlns="http://schemas.microsoft.com/sharepoint/v3" xsi:nil="true"/>
+    <Image xmlns="71af3243-3dd4-4a8d-8c0d-dd76da1f02a5">
+      <Url xsi:nil="true"/>
+      <Description xsi:nil="true"/>
+    </Image>
+    <Background xmlns="71af3243-3dd4-4a8d-8c0d-dd76da1f02a5">false</Background>
+    <_ip_UnifiedCompliancePolicyProperties xmlns="http://schemas.microsoft.com/sharepoint/v3" xsi:nil="true"/>
+    <ImageTagsTaxHTField xmlns="71af3243-3dd4-4a8d-8c0d-dd76da1f02a5">
+      <Terms xmlns="http://schemas.microsoft.com/office/infopath/2007/PartnerControls"/>
+    </ImageTagsTaxHTField>
+    <TaxCatchAll xmlns="230e9df3-be65-4c73-a93b-d1236ebd677e" xsi:nil="true"/>
+  </documentManagement>
+</p:properties>
+</file>
+
+<file path=customXml/item2.xml><?xml version="1.0" encoding="utf-8"?>
+<?mso-contentType ?>
+<FormTemplates xmlns="http://schemas.microsoft.com/sharepoint/v3/contenttype/forms">
+  <Display>DocumentLibraryForm</Display>
+  <Edit>DocumentLibraryForm</Edit>
+  <New>DocumentLibraryForm</New>
+</FormTemplates>
+</file>
+
+<file path=customXml/item3.xml><?xml version="1.0" encoding="utf-8"?>
 <ct:contentTypeSchema xmlns:ct="http://schemas.microsoft.com/office/2006/metadata/contentType" xmlns:ma="http://schemas.microsoft.com/office/2006/metadata/properties/metaAttributes" ct:_="" ma:_="" ma:contentTypeName="Document" ma:contentTypeID="0x01010079F111ED35F8CC479449609E8A0923A6" ma:contentTypeVersion="28" ma:contentTypeDescription="Create a new document." ma:contentTypeScope="" ma:versionID="60f5a4f2d2b0abadcf532d48ebf9cb71">
   <xsd:schema xmlns:xsd="http://www.w3.org/2001/XMLSchema" xmlns:xs="http://www.w3.org/2001/XMLSchema" xmlns:p="http://schemas.microsoft.com/office/2006/metadata/properties" xmlns:ns1="http://schemas.microsoft.com/sharepoint/v3" xmlns:ns2="71af3243-3dd4-4a8d-8c0d-dd76da1f02a5" xmlns:ns3="16c05727-aa75-4e4a-9b5f-8a80a1165891" xmlns:ns4="230e9df3-be65-4c73-a93b-d1236ebd677e" targetNamespace="http://schemas.microsoft.com/office/2006/metadata/properties" ma:root="true" ma:fieldsID="7dd78129e6a1811f84807ad11c651531" ns1:_="" ns2:_="" ns3:_="" ns4:_="">
     <xsd:import namespace="http://schemas.microsoft.com/sharepoint/v3"/>
@@ -10408,36 +10438,27 @@
 </ct:contentTypeSchema>
 </file>
 
-<file path=customXml/item2.xml><?xml version="1.0" encoding="utf-8"?>
-<?mso-contentType ?>
-<FormTemplates xmlns="http://schemas.microsoft.com/sharepoint/v3/contenttype/forms">
-  <Display>DocumentLibraryForm</Display>
-  <Edit>DocumentLibraryForm</Edit>
-  <New>DocumentLibraryForm</New>
-</FormTemplates>
+<file path=customXml/itemProps1.xml><?xml version="1.0" encoding="utf-8"?>
+<ds:datastoreItem xmlns:ds="http://schemas.openxmlformats.org/officeDocument/2006/customXml" ds:itemID="{8002A8ED-1331-4C1D-8649-743D7BE164DD}">
+  <ds:schemaRefs>
+    <ds:schemaRef ds:uri="http://schemas.microsoft.com/office/2006/metadata/properties"/>
+    <ds:schemaRef ds:uri="http://schemas.microsoft.com/office/infopath/2007/PartnerControls"/>
+    <ds:schemaRef ds:uri="71af3243-3dd4-4a8d-8c0d-dd76da1f02a5"/>
+    <ds:schemaRef ds:uri="http://schemas.microsoft.com/sharepoint/v3"/>
+    <ds:schemaRef ds:uri="230e9df3-be65-4c73-a93b-d1236ebd677e"/>
+  </ds:schemaRefs>
+</ds:datastoreItem>
 </file>
 
-<file path=customXml/item3.xml><?xml version="1.0" encoding="utf-8"?>
-<p:properties xmlns:p="http://schemas.microsoft.com/office/2006/metadata/properties" xmlns:xsi="http://www.w3.org/2001/XMLSchema-instance" xmlns:pc="http://schemas.microsoft.com/office/infopath/2007/PartnerControls">
-  <documentManagement>
-    <Status xmlns="71af3243-3dd4-4a8d-8c0d-dd76da1f02a5">Not started</Status>
-    <MediaServiceKeyPoints xmlns="71af3243-3dd4-4a8d-8c0d-dd76da1f02a5" xsi:nil="true"/>
-    <_ip_UnifiedCompliancePolicyUIAction xmlns="http://schemas.microsoft.com/sharepoint/v3" xsi:nil="true"/>
-    <Image xmlns="71af3243-3dd4-4a8d-8c0d-dd76da1f02a5">
-      <Url xsi:nil="true"/>
-      <Description xsi:nil="true"/>
-    </Image>
-    <Background xmlns="71af3243-3dd4-4a8d-8c0d-dd76da1f02a5">false</Background>
-    <_ip_UnifiedCompliancePolicyProperties xmlns="http://schemas.microsoft.com/sharepoint/v3" xsi:nil="true"/>
-    <ImageTagsTaxHTField xmlns="71af3243-3dd4-4a8d-8c0d-dd76da1f02a5">
-      <Terms xmlns="http://schemas.microsoft.com/office/infopath/2007/PartnerControls"/>
-    </ImageTagsTaxHTField>
-    <TaxCatchAll xmlns="230e9df3-be65-4c73-a93b-d1236ebd677e" xsi:nil="true"/>
-  </documentManagement>
-</p:properties>
+<file path=customXml/itemProps2.xml><?xml version="1.0" encoding="utf-8"?>
+<ds:datastoreItem xmlns:ds="http://schemas.openxmlformats.org/officeDocument/2006/customXml" ds:itemID="{99E4EAC9-33DC-4CF0-BA31-C98F61CE4785}">
+  <ds:schemaRefs>
+    <ds:schemaRef ds:uri="http://schemas.microsoft.com/sharepoint/v3/contenttype/forms"/>
+  </ds:schemaRefs>
+</ds:datastoreItem>
 </file>
 
-<file path=customXml/itemProps1.xml><?xml version="1.0" encoding="utf-8"?>
+<file path=customXml/itemProps3.xml><?xml version="1.0" encoding="utf-8"?>
 <ds:datastoreItem xmlns:ds="http://schemas.openxmlformats.org/officeDocument/2006/customXml" ds:itemID="{A3D5DB56-3A71-4638-9571-EE877FD66E96}">
   <ds:schemaRefs>
     <ds:schemaRef ds:uri="http://schemas.microsoft.com/office/2006/metadata/contentType"/>
@@ -10458,26 +10479,6 @@
 </ds:datastoreItem>
 </file>
 
-<file path=customXml/itemProps2.xml><?xml version="1.0" encoding="utf-8"?>
-<ds:datastoreItem xmlns:ds="http://schemas.openxmlformats.org/officeDocument/2006/customXml" ds:itemID="{99E4EAC9-33DC-4CF0-BA31-C98F61CE4785}">
-  <ds:schemaRefs>
-    <ds:schemaRef ds:uri="http://schemas.microsoft.com/sharepoint/v3/contenttype/forms"/>
-  </ds:schemaRefs>
-</ds:datastoreItem>
-</file>
-
-<file path=customXml/itemProps3.xml><?xml version="1.0" encoding="utf-8"?>
-<ds:datastoreItem xmlns:ds="http://schemas.openxmlformats.org/officeDocument/2006/customXml" ds:itemID="{8002A8ED-1331-4C1D-8649-743D7BE164DD}">
-  <ds:schemaRefs>
-    <ds:schemaRef ds:uri="http://schemas.microsoft.com/office/2006/metadata/properties"/>
-    <ds:schemaRef ds:uri="http://schemas.microsoft.com/office/infopath/2007/PartnerControls"/>
-    <ds:schemaRef ds:uri="71af3243-3dd4-4a8d-8c0d-dd76da1f02a5"/>
-    <ds:schemaRef ds:uri="http://schemas.microsoft.com/sharepoint/v3"/>
-    <ds:schemaRef ds:uri="230e9df3-be65-4c73-a93b-d1236ebd677e"/>
-  </ds:schemaRefs>
-</ds:datastoreItem>
-</file>
-
 <file path=docMetadata/LabelInfo.xml><?xml version="1.0" encoding="utf-8"?>
 <clbl:labelList xmlns:clbl="http://schemas.microsoft.com/office/2020/mipLabelMetadata"/>
 </file>
--- a/Phase 1 - Presentation.pptx
+++ b/Phase 1 - Presentation.pptx
@@ -5,10 +5,10 @@
     <p:sldMasterId id="2147483648" r:id="rId4"/>
   </p:sldMasterIdLst>
   <p:notesMasterIdLst>
-    <p:notesMasterId r:id="rId14"/>
+    <p:notesMasterId r:id="rId15"/>
   </p:notesMasterIdLst>
   <p:handoutMasterIdLst>
-    <p:handoutMasterId r:id="rId15"/>
+    <p:handoutMasterId r:id="rId16"/>
   </p:handoutMasterIdLst>
   <p:sldIdLst>
     <p:sldId id="2448" r:id="rId5"/>
@@ -17,9 +17,10 @@
     <p:sldId id="2451" r:id="rId8"/>
     <p:sldId id="2463" r:id="rId9"/>
     <p:sldId id="2457" r:id="rId10"/>
-    <p:sldId id="2464" r:id="rId11"/>
-    <p:sldId id="2453" r:id="rId12"/>
-    <p:sldId id="2436" r:id="rId13"/>
+    <p:sldId id="2465" r:id="rId11"/>
+    <p:sldId id="2464" r:id="rId12"/>
+    <p:sldId id="2453" r:id="rId13"/>
+    <p:sldId id="2436" r:id="rId14"/>
   </p:sldIdLst>
   <p:sldSz cx="12192000" cy="6858000"/>
   <p:notesSz cx="6858000" cy="9144000"/>
@@ -5338,6 +5339,155 @@
 </p:sld>
 </file>
 
+<file path=ppt/slides/slide10.xml><?xml version="1.0" encoding="utf-8"?>
+<p:sld xmlns:a="http://schemas.openxmlformats.org/drawingml/2006/main" xmlns:r="http://schemas.openxmlformats.org/officeDocument/2006/relationships" xmlns:p="http://schemas.openxmlformats.org/presentationml/2006/main">
+  <p:cSld>
+    <p:bg>
+      <p:bgPr>
+        <a:solidFill>
+          <a:schemeClr val="bg1"/>
+        </a:solidFill>
+        <a:effectLst/>
+      </p:bgPr>
+    </p:bg>
+    <p:spTree>
+      <p:nvGrpSpPr>
+        <p:cNvPr id="1" name=""/>
+        <p:cNvGrpSpPr/>
+        <p:nvPr/>
+      </p:nvGrpSpPr>
+      <p:grpSpPr>
+        <a:xfrm>
+          <a:off x="0" y="0"/>
+          <a:ext cx="0" cy="0"/>
+          <a:chOff x="0" y="0"/>
+          <a:chExt cx="0" cy="0"/>
+        </a:xfrm>
+      </p:grpSpPr>
+      <p:pic>
+        <p:nvPicPr>
+          <p:cNvPr id="40" name="Picture Placeholder 7" descr="abstract image">
+            <a:extLst>
+              <a:ext uri="{FF2B5EF4-FFF2-40B4-BE49-F238E27FC236}">
+                <a16:creationId xmlns:a16="http://schemas.microsoft.com/office/drawing/2014/main" id="{D5C5EA1B-F06D-4AD1-B526-89C2DF772232}"/>
+              </a:ext>
+            </a:extLst>
+          </p:cNvPr>
+          <p:cNvPicPr>
+            <a:picLocks noChangeAspect="1"/>
+          </p:cNvPicPr>
+          <p:nvPr/>
+        </p:nvPicPr>
+        <p:blipFill rotWithShape="1">
+          <a:blip r:embed="rId2">
+            <a:alphaModFix amt="52000"/>
+            <a:extLst>
+              <a:ext uri="{BEBA8EAE-BF5A-486C-A8C5-ECC9F3942E4B}">
+                <a14:imgProps xmlns:a14="http://schemas.microsoft.com/office/drawing/2010/main">
+                  <a14:imgLayer r:embed="rId3">
+                    <a14:imgEffect>
+                      <a14:saturation sat="0"/>
+                    </a14:imgEffect>
+                  </a14:imgLayer>
+                </a14:imgProps>
+              </a:ext>
+            </a:extLst>
+          </a:blip>
+          <a:srcRect l="22717" r="45642"/>
+          <a:stretch/>
+        </p:blipFill>
+        <p:spPr>
+          <a:xfrm rot="16200000">
+            <a:off x="2667001" y="-2666999"/>
+            <a:ext cx="6858000" cy="12192000"/>
+          </a:xfrm>
+          <a:prstGeom prst="rect">
+            <a:avLst/>
+          </a:prstGeom>
+          <a:noFill/>
+        </p:spPr>
+      </p:pic>
+      <p:sp>
+        <p:nvSpPr>
+          <p:cNvPr id="6" name="Title 5">
+            <a:extLst>
+              <a:ext uri="{FF2B5EF4-FFF2-40B4-BE49-F238E27FC236}">
+                <a16:creationId xmlns:a16="http://schemas.microsoft.com/office/drawing/2014/main" id="{4F7706BE-EF2E-459C-8778-01DDD354C634}"/>
+              </a:ext>
+            </a:extLst>
+          </p:cNvPr>
+          <p:cNvSpPr>
+            <a:spLocks noGrp="1"/>
+          </p:cNvSpPr>
+          <p:nvPr>
+            <p:ph type="title" idx="4294967295"/>
+          </p:nvPr>
+        </p:nvSpPr>
+        <p:spPr>
+          <a:xfrm>
+            <a:off x="702365" y="1660810"/>
+            <a:ext cx="10787270" cy="830649"/>
+          </a:xfrm>
+        </p:spPr>
+        <p:txBody>
+          <a:bodyPr>
+            <a:normAutofit/>
+          </a:bodyPr>
+          <a:lstStyle/>
+          <a:p>
+            <a:r>
+              <a:rPr lang="en-US" sz="4000" spc="300" dirty="0"/>
+              <a:t>THANK YOU</a:t>
+            </a:r>
+          </a:p>
+        </p:txBody>
+      </p:sp>
+      <p:sp>
+        <p:nvSpPr>
+          <p:cNvPr id="3" name="Text Placeholder 2">
+            <a:extLst>
+              <a:ext uri="{FF2B5EF4-FFF2-40B4-BE49-F238E27FC236}">
+                <a16:creationId xmlns:a16="http://schemas.microsoft.com/office/drawing/2014/main" id="{C747C414-85D9-40D6-9BB3-5AF68A84F413}"/>
+              </a:ext>
+            </a:extLst>
+          </p:cNvPr>
+          <p:cNvSpPr>
+            <a:spLocks noGrp="1"/>
+          </p:cNvSpPr>
+          <p:nvPr>
+            <p:ph type="body" sz="quarter" idx="12"/>
+          </p:nvPr>
+        </p:nvSpPr>
+        <p:spPr>
+          <a:xfrm>
+            <a:off x="3512343" y="3169602"/>
+            <a:ext cx="5167313" cy="518795"/>
+          </a:xfrm>
+        </p:spPr>
+        <p:txBody>
+          <a:bodyPr/>
+          <a:lstStyle/>
+          <a:p>
+            <a:r>
+              <a:rPr lang="en-US" dirty="0"/>
+              <a:t>Team 1: Phase One</a:t>
+            </a:r>
+          </a:p>
+        </p:txBody>
+      </p:sp>
+    </p:spTree>
+    <p:extLst>
+      <p:ext uri="{BB962C8B-B14F-4D97-AF65-F5344CB8AC3E}">
+        <p14:creationId xmlns:p14="http://schemas.microsoft.com/office/powerpoint/2010/main" val="927727573"/>
+      </p:ext>
+    </p:extLst>
+  </p:cSld>
+  <p:clrMapOvr>
+    <a:masterClrMapping/>
+  </p:clrMapOvr>
+</p:sld>
+</file>
+
 <file path=ppt/slides/slide2.xml><?xml version="1.0" encoding="utf-8"?>
 <p:sld xmlns:a="http://schemas.openxmlformats.org/drawingml/2006/main" xmlns:r="http://schemas.openxmlformats.org/officeDocument/2006/relationships" xmlns:p="http://schemas.openxmlformats.org/presentationml/2006/main">
   <p:cSld>
@@ -7352,10 +7502,17 @@
         </p:spPr>
         <p:txBody>
           <a:bodyPr anchor="t">
-            <a:normAutofit/>
+            <a:normAutofit fontScale="90000"/>
           </a:bodyPr>
           <a:lstStyle/>
           <a:p>
+            <a:r>
+              <a:rPr lang="en-US" sz="4800" dirty="0"/>
+              <a:t>Frontend</a:t>
+            </a:r>
+            <a:br>
+              <a:rPr lang="en-US" sz="4800" dirty="0"/>
+            </a:br>
             <a:r>
               <a:rPr lang="en-US" sz="4800" dirty="0"/>
               <a:t>technology</a:t>
@@ -7441,7 +7598,7 @@
         </p:nvSpPr>
         <p:spPr>
           <a:xfrm>
-            <a:off x="6362330" y="2050743"/>
+            <a:off x="6362330" y="2139523"/>
             <a:ext cx="4646246" cy="3038482"/>
           </a:xfrm>
           <a:prstGeom prst="rect">
@@ -7616,8 +7773,12 @@
               <a:buChar char="•"/>
             </a:pPr>
             <a:r>
+              <a:rPr lang="en-US" dirty="0" err="1"/>
+              <a:t>VSCode</a:t>
+            </a:r>
+            <a:r>
               <a:rPr lang="en-US" dirty="0"/>
-              <a:t>GitHub</a:t>
+              <a:t> IDE</a:t>
             </a:r>
           </a:p>
           <a:p>
@@ -7626,12 +7787,8 @@
               <a:buChar char="•"/>
             </a:pPr>
             <a:r>
-              <a:rPr lang="en-US" dirty="0" err="1"/>
-              <a:t>VSCode</a:t>
-            </a:r>
-            <a:r>
               <a:rPr lang="en-US" dirty="0"/>
-              <a:t> IDE</a:t>
+              <a:t>Vue</a:t>
             </a:r>
           </a:p>
           <a:p>
@@ -7641,7 +7798,7 @@
             </a:pPr>
             <a:r>
               <a:rPr lang="en-US" dirty="0"/>
-              <a:t>Python</a:t>
+              <a:t>HTML</a:t>
             </a:r>
           </a:p>
           <a:p>
@@ -7651,7 +7808,7 @@
             </a:pPr>
             <a:r>
               <a:rPr lang="en-US" dirty="0"/>
-              <a:t>Django</a:t>
+              <a:t>CSS</a:t>
             </a:r>
           </a:p>
           <a:p>
@@ -7660,23 +7817,9 @@
               <a:buChar char="•"/>
             </a:pPr>
             <a:r>
-              <a:rPr lang="en-US" b="0" i="0" dirty="0">
-                <a:solidFill>
-                  <a:srgbClr val="1D1C1D"/>
-                </a:solidFill>
-                <a:effectLst/>
-                <a:latin typeface="Slack-Lato"/>
-              </a:rPr>
-              <a:t>PostgreSQL</a:t>
-            </a:r>
-            <a:endParaRPr lang="en-US" dirty="0"/>
-          </a:p>
-          <a:p>
-            <a:pPr marL="342900" indent="-342900">
-              <a:buFont typeface="Arial" panose="020B0604020202020204" pitchFamily="34" charset="0"/>
-              <a:buChar char="•"/>
-            </a:pPr>
-            <a:endParaRPr lang="en-US" dirty="0"/>
+              <a:rPr lang="en-US" dirty="0"/>
+              <a:t>JavaScript</a:t>
+            </a:r>
           </a:p>
           <a:p>
             <a:pPr marL="342900" indent="-342900">
@@ -7717,6 +7860,90 @@
           <a:chExt cx="0" cy="0"/>
         </a:xfrm>
       </p:grpSpPr>
+      <p:pic>
+        <p:nvPicPr>
+          <p:cNvPr id="9" name="Picture Placeholder 7" descr="abstract image">
+            <a:extLst>
+              <a:ext uri="{FF2B5EF4-FFF2-40B4-BE49-F238E27FC236}">
+                <a16:creationId xmlns:a16="http://schemas.microsoft.com/office/drawing/2014/main" id="{10C261F5-27E5-A8D9-57BF-8DCB0A00F6B1}"/>
+              </a:ext>
+            </a:extLst>
+          </p:cNvPr>
+          <p:cNvPicPr>
+            <a:picLocks noChangeAspect="1"/>
+          </p:cNvPicPr>
+          <p:nvPr/>
+        </p:nvPicPr>
+        <p:blipFill rotWithShape="1">
+          <a:blip r:embed="rId2">
+            <a:alphaModFix/>
+            <a:extLst>
+              <a:ext uri="{BEBA8EAE-BF5A-486C-A8C5-ECC9F3942E4B}">
+                <a14:imgProps xmlns:a14="http://schemas.microsoft.com/office/drawing/2010/main">
+                  <a14:imgLayer r:embed="rId3">
+                    <a14:imgEffect>
+                      <a14:saturation sat="0"/>
+                    </a14:imgEffect>
+                  </a14:imgLayer>
+                </a14:imgProps>
+              </a:ext>
+            </a:extLst>
+          </a:blip>
+          <a:srcRect l="55123" r="-49"/>
+          <a:stretch/>
+        </p:blipFill>
+        <p:spPr>
+          <a:xfrm>
+            <a:off x="-1" y="0"/>
+            <a:ext cx="5477523" cy="6858000"/>
+          </a:xfrm>
+          <a:prstGeom prst="rect">
+            <a:avLst/>
+          </a:prstGeom>
+        </p:spPr>
+      </p:pic>
+      <p:sp>
+        <p:nvSpPr>
+          <p:cNvPr id="3" name="Title 2">
+            <a:extLst>
+              <a:ext uri="{FF2B5EF4-FFF2-40B4-BE49-F238E27FC236}">
+                <a16:creationId xmlns:a16="http://schemas.microsoft.com/office/drawing/2014/main" id="{1D24B42B-925B-494C-A986-BD85E8117E1E}"/>
+              </a:ext>
+            </a:extLst>
+          </p:cNvPr>
+          <p:cNvSpPr>
+            <a:spLocks noGrp="1"/>
+          </p:cNvSpPr>
+          <p:nvPr>
+            <p:ph type="title"/>
+          </p:nvPr>
+        </p:nvSpPr>
+        <p:spPr>
+          <a:xfrm>
+            <a:off x="6096000" y="668680"/>
+            <a:ext cx="5251450" cy="956373"/>
+          </a:xfrm>
+        </p:spPr>
+        <p:txBody>
+          <a:bodyPr anchor="t">
+            <a:normAutofit fontScale="90000"/>
+          </a:bodyPr>
+          <a:lstStyle/>
+          <a:p>
+            <a:r>
+              <a:rPr lang="en-US" sz="4800" dirty="0"/>
+              <a:t>Backend</a:t>
+            </a:r>
+            <a:br>
+              <a:rPr lang="en-US" sz="4800" dirty="0"/>
+            </a:br>
+            <a:r>
+              <a:rPr lang="en-US" sz="4800" dirty="0"/>
+              <a:t>technology</a:t>
+            </a:r>
+          </a:p>
+        </p:txBody>
+      </p:sp>
       <p:sp>
         <p:nvSpPr>
           <p:cNvPr id="5" name="Text Placeholder 4">
@@ -7774,6 +8001,350 @@
             <a:fld id="{8C2E478F-E849-4A8C-AF1F-CBCC78A7CBFA}" type="slidenum">
               <a:rPr lang="en-US" smtClean="0"/>
               <a:t>7</a:t>
+            </a:fld>
+            <a:endParaRPr lang="en-US" dirty="0"/>
+          </a:p>
+        </p:txBody>
+      </p:sp>
+      <p:sp>
+        <p:nvSpPr>
+          <p:cNvPr id="6" name="Content Placeholder 8">
+            <a:extLst>
+              <a:ext uri="{FF2B5EF4-FFF2-40B4-BE49-F238E27FC236}">
+                <a16:creationId xmlns:a16="http://schemas.microsoft.com/office/drawing/2014/main" id="{3B4F2E0F-78BC-2FE8-4808-2A26179B55EA}"/>
+              </a:ext>
+            </a:extLst>
+          </p:cNvPr>
+          <p:cNvSpPr txBox="1">
+            <a:spLocks/>
+          </p:cNvSpPr>
+          <p:nvPr/>
+        </p:nvSpPr>
+        <p:spPr>
+          <a:xfrm>
+            <a:off x="6362330" y="2139523"/>
+            <a:ext cx="4646246" cy="3038482"/>
+          </a:xfrm>
+          <a:prstGeom prst="rect">
+            <a:avLst/>
+          </a:prstGeom>
+          <a:noFill/>
+        </p:spPr>
+        <p:txBody>
+          <a:bodyPr vert="horz" lIns="91440" tIns="45720" rIns="91440" bIns="45720" rtlCol="0" anchor="t">
+            <a:normAutofit/>
+          </a:bodyPr>
+          <a:lstStyle>
+            <a:defPPr>
+              <a:defRPr lang="en-US"/>
+            </a:defPPr>
+            <a:lvl1pPr indent="0">
+              <a:lnSpc>
+                <a:spcPct val="120000"/>
+              </a:lnSpc>
+              <a:spcBef>
+                <a:spcPts val="0"/>
+              </a:spcBef>
+              <a:buFont typeface="Arial" panose="020B0604020202020204" pitchFamily="34" charset="0"/>
+              <a:buNone/>
+              <a:defRPr sz="2400" cap="none" spc="0" baseline="0">
+                <a:solidFill>
+                  <a:sysClr val="windowText" lastClr="000000"/>
+                </a:solidFill>
+                <a:effectLst/>
+              </a:defRPr>
+            </a:lvl1pPr>
+            <a:lvl2pPr indent="0">
+              <a:lnSpc>
+                <a:spcPct val="150000"/>
+              </a:lnSpc>
+              <a:spcBef>
+                <a:spcPts val="500"/>
+              </a:spcBef>
+              <a:buFont typeface="Arial" panose="020B0604020202020204" pitchFamily="34" charset="0"/>
+              <a:buNone/>
+              <a:defRPr sz="2000">
+                <a:solidFill>
+                  <a:schemeClr val="tx1">
+                    <a:tint val="75000"/>
+                  </a:schemeClr>
+                </a:solidFill>
+              </a:defRPr>
+            </a:lvl2pPr>
+            <a:lvl3pPr indent="0">
+              <a:lnSpc>
+                <a:spcPct val="150000"/>
+              </a:lnSpc>
+              <a:spcBef>
+                <a:spcPts val="500"/>
+              </a:spcBef>
+              <a:buFont typeface="Arial" panose="020B0604020202020204" pitchFamily="34" charset="0"/>
+              <a:buNone/>
+              <a:defRPr>
+                <a:solidFill>
+                  <a:schemeClr val="tx1">
+                    <a:tint val="75000"/>
+                  </a:schemeClr>
+                </a:solidFill>
+              </a:defRPr>
+            </a:lvl3pPr>
+            <a:lvl4pPr indent="0">
+              <a:lnSpc>
+                <a:spcPct val="150000"/>
+              </a:lnSpc>
+              <a:spcBef>
+                <a:spcPts val="500"/>
+              </a:spcBef>
+              <a:buFont typeface="Arial" panose="020B0604020202020204" pitchFamily="34" charset="0"/>
+              <a:buNone/>
+              <a:defRPr sz="1600">
+                <a:solidFill>
+                  <a:schemeClr val="tx1">
+                    <a:tint val="75000"/>
+                  </a:schemeClr>
+                </a:solidFill>
+              </a:defRPr>
+            </a:lvl4pPr>
+            <a:lvl5pPr indent="0">
+              <a:lnSpc>
+                <a:spcPct val="150000"/>
+              </a:lnSpc>
+              <a:spcBef>
+                <a:spcPts val="500"/>
+              </a:spcBef>
+              <a:buFont typeface="Arial" panose="020B0604020202020204" pitchFamily="34" charset="0"/>
+              <a:buNone/>
+              <a:defRPr sz="1600">
+                <a:solidFill>
+                  <a:schemeClr val="tx1">
+                    <a:tint val="75000"/>
+                  </a:schemeClr>
+                </a:solidFill>
+              </a:defRPr>
+            </a:lvl5pPr>
+            <a:lvl6pPr indent="0">
+              <a:lnSpc>
+                <a:spcPct val="90000"/>
+              </a:lnSpc>
+              <a:spcBef>
+                <a:spcPts val="500"/>
+              </a:spcBef>
+              <a:buFont typeface="Arial" panose="020B0604020202020204" pitchFamily="34" charset="0"/>
+              <a:buNone/>
+              <a:defRPr sz="1600">
+                <a:solidFill>
+                  <a:schemeClr val="tx1">
+                    <a:tint val="75000"/>
+                  </a:schemeClr>
+                </a:solidFill>
+              </a:defRPr>
+            </a:lvl6pPr>
+            <a:lvl7pPr indent="0">
+              <a:lnSpc>
+                <a:spcPct val="90000"/>
+              </a:lnSpc>
+              <a:spcBef>
+                <a:spcPts val="500"/>
+              </a:spcBef>
+              <a:buFont typeface="Arial" panose="020B0604020202020204" pitchFamily="34" charset="0"/>
+              <a:buNone/>
+              <a:defRPr sz="1600">
+                <a:solidFill>
+                  <a:schemeClr val="tx1">
+                    <a:tint val="75000"/>
+                  </a:schemeClr>
+                </a:solidFill>
+              </a:defRPr>
+            </a:lvl7pPr>
+            <a:lvl8pPr indent="0">
+              <a:lnSpc>
+                <a:spcPct val="90000"/>
+              </a:lnSpc>
+              <a:spcBef>
+                <a:spcPts val="500"/>
+              </a:spcBef>
+              <a:buFont typeface="Arial" panose="020B0604020202020204" pitchFamily="34" charset="0"/>
+              <a:buNone/>
+              <a:defRPr sz="1600">
+                <a:solidFill>
+                  <a:schemeClr val="tx1">
+                    <a:tint val="75000"/>
+                  </a:schemeClr>
+                </a:solidFill>
+              </a:defRPr>
+            </a:lvl8pPr>
+            <a:lvl9pPr indent="0">
+              <a:lnSpc>
+                <a:spcPct val="90000"/>
+              </a:lnSpc>
+              <a:spcBef>
+                <a:spcPts val="500"/>
+              </a:spcBef>
+              <a:buFont typeface="Arial" panose="020B0604020202020204" pitchFamily="34" charset="0"/>
+              <a:buNone/>
+              <a:defRPr sz="1600">
+                <a:solidFill>
+                  <a:schemeClr val="tx1">
+                    <a:tint val="75000"/>
+                  </a:schemeClr>
+                </a:solidFill>
+              </a:defRPr>
+            </a:lvl9pPr>
+          </a:lstStyle>
+          <a:p>
+            <a:pPr marL="342900" indent="-342900">
+              <a:buFont typeface="Arial" panose="020B0604020202020204" pitchFamily="34" charset="0"/>
+              <a:buChar char="•"/>
+            </a:pPr>
+            <a:r>
+              <a:rPr lang="en-US" dirty="0" err="1"/>
+              <a:t>VSCode</a:t>
+            </a:r>
+            <a:r>
+              <a:rPr lang="en-US" dirty="0"/>
+              <a:t> IDE</a:t>
+            </a:r>
+          </a:p>
+          <a:p>
+            <a:pPr marL="342900" indent="-342900">
+              <a:buFont typeface="Arial" panose="020B0604020202020204" pitchFamily="34" charset="0"/>
+              <a:buChar char="•"/>
+            </a:pPr>
+            <a:r>
+              <a:rPr lang="en-US" dirty="0"/>
+              <a:t>Python</a:t>
+            </a:r>
+          </a:p>
+          <a:p>
+            <a:pPr marL="342900" indent="-342900">
+              <a:buFont typeface="Arial" panose="020B0604020202020204" pitchFamily="34" charset="0"/>
+              <a:buChar char="•"/>
+            </a:pPr>
+            <a:r>
+              <a:rPr lang="en-US" dirty="0"/>
+              <a:t>Django</a:t>
+            </a:r>
+          </a:p>
+          <a:p>
+            <a:pPr marL="342900" indent="-342900">
+              <a:buFont typeface="Arial" panose="020B0604020202020204" pitchFamily="34" charset="0"/>
+              <a:buChar char="•"/>
+            </a:pPr>
+            <a:r>
+              <a:rPr lang="en-US" b="0" i="0" dirty="0">
+                <a:solidFill>
+                  <a:srgbClr val="1D1C1D"/>
+                </a:solidFill>
+                <a:effectLst/>
+                <a:latin typeface="Slack-Lato"/>
+              </a:rPr>
+              <a:t>PostgreSQL</a:t>
+            </a:r>
+            <a:endParaRPr lang="en-US" dirty="0"/>
+          </a:p>
+          <a:p>
+            <a:pPr marL="342900" indent="-342900">
+              <a:buFont typeface="Arial" panose="020B0604020202020204" pitchFamily="34" charset="0"/>
+              <a:buChar char="•"/>
+            </a:pPr>
+            <a:endParaRPr lang="en-US" dirty="0"/>
+          </a:p>
+          <a:p>
+            <a:pPr marL="342900" indent="-342900">
+              <a:buFont typeface="Arial" panose="020B0604020202020204" pitchFamily="34" charset="0"/>
+              <a:buChar char="•"/>
+            </a:pPr>
+            <a:endParaRPr lang="en-US" dirty="0"/>
+          </a:p>
+        </p:txBody>
+      </p:sp>
+    </p:spTree>
+    <p:extLst>
+      <p:ext uri="{BB962C8B-B14F-4D97-AF65-F5344CB8AC3E}">
+        <p14:creationId xmlns:p14="http://schemas.microsoft.com/office/powerpoint/2010/main" val="3425933419"/>
+      </p:ext>
+    </p:extLst>
+  </p:cSld>
+  <p:clrMapOvr>
+    <a:masterClrMapping/>
+  </p:clrMapOvr>
+</p:sld>
+</file>
+
+<file path=ppt/slides/slide8.xml><?xml version="1.0" encoding="utf-8"?>
+<p:sld xmlns:a="http://schemas.openxmlformats.org/drawingml/2006/main" xmlns:r="http://schemas.openxmlformats.org/officeDocument/2006/relationships" xmlns:p="http://schemas.openxmlformats.org/presentationml/2006/main">
+  <p:cSld>
+    <p:spTree>
+      <p:nvGrpSpPr>
+        <p:cNvPr id="1" name=""/>
+        <p:cNvGrpSpPr/>
+        <p:nvPr/>
+      </p:nvGrpSpPr>
+      <p:grpSpPr>
+        <a:xfrm>
+          <a:off x="0" y="0"/>
+          <a:ext cx="0" cy="0"/>
+          <a:chOff x="0" y="0"/>
+          <a:chExt cx="0" cy="0"/>
+        </a:xfrm>
+      </p:grpSpPr>
+      <p:sp>
+        <p:nvSpPr>
+          <p:cNvPr id="5" name="Text Placeholder 4">
+            <a:extLst>
+              <a:ext uri="{FF2B5EF4-FFF2-40B4-BE49-F238E27FC236}">
+                <a16:creationId xmlns:a16="http://schemas.microsoft.com/office/drawing/2014/main" id="{AF9B872F-6332-408E-9135-B871F0C90C00}"/>
+              </a:ext>
+            </a:extLst>
+          </p:cNvPr>
+          <p:cNvSpPr>
+            <a:spLocks noGrp="1"/>
+          </p:cNvSpPr>
+          <p:nvPr>
+            <p:ph type="body" idx="1"/>
+          </p:nvPr>
+        </p:nvSpPr>
+        <p:spPr>
+          <a:xfrm>
+            <a:off x="6362330" y="5940605"/>
+            <a:ext cx="5829669" cy="365125"/>
+          </a:xfrm>
+        </p:spPr>
+        <p:txBody>
+          <a:bodyPr/>
+          <a:lstStyle/>
+          <a:p>
+            <a:r>
+              <a:rPr lang="en-US" spc="300" dirty="0"/>
+              <a:t> </a:t>
+            </a:r>
+          </a:p>
+        </p:txBody>
+      </p:sp>
+      <p:sp>
+        <p:nvSpPr>
+          <p:cNvPr id="2" name="Slide Number Placeholder 1">
+            <a:extLst>
+              <a:ext uri="{FF2B5EF4-FFF2-40B4-BE49-F238E27FC236}">
+                <a16:creationId xmlns:a16="http://schemas.microsoft.com/office/drawing/2014/main" id="{948DD8A0-BD53-4DBF-949B-0D64D12DADA9}"/>
+              </a:ext>
+            </a:extLst>
+          </p:cNvPr>
+          <p:cNvSpPr>
+            <a:spLocks noGrp="1"/>
+          </p:cNvSpPr>
+          <p:nvPr>
+            <p:ph type="sldNum" sz="quarter" idx="12"/>
+          </p:nvPr>
+        </p:nvSpPr>
+        <p:spPr/>
+        <p:txBody>
+          <a:bodyPr/>
+          <a:lstStyle/>
+          <a:p>
+            <a:fld id="{8C2E478F-E849-4A8C-AF1F-CBCC78A7CBFA}" type="slidenum">
+              <a:rPr lang="en-US" smtClean="0"/>
+              <a:t>8</a:t>
             </a:fld>
             <a:endParaRPr lang="en-US" dirty="0"/>
           </a:p>
@@ -8077,7 +8648,7 @@
 </p:sld>
 </file>
 
-<file path=ppt/slides/slide8.xml><?xml version="1.0" encoding="utf-8"?>
+<file path=ppt/slides/slide9.xml><?xml version="1.0" encoding="utf-8"?>
 <p:sld xmlns:a="http://schemas.openxmlformats.org/drawingml/2006/main" xmlns:r="http://schemas.openxmlformats.org/officeDocument/2006/relationships" xmlns:p="http://schemas.openxmlformats.org/presentationml/2006/main">
   <p:cSld>
     <p:spTree>
@@ -9044,7 +9615,7 @@
           <a:p>
             <a:fld id="{8C2E478F-E849-4A8C-AF1F-CBCC78A7CBFA}" type="slidenum">
               <a:rPr lang="en-US" smtClean="0"/>
-              <a:t>8</a:t>
+              <a:t>9</a:t>
             </a:fld>
             <a:endParaRPr lang="en-US" dirty="0"/>
           </a:p>
@@ -9054,155 +9625,6 @@
     <p:extLst>
       <p:ext uri="{BB962C8B-B14F-4D97-AF65-F5344CB8AC3E}">
         <p14:creationId xmlns:p14="http://schemas.microsoft.com/office/powerpoint/2010/main" val="2129108354"/>
-      </p:ext>
-    </p:extLst>
-  </p:cSld>
-  <p:clrMapOvr>
-    <a:masterClrMapping/>
-  </p:clrMapOvr>
-</p:sld>
-</file>
-
-<file path=ppt/slides/slide9.xml><?xml version="1.0" encoding="utf-8"?>
-<p:sld xmlns:a="http://schemas.openxmlformats.org/drawingml/2006/main" xmlns:r="http://schemas.openxmlformats.org/officeDocument/2006/relationships" xmlns:p="http://schemas.openxmlformats.org/presentationml/2006/main">
-  <p:cSld>
-    <p:bg>
-      <p:bgPr>
-        <a:solidFill>
-          <a:schemeClr val="bg1"/>
-        </a:solidFill>
-        <a:effectLst/>
-      </p:bgPr>
-    </p:bg>
-    <p:spTree>
-      <p:nvGrpSpPr>
-        <p:cNvPr id="1" name=""/>
-        <p:cNvGrpSpPr/>
-        <p:nvPr/>
-      </p:nvGrpSpPr>
-      <p:grpSpPr>
-        <a:xfrm>
-          <a:off x="0" y="0"/>
-          <a:ext cx="0" cy="0"/>
-          <a:chOff x="0" y="0"/>
-          <a:chExt cx="0" cy="0"/>
-        </a:xfrm>
-      </p:grpSpPr>
-      <p:pic>
-        <p:nvPicPr>
-          <p:cNvPr id="40" name="Picture Placeholder 7" descr="abstract image">
-            <a:extLst>
-              <a:ext uri="{FF2B5EF4-FFF2-40B4-BE49-F238E27FC236}">
-                <a16:creationId xmlns:a16="http://schemas.microsoft.com/office/drawing/2014/main" id="{D5C5EA1B-F06D-4AD1-B526-89C2DF772232}"/>
-              </a:ext>
-            </a:extLst>
-          </p:cNvPr>
-          <p:cNvPicPr>
-            <a:picLocks noChangeAspect="1"/>
-          </p:cNvPicPr>
-          <p:nvPr/>
-        </p:nvPicPr>
-        <p:blipFill rotWithShape="1">
-          <a:blip r:embed="rId2">
-            <a:alphaModFix amt="52000"/>
-            <a:extLst>
-              <a:ext uri="{BEBA8EAE-BF5A-486C-A8C5-ECC9F3942E4B}">
-                <a14:imgProps xmlns:a14="http://schemas.microsoft.com/office/drawing/2010/main">
-                  <a14:imgLayer r:embed="rId3">
-                    <a14:imgEffect>
-                      <a14:saturation sat="0"/>
-                    </a14:imgEffect>
-                  </a14:imgLayer>
-                </a14:imgProps>
-              </a:ext>
-            </a:extLst>
-          </a:blip>
-          <a:srcRect l="22717" r="45642"/>
-          <a:stretch/>
-        </p:blipFill>
-        <p:spPr>
-          <a:xfrm rot="16200000">
-            <a:off x="2667001" y="-2666999"/>
-            <a:ext cx="6858000" cy="12192000"/>
-          </a:xfrm>
-          <a:prstGeom prst="rect">
-            <a:avLst/>
-          </a:prstGeom>
-          <a:noFill/>
-        </p:spPr>
-      </p:pic>
-      <p:sp>
-        <p:nvSpPr>
-          <p:cNvPr id="6" name="Title 5">
-            <a:extLst>
-              <a:ext uri="{FF2B5EF4-FFF2-40B4-BE49-F238E27FC236}">
-                <a16:creationId xmlns:a16="http://schemas.microsoft.com/office/drawing/2014/main" id="{4F7706BE-EF2E-459C-8778-01DDD354C634}"/>
-              </a:ext>
-            </a:extLst>
-          </p:cNvPr>
-          <p:cNvSpPr>
-            <a:spLocks noGrp="1"/>
-          </p:cNvSpPr>
-          <p:nvPr>
-            <p:ph type="title" idx="4294967295"/>
-          </p:nvPr>
-        </p:nvSpPr>
-        <p:spPr>
-          <a:xfrm>
-            <a:off x="702365" y="1660810"/>
-            <a:ext cx="10787270" cy="830649"/>
-          </a:xfrm>
-        </p:spPr>
-        <p:txBody>
-          <a:bodyPr>
-            <a:normAutofit/>
-          </a:bodyPr>
-          <a:lstStyle/>
-          <a:p>
-            <a:r>
-              <a:rPr lang="en-US" sz="4000" spc="300" dirty="0"/>
-              <a:t>THANK YOU</a:t>
-            </a:r>
-          </a:p>
-        </p:txBody>
-      </p:sp>
-      <p:sp>
-        <p:nvSpPr>
-          <p:cNvPr id="3" name="Text Placeholder 2">
-            <a:extLst>
-              <a:ext uri="{FF2B5EF4-FFF2-40B4-BE49-F238E27FC236}">
-                <a16:creationId xmlns:a16="http://schemas.microsoft.com/office/drawing/2014/main" id="{C747C414-85D9-40D6-9BB3-5AF68A84F413}"/>
-              </a:ext>
-            </a:extLst>
-          </p:cNvPr>
-          <p:cNvSpPr>
-            <a:spLocks noGrp="1"/>
-          </p:cNvSpPr>
-          <p:nvPr>
-            <p:ph type="body" sz="quarter" idx="12"/>
-          </p:nvPr>
-        </p:nvSpPr>
-        <p:spPr>
-          <a:xfrm>
-            <a:off x="3512343" y="3169602"/>
-            <a:ext cx="5167313" cy="518795"/>
-          </a:xfrm>
-        </p:spPr>
-        <p:txBody>
-          <a:bodyPr/>
-          <a:lstStyle/>
-          <a:p>
-            <a:r>
-              <a:rPr lang="en-US" dirty="0"/>
-              <a:t>Team 1: Phase One</a:t>
-            </a:r>
-          </a:p>
-        </p:txBody>
-      </p:sp>
-    </p:spTree>
-    <p:extLst>
-      <p:ext uri="{BB962C8B-B14F-4D97-AF65-F5344CB8AC3E}">
-        <p14:creationId xmlns:p14="http://schemas.microsoft.com/office/powerpoint/2010/main" val="927727573"/>
       </p:ext>
     </p:extLst>
   </p:cSld>
@@ -10098,35 +10520,6 @@
 </file>
 
 <file path=customXml/item1.xml><?xml version="1.0" encoding="utf-8"?>
-<p:properties xmlns:p="http://schemas.microsoft.com/office/2006/metadata/properties" xmlns:xsi="http://www.w3.org/2001/XMLSchema-instance" xmlns:pc="http://schemas.microsoft.com/office/infopath/2007/PartnerControls">
-  <documentManagement>
-    <Status xmlns="71af3243-3dd4-4a8d-8c0d-dd76da1f02a5">Not started</Status>
-    <MediaServiceKeyPoints xmlns="71af3243-3dd4-4a8d-8c0d-dd76da1f02a5" xsi:nil="true"/>
-    <_ip_UnifiedCompliancePolicyUIAction xmlns="http://schemas.microsoft.com/sharepoint/v3" xsi:nil="true"/>
-    <Image xmlns="71af3243-3dd4-4a8d-8c0d-dd76da1f02a5">
-      <Url xsi:nil="true"/>
-      <Description xsi:nil="true"/>
-    </Image>
-    <Background xmlns="71af3243-3dd4-4a8d-8c0d-dd76da1f02a5">false</Background>
-    <_ip_UnifiedCompliancePolicyProperties xmlns="http://schemas.microsoft.com/sharepoint/v3" xsi:nil="true"/>
-    <ImageTagsTaxHTField xmlns="71af3243-3dd4-4a8d-8c0d-dd76da1f02a5">
-      <Terms xmlns="http://schemas.microsoft.com/office/infopath/2007/PartnerControls"/>
-    </ImageTagsTaxHTField>
-    <TaxCatchAll xmlns="230e9df3-be65-4c73-a93b-d1236ebd677e" xsi:nil="true"/>
-  </documentManagement>
-</p:properties>
-</file>
-
-<file path=customXml/item2.xml><?xml version="1.0" encoding="utf-8"?>
-<?mso-contentType ?>
-<FormTemplates xmlns="http://schemas.microsoft.com/sharepoint/v3/contenttype/forms">
-  <Display>DocumentLibraryForm</Display>
-  <Edit>DocumentLibraryForm</Edit>
-  <New>DocumentLibraryForm</New>
-</FormTemplates>
-</file>
-
-<file path=customXml/item3.xml><?xml version="1.0" encoding="utf-8"?>
 <ct:contentTypeSchema xmlns:ct="http://schemas.microsoft.com/office/2006/metadata/contentType" xmlns:ma="http://schemas.microsoft.com/office/2006/metadata/properties/metaAttributes" ct:_="" ma:_="" ma:contentTypeName="Document" ma:contentTypeID="0x01010079F111ED35F8CC479449609E8A0923A6" ma:contentTypeVersion="28" ma:contentTypeDescription="Create a new document." ma:contentTypeScope="" ma:versionID="60f5a4f2d2b0abadcf532d48ebf9cb71">
   <xsd:schema xmlns:xsd="http://www.w3.org/2001/XMLSchema" xmlns:xs="http://www.w3.org/2001/XMLSchema" xmlns:p="http://schemas.microsoft.com/office/2006/metadata/properties" xmlns:ns1="http://schemas.microsoft.com/sharepoint/v3" xmlns:ns2="71af3243-3dd4-4a8d-8c0d-dd76da1f02a5" xmlns:ns3="16c05727-aa75-4e4a-9b5f-8a80a1165891" xmlns:ns4="230e9df3-be65-4c73-a93b-d1236ebd677e" targetNamespace="http://schemas.microsoft.com/office/2006/metadata/properties" ma:root="true" ma:fieldsID="7dd78129e6a1811f84807ad11c651531" ns1:_="" ns2:_="" ns3:_="" ns4:_="">
     <xsd:import namespace="http://schemas.microsoft.com/sharepoint/v3"/>
@@ -10438,27 +10831,36 @@
 </ct:contentTypeSchema>
 </file>
 
-<file path=customXml/itemProps1.xml><?xml version="1.0" encoding="utf-8"?>
-<ds:datastoreItem xmlns:ds="http://schemas.openxmlformats.org/officeDocument/2006/customXml" ds:itemID="{8002A8ED-1331-4C1D-8649-743D7BE164DD}">
-  <ds:schemaRefs>
-    <ds:schemaRef ds:uri="http://schemas.microsoft.com/office/2006/metadata/properties"/>
-    <ds:schemaRef ds:uri="http://schemas.microsoft.com/office/infopath/2007/PartnerControls"/>
-    <ds:schemaRef ds:uri="71af3243-3dd4-4a8d-8c0d-dd76da1f02a5"/>
-    <ds:schemaRef ds:uri="http://schemas.microsoft.com/sharepoint/v3"/>
-    <ds:schemaRef ds:uri="230e9df3-be65-4c73-a93b-d1236ebd677e"/>
-  </ds:schemaRefs>
-</ds:datastoreItem>
+<file path=customXml/item2.xml><?xml version="1.0" encoding="utf-8"?>
+<?mso-contentType ?>
+<FormTemplates xmlns="http://schemas.microsoft.com/sharepoint/v3/contenttype/forms">
+  <Display>DocumentLibraryForm</Display>
+  <Edit>DocumentLibraryForm</Edit>
+  <New>DocumentLibraryForm</New>
+</FormTemplates>
 </file>
 
-<file path=customXml/itemProps2.xml><?xml version="1.0" encoding="utf-8"?>
-<ds:datastoreItem xmlns:ds="http://schemas.openxmlformats.org/officeDocument/2006/customXml" ds:itemID="{99E4EAC9-33DC-4CF0-BA31-C98F61CE4785}">
-  <ds:schemaRefs>
-    <ds:schemaRef ds:uri="http://schemas.microsoft.com/sharepoint/v3/contenttype/forms"/>
-  </ds:schemaRefs>
-</ds:datastoreItem>
+<file path=customXml/item3.xml><?xml version="1.0" encoding="utf-8"?>
+<p:properties xmlns:p="http://schemas.microsoft.com/office/2006/metadata/properties" xmlns:xsi="http://www.w3.org/2001/XMLSchema-instance" xmlns:pc="http://schemas.microsoft.com/office/infopath/2007/PartnerControls">
+  <documentManagement>
+    <Status xmlns="71af3243-3dd4-4a8d-8c0d-dd76da1f02a5">Not started</Status>
+    <MediaServiceKeyPoints xmlns="71af3243-3dd4-4a8d-8c0d-dd76da1f02a5" xsi:nil="true"/>
+    <_ip_UnifiedCompliancePolicyUIAction xmlns="http://schemas.microsoft.com/sharepoint/v3" xsi:nil="true"/>
+    <Image xmlns="71af3243-3dd4-4a8d-8c0d-dd76da1f02a5">
+      <Url xsi:nil="true"/>
+      <Description xsi:nil="true"/>
+    </Image>
+    <Background xmlns="71af3243-3dd4-4a8d-8c0d-dd76da1f02a5">false</Background>
+    <_ip_UnifiedCompliancePolicyProperties xmlns="http://schemas.microsoft.com/sharepoint/v3" xsi:nil="true"/>
+    <ImageTagsTaxHTField xmlns="71af3243-3dd4-4a8d-8c0d-dd76da1f02a5">
+      <Terms xmlns="http://schemas.microsoft.com/office/infopath/2007/PartnerControls"/>
+    </ImageTagsTaxHTField>
+    <TaxCatchAll xmlns="230e9df3-be65-4c73-a93b-d1236ebd677e" xsi:nil="true"/>
+  </documentManagement>
+</p:properties>
 </file>
 
-<file path=customXml/itemProps3.xml><?xml version="1.0" encoding="utf-8"?>
+<file path=customXml/itemProps1.xml><?xml version="1.0" encoding="utf-8"?>
 <ds:datastoreItem xmlns:ds="http://schemas.openxmlformats.org/officeDocument/2006/customXml" ds:itemID="{A3D5DB56-3A71-4638-9571-EE877FD66E96}">
   <ds:schemaRefs>
     <ds:schemaRef ds:uri="http://schemas.microsoft.com/office/2006/metadata/contentType"/>
@@ -10479,6 +10881,26 @@
 </ds:datastoreItem>
 </file>
 
+<file path=customXml/itemProps2.xml><?xml version="1.0" encoding="utf-8"?>
+<ds:datastoreItem xmlns:ds="http://schemas.openxmlformats.org/officeDocument/2006/customXml" ds:itemID="{99E4EAC9-33DC-4CF0-BA31-C98F61CE4785}">
+  <ds:schemaRefs>
+    <ds:schemaRef ds:uri="http://schemas.microsoft.com/sharepoint/v3/contenttype/forms"/>
+  </ds:schemaRefs>
+</ds:datastoreItem>
+</file>
+
+<file path=customXml/itemProps3.xml><?xml version="1.0" encoding="utf-8"?>
+<ds:datastoreItem xmlns:ds="http://schemas.openxmlformats.org/officeDocument/2006/customXml" ds:itemID="{8002A8ED-1331-4C1D-8649-743D7BE164DD}">
+  <ds:schemaRefs>
+    <ds:schemaRef ds:uri="http://schemas.microsoft.com/office/2006/metadata/properties"/>
+    <ds:schemaRef ds:uri="http://schemas.microsoft.com/office/infopath/2007/PartnerControls"/>
+    <ds:schemaRef ds:uri="71af3243-3dd4-4a8d-8c0d-dd76da1f02a5"/>
+    <ds:schemaRef ds:uri="http://schemas.microsoft.com/sharepoint/v3"/>
+    <ds:schemaRef ds:uri="230e9df3-be65-4c73-a93b-d1236ebd677e"/>
+  </ds:schemaRefs>
+</ds:datastoreItem>
+</file>
+
 <file path=docMetadata/LabelInfo.xml><?xml version="1.0" encoding="utf-8"?>
 <clbl:labelList xmlns:clbl="http://schemas.microsoft.com/office/2020/mipLabelMetadata"/>
 </file>
--- a/Phase 1 - Presentation.pptx
+++ b/Phase 1 - Presentation.pptx
@@ -17,7 +17,7 @@
     <p:sldId id="2451" r:id="rId8"/>
     <p:sldId id="2463" r:id="rId9"/>
     <p:sldId id="2457" r:id="rId10"/>
-    <p:sldId id="2465" r:id="rId11"/>
+    <p:sldId id="2466" r:id="rId11"/>
     <p:sldId id="2464" r:id="rId12"/>
     <p:sldId id="2453" r:id="rId13"/>
     <p:sldId id="2436" r:id="rId14"/>
@@ -6311,10 +6311,10 @@
       </p:sp>
       <p:sp>
         <p:nvSpPr>
-          <p:cNvPr id="5" name="Text Placeholder 4">
-            <a:extLst>
-              <a:ext uri="{FF2B5EF4-FFF2-40B4-BE49-F238E27FC236}">
-                <a16:creationId xmlns:a16="http://schemas.microsoft.com/office/drawing/2014/main" id="{FEA5D59C-4AD9-89E7-F423-65EFC483AE4B}"/>
+          <p:cNvPr id="2" name="Content Placeholder 8">
+            <a:extLst>
+              <a:ext uri="{FF2B5EF4-FFF2-40B4-BE49-F238E27FC236}">
+                <a16:creationId xmlns:a16="http://schemas.microsoft.com/office/drawing/2014/main" id="{F8BBD6BA-CA7D-1973-B283-4041FC25B422}"/>
               </a:ext>
             </a:extLst>
           </p:cNvPr>
@@ -6325,241 +6325,7 @@
         </p:nvSpPr>
         <p:spPr>
           <a:xfrm>
-            <a:off x="6362330" y="5940605"/>
-            <a:ext cx="5829669" cy="365125"/>
-          </a:xfrm>
-          <a:prstGeom prst="rect">
-            <a:avLst/>
-          </a:prstGeom>
-          <a:gradFill flip="none" rotWithShape="1">
-            <a:gsLst>
-              <a:gs pos="0">
-                <a:schemeClr val="accent5"/>
-              </a:gs>
-              <a:gs pos="100000">
-                <a:schemeClr val="accent2">
-                  <a:lumMod val="97000"/>
-                  <a:lumOff val="3000"/>
-                </a:schemeClr>
-              </a:gs>
-              <a:gs pos="50000">
-                <a:schemeClr val="accent1"/>
-              </a:gs>
-            </a:gsLst>
-            <a:lin ang="10800000" scaled="1"/>
-            <a:tileRect/>
-          </a:gradFill>
-        </p:spPr>
-        <p:txBody>
-          <a:bodyPr vert="horz" lIns="91440" tIns="45720" rIns="91440" bIns="45720" rtlCol="0" anchor="ctr">
-            <a:noAutofit/>
-          </a:bodyPr>
-          <a:lstStyle>
-            <a:lvl1pPr marL="0" indent="0" algn="ctr" defTabSz="914400" rtl="0" eaLnBrk="1" latinLnBrk="0" hangingPunct="1">
-              <a:lnSpc>
-                <a:spcPct val="100000"/>
-              </a:lnSpc>
-              <a:spcBef>
-                <a:spcPts val="1000"/>
-              </a:spcBef>
-              <a:buFont typeface="Arial" panose="020B0604020202020204" pitchFamily="34" charset="0"/>
-              <a:buNone/>
-              <a:defRPr sz="1400" kern="1200" cap="all" spc="600" baseline="0">
-                <a:solidFill>
-                  <a:schemeClr val="bg1"/>
-                </a:solidFill>
-                <a:latin typeface="+mn-lt"/>
-                <a:ea typeface="+mn-ea"/>
-                <a:cs typeface="+mn-cs"/>
-              </a:defRPr>
-            </a:lvl1pPr>
-            <a:lvl2pPr marL="457200" indent="0" algn="l" defTabSz="914400" rtl="0" eaLnBrk="1" latinLnBrk="0" hangingPunct="1">
-              <a:lnSpc>
-                <a:spcPct val="150000"/>
-              </a:lnSpc>
-              <a:spcBef>
-                <a:spcPts val="500"/>
-              </a:spcBef>
-              <a:buFont typeface="Arial" panose="020B0604020202020204" pitchFamily="34" charset="0"/>
-              <a:buNone/>
-              <a:defRPr sz="2000" kern="1200">
-                <a:solidFill>
-                  <a:schemeClr val="tx1">
-                    <a:tint val="75000"/>
-                  </a:schemeClr>
-                </a:solidFill>
-                <a:latin typeface="+mn-lt"/>
-                <a:ea typeface="+mn-ea"/>
-                <a:cs typeface="+mn-cs"/>
-              </a:defRPr>
-            </a:lvl2pPr>
-            <a:lvl3pPr marL="914400" indent="0" algn="l" defTabSz="914400" rtl="0" eaLnBrk="1" latinLnBrk="0" hangingPunct="1">
-              <a:lnSpc>
-                <a:spcPct val="150000"/>
-              </a:lnSpc>
-              <a:spcBef>
-                <a:spcPts val="500"/>
-              </a:spcBef>
-              <a:buFont typeface="Arial" panose="020B0604020202020204" pitchFamily="34" charset="0"/>
-              <a:buNone/>
-              <a:defRPr sz="1800" kern="1200">
-                <a:solidFill>
-                  <a:schemeClr val="tx1">
-                    <a:tint val="75000"/>
-                  </a:schemeClr>
-                </a:solidFill>
-                <a:latin typeface="+mn-lt"/>
-                <a:ea typeface="+mn-ea"/>
-                <a:cs typeface="+mn-cs"/>
-              </a:defRPr>
-            </a:lvl3pPr>
-            <a:lvl4pPr marL="1371600" indent="0" algn="l" defTabSz="914400" rtl="0" eaLnBrk="1" latinLnBrk="0" hangingPunct="1">
-              <a:lnSpc>
-                <a:spcPct val="150000"/>
-              </a:lnSpc>
-              <a:spcBef>
-                <a:spcPts val="500"/>
-              </a:spcBef>
-              <a:buFont typeface="Arial" panose="020B0604020202020204" pitchFamily="34" charset="0"/>
-              <a:buNone/>
-              <a:defRPr sz="1600" kern="1200">
-                <a:solidFill>
-                  <a:schemeClr val="tx1">
-                    <a:tint val="75000"/>
-                  </a:schemeClr>
-                </a:solidFill>
-                <a:latin typeface="+mn-lt"/>
-                <a:ea typeface="+mn-ea"/>
-                <a:cs typeface="+mn-cs"/>
-              </a:defRPr>
-            </a:lvl4pPr>
-            <a:lvl5pPr marL="1828800" indent="0" algn="l" defTabSz="914400" rtl="0" eaLnBrk="1" latinLnBrk="0" hangingPunct="1">
-              <a:lnSpc>
-                <a:spcPct val="150000"/>
-              </a:lnSpc>
-              <a:spcBef>
-                <a:spcPts val="500"/>
-              </a:spcBef>
-              <a:buFont typeface="Arial" panose="020B0604020202020204" pitchFamily="34" charset="0"/>
-              <a:buNone/>
-              <a:defRPr sz="1600" kern="1200">
-                <a:solidFill>
-                  <a:schemeClr val="tx1">
-                    <a:tint val="75000"/>
-                  </a:schemeClr>
-                </a:solidFill>
-                <a:latin typeface="+mn-lt"/>
-                <a:ea typeface="+mn-ea"/>
-                <a:cs typeface="+mn-cs"/>
-              </a:defRPr>
-            </a:lvl5pPr>
-            <a:lvl6pPr marL="2286000" indent="0" algn="l" defTabSz="914400" rtl="0" eaLnBrk="1" latinLnBrk="0" hangingPunct="1">
-              <a:lnSpc>
-                <a:spcPct val="90000"/>
-              </a:lnSpc>
-              <a:spcBef>
-                <a:spcPts val="500"/>
-              </a:spcBef>
-              <a:buFont typeface="Arial" panose="020B0604020202020204" pitchFamily="34" charset="0"/>
-              <a:buNone/>
-              <a:defRPr sz="1600" kern="1200">
-                <a:solidFill>
-                  <a:schemeClr val="tx1">
-                    <a:tint val="75000"/>
-                  </a:schemeClr>
-                </a:solidFill>
-                <a:latin typeface="+mn-lt"/>
-                <a:ea typeface="+mn-ea"/>
-                <a:cs typeface="+mn-cs"/>
-              </a:defRPr>
-            </a:lvl6pPr>
-            <a:lvl7pPr marL="2743200" indent="0" algn="l" defTabSz="914400" rtl="0" eaLnBrk="1" latinLnBrk="0" hangingPunct="1">
-              <a:lnSpc>
-                <a:spcPct val="90000"/>
-              </a:lnSpc>
-              <a:spcBef>
-                <a:spcPts val="500"/>
-              </a:spcBef>
-              <a:buFont typeface="Arial" panose="020B0604020202020204" pitchFamily="34" charset="0"/>
-              <a:buNone/>
-              <a:defRPr sz="1600" kern="1200">
-                <a:solidFill>
-                  <a:schemeClr val="tx1">
-                    <a:tint val="75000"/>
-                  </a:schemeClr>
-                </a:solidFill>
-                <a:latin typeface="+mn-lt"/>
-                <a:ea typeface="+mn-ea"/>
-                <a:cs typeface="+mn-cs"/>
-              </a:defRPr>
-            </a:lvl7pPr>
-            <a:lvl8pPr marL="3200400" indent="0" algn="l" defTabSz="914400" rtl="0" eaLnBrk="1" latinLnBrk="0" hangingPunct="1">
-              <a:lnSpc>
-                <a:spcPct val="90000"/>
-              </a:lnSpc>
-              <a:spcBef>
-                <a:spcPts val="500"/>
-              </a:spcBef>
-              <a:buFont typeface="Arial" panose="020B0604020202020204" pitchFamily="34" charset="0"/>
-              <a:buNone/>
-              <a:defRPr sz="1600" kern="1200">
-                <a:solidFill>
-                  <a:schemeClr val="tx1">
-                    <a:tint val="75000"/>
-                  </a:schemeClr>
-                </a:solidFill>
-                <a:latin typeface="+mn-lt"/>
-                <a:ea typeface="+mn-ea"/>
-                <a:cs typeface="+mn-cs"/>
-              </a:defRPr>
-            </a:lvl8pPr>
-            <a:lvl9pPr marL="3657600" indent="0" algn="l" defTabSz="914400" rtl="0" eaLnBrk="1" latinLnBrk="0" hangingPunct="1">
-              <a:lnSpc>
-                <a:spcPct val="90000"/>
-              </a:lnSpc>
-              <a:spcBef>
-                <a:spcPts val="500"/>
-              </a:spcBef>
-              <a:buFont typeface="Arial" panose="020B0604020202020204" pitchFamily="34" charset="0"/>
-              <a:buNone/>
-              <a:defRPr sz="1600" kern="1200">
-                <a:solidFill>
-                  <a:schemeClr val="tx1">
-                    <a:tint val="75000"/>
-                  </a:schemeClr>
-                </a:solidFill>
-                <a:latin typeface="+mn-lt"/>
-                <a:ea typeface="+mn-ea"/>
-                <a:cs typeface="+mn-cs"/>
-              </a:defRPr>
-            </a:lvl9pPr>
-          </a:lstStyle>
-          <a:p>
-            <a:r>
-              <a:rPr lang="en-US" spc="300"/>
-              <a:t> </a:t>
-            </a:r>
-            <a:endParaRPr lang="en-US" spc="300" dirty="0"/>
-          </a:p>
-        </p:txBody>
-      </p:sp>
-      <p:sp>
-        <p:nvSpPr>
-          <p:cNvPr id="2" name="Content Placeholder 8">
-            <a:extLst>
-              <a:ext uri="{FF2B5EF4-FFF2-40B4-BE49-F238E27FC236}">
-                <a16:creationId xmlns:a16="http://schemas.microsoft.com/office/drawing/2014/main" id="{F8BBD6BA-CA7D-1973-B283-4041FC25B422}"/>
-              </a:ext>
-            </a:extLst>
-          </p:cNvPr>
-          <p:cNvSpPr txBox="1">
-            <a:spLocks/>
-          </p:cNvSpPr>
-          <p:nvPr/>
-        </p:nvSpPr>
-        <p:spPr>
-          <a:xfrm>
-            <a:off x="6362330" y="1882066"/>
+            <a:off x="6362330" y="2517621"/>
             <a:ext cx="4516707" cy="3859127"/>
           </a:xfrm>
           <a:prstGeom prst="rect">
@@ -6906,6 +6672,39 @@
           <a:effectLst/>
         </p:spPr>
       </p:pic>
+      <p:sp>
+        <p:nvSpPr>
+          <p:cNvPr id="8" name="Text Placeholder 4">
+            <a:extLst>
+              <a:ext uri="{FF2B5EF4-FFF2-40B4-BE49-F238E27FC236}">
+                <a16:creationId xmlns:a16="http://schemas.microsoft.com/office/drawing/2014/main" id="{8A616E72-8E0A-185C-53F1-14BBDFB16F39}"/>
+              </a:ext>
+            </a:extLst>
+          </p:cNvPr>
+          <p:cNvSpPr>
+            <a:spLocks noGrp="1"/>
+          </p:cNvSpPr>
+          <p:nvPr>
+            <p:ph type="body" idx="1"/>
+          </p:nvPr>
+        </p:nvSpPr>
+        <p:spPr>
+          <a:xfrm>
+            <a:off x="6362331" y="1860457"/>
+            <a:ext cx="5829669" cy="365125"/>
+          </a:xfrm>
+        </p:spPr>
+        <p:txBody>
+          <a:bodyPr/>
+          <a:lstStyle/>
+          <a:p>
+            <a:r>
+              <a:rPr lang="en-US" spc="300" dirty="0"/>
+              <a:t> </a:t>
+            </a:r>
+          </a:p>
+        </p:txBody>
+      </p:sp>
     </p:spTree>
     <p:extLst>
       <p:ext uri="{BB962C8B-B14F-4D97-AF65-F5344CB8AC3E}">
@@ -6997,7 +6796,7 @@
         </p:nvSpPr>
         <p:spPr>
           <a:xfrm>
-            <a:off x="6362330" y="5940605"/>
+            <a:off x="6362329" y="1822370"/>
             <a:ext cx="5829669" cy="365125"/>
           </a:xfrm>
         </p:spPr>
@@ -7057,7 +6856,7 @@
         </p:nvSpPr>
         <p:spPr>
           <a:xfrm>
-            <a:off x="6362330" y="1882066"/>
+            <a:off x="6362330" y="2432483"/>
             <a:ext cx="5517781" cy="3764132"/>
           </a:xfrm>
           <a:prstGeom prst="rect">
@@ -7496,7 +7295,7 @@
         </p:nvSpPr>
         <p:spPr>
           <a:xfrm>
-            <a:off x="6096000" y="668680"/>
+            <a:off x="6362330" y="411225"/>
             <a:ext cx="5251450" cy="956373"/>
           </a:xfrm>
         </p:spPr>
@@ -7538,7 +7337,7 @@
         </p:nvSpPr>
         <p:spPr>
           <a:xfrm>
-            <a:off x="6362330" y="5940605"/>
+            <a:off x="6362330" y="2025552"/>
             <a:ext cx="5829669" cy="365125"/>
           </a:xfrm>
         </p:spPr>
@@ -7598,7 +7397,7 @@
         </p:nvSpPr>
         <p:spPr>
           <a:xfrm>
-            <a:off x="6362330" y="2139523"/>
+            <a:off x="6362330" y="2574543"/>
             <a:ext cx="4646246" cy="3038482"/>
           </a:xfrm>
           <a:prstGeom prst="rect">
@@ -7889,7 +7688,7 @@
               </a:ext>
             </a:extLst>
           </a:blip>
-          <a:srcRect l="55123" r="-49"/>
+          <a:srcRect l="54869" r="205"/>
           <a:stretch/>
         </p:blipFill>
         <p:spPr>
@@ -7920,7 +7719,7 @@
         </p:nvSpPr>
         <p:spPr>
           <a:xfrm>
-            <a:off x="6096000" y="668680"/>
+            <a:off x="6362330" y="411225"/>
             <a:ext cx="5251450" cy="956373"/>
           </a:xfrm>
         </p:spPr>
@@ -7932,7 +7731,7 @@
           <a:p>
             <a:r>
               <a:rPr lang="en-US" sz="4800" dirty="0"/>
-              <a:t>Backend</a:t>
+              <a:t>backend</a:t>
             </a:r>
             <a:br>
               <a:rPr lang="en-US" sz="4800" dirty="0"/>
@@ -7962,7 +7761,7 @@
         </p:nvSpPr>
         <p:spPr>
           <a:xfrm>
-            <a:off x="6362330" y="5940605"/>
+            <a:off x="6362330" y="2025552"/>
             <a:ext cx="5829669" cy="365125"/>
           </a:xfrm>
         </p:spPr>
@@ -8022,7 +7821,7 @@
         </p:nvSpPr>
         <p:spPr>
           <a:xfrm>
-            <a:off x="6362330" y="2139523"/>
+            <a:off x="6362330" y="2574543"/>
             <a:ext cx="4646246" cy="3038482"/>
           </a:xfrm>
           <a:prstGeom prst="rect">
@@ -8212,7 +8011,7 @@
             </a:pPr>
             <a:r>
               <a:rPr lang="en-US" dirty="0"/>
-              <a:t>Python</a:t>
+              <a:t>Python 3.11.8</a:t>
             </a:r>
           </a:p>
           <a:p>
@@ -8242,26 +8041,12 @@
             </a:r>
             <a:endParaRPr lang="en-US" dirty="0"/>
           </a:p>
-          <a:p>
-            <a:pPr marL="342900" indent="-342900">
-              <a:buFont typeface="Arial" panose="020B0604020202020204" pitchFamily="34" charset="0"/>
-              <a:buChar char="•"/>
-            </a:pPr>
-            <a:endParaRPr lang="en-US" dirty="0"/>
-          </a:p>
-          <a:p>
-            <a:pPr marL="342900" indent="-342900">
-              <a:buFont typeface="Arial" panose="020B0604020202020204" pitchFamily="34" charset="0"/>
-              <a:buChar char="•"/>
-            </a:pPr>
-            <a:endParaRPr lang="en-US" dirty="0"/>
-          </a:p>
         </p:txBody>
       </p:sp>
     </p:spTree>
     <p:extLst>
       <p:ext uri="{BB962C8B-B14F-4D97-AF65-F5344CB8AC3E}">
-        <p14:creationId xmlns:p14="http://schemas.microsoft.com/office/powerpoint/2010/main" val="3425933419"/>
+        <p14:creationId xmlns:p14="http://schemas.microsoft.com/office/powerpoint/2010/main" val="2441627795"/>
       </p:ext>
     </p:extLst>
   </p:cSld>
@@ -8306,8 +8091,8 @@
         </p:nvSpPr>
         <p:spPr>
           <a:xfrm>
-            <a:off x="6362330" y="5940605"/>
-            <a:ext cx="5829669" cy="365125"/>
+            <a:off x="6169980" y="5940605"/>
+            <a:ext cx="6022019" cy="365125"/>
           </a:xfrm>
         </p:spPr>
         <p:txBody>
@@ -8453,8 +8238,8 @@
         </p:nvSpPr>
         <p:spPr>
           <a:xfrm>
-            <a:off x="6096000" y="1660945"/>
-            <a:ext cx="5669280" cy="4208346"/>
+            <a:off x="6169980" y="1660945"/>
+            <a:ext cx="5595299" cy="4208346"/>
           </a:xfrm>
           <a:prstGeom prst="rect">
             <a:avLst/>
@@ -10520,6 +10305,35 @@
 </file>
 
 <file path=customXml/item1.xml><?xml version="1.0" encoding="utf-8"?>
+<p:properties xmlns:p="http://schemas.microsoft.com/office/2006/metadata/properties" xmlns:xsi="http://www.w3.org/2001/XMLSchema-instance" xmlns:pc="http://schemas.microsoft.com/office/infopath/2007/PartnerControls">
+  <documentManagement>
+    <Status xmlns="71af3243-3dd4-4a8d-8c0d-dd76da1f02a5">Not started</Status>
+    <MediaServiceKeyPoints xmlns="71af3243-3dd4-4a8d-8c0d-dd76da1f02a5" xsi:nil="true"/>
+    <_ip_UnifiedCompliancePolicyUIAction xmlns="http://schemas.microsoft.com/sharepoint/v3" xsi:nil="true"/>
+    <Image xmlns="71af3243-3dd4-4a8d-8c0d-dd76da1f02a5">
+      <Url xsi:nil="true"/>
+      <Description xsi:nil="true"/>
+    </Image>
+    <Background xmlns="71af3243-3dd4-4a8d-8c0d-dd76da1f02a5">false</Background>
+    <_ip_UnifiedCompliancePolicyProperties xmlns="http://schemas.microsoft.com/sharepoint/v3" xsi:nil="true"/>
+    <ImageTagsTaxHTField xmlns="71af3243-3dd4-4a8d-8c0d-dd76da1f02a5">
+      <Terms xmlns="http://schemas.microsoft.com/office/infopath/2007/PartnerControls"/>
+    </ImageTagsTaxHTField>
+    <TaxCatchAll xmlns="230e9df3-be65-4c73-a93b-d1236ebd677e" xsi:nil="true"/>
+  </documentManagement>
+</p:properties>
+</file>
+
+<file path=customXml/item2.xml><?xml version="1.0" encoding="utf-8"?>
+<?mso-contentType ?>
+<FormTemplates xmlns="http://schemas.microsoft.com/sharepoint/v3/contenttype/forms">
+  <Display>DocumentLibraryForm</Display>
+  <Edit>DocumentLibraryForm</Edit>
+  <New>DocumentLibraryForm</New>
+</FormTemplates>
+</file>
+
+<file path=customXml/item3.xml><?xml version="1.0" encoding="utf-8"?>
 <ct:contentTypeSchema xmlns:ct="http://schemas.microsoft.com/office/2006/metadata/contentType" xmlns:ma="http://schemas.microsoft.com/office/2006/metadata/properties/metaAttributes" ct:_="" ma:_="" ma:contentTypeName="Document" ma:contentTypeID="0x01010079F111ED35F8CC479449609E8A0923A6" ma:contentTypeVersion="28" ma:contentTypeDescription="Create a new document." ma:contentTypeScope="" ma:versionID="60f5a4f2d2b0abadcf532d48ebf9cb71">
   <xsd:schema xmlns:xsd="http://www.w3.org/2001/XMLSchema" xmlns:xs="http://www.w3.org/2001/XMLSchema" xmlns:p="http://schemas.microsoft.com/office/2006/metadata/properties" xmlns:ns1="http://schemas.microsoft.com/sharepoint/v3" xmlns:ns2="71af3243-3dd4-4a8d-8c0d-dd76da1f02a5" xmlns:ns3="16c05727-aa75-4e4a-9b5f-8a80a1165891" xmlns:ns4="230e9df3-be65-4c73-a93b-d1236ebd677e" targetNamespace="http://schemas.microsoft.com/office/2006/metadata/properties" ma:root="true" ma:fieldsID="7dd78129e6a1811f84807ad11c651531" ns1:_="" ns2:_="" ns3:_="" ns4:_="">
     <xsd:import namespace="http://schemas.microsoft.com/sharepoint/v3"/>
@@ -10831,36 +10645,27 @@
 </ct:contentTypeSchema>
 </file>
 
-<file path=customXml/item2.xml><?xml version="1.0" encoding="utf-8"?>
-<?mso-contentType ?>
-<FormTemplates xmlns="http://schemas.microsoft.com/sharepoint/v3/contenttype/forms">
-  <Display>DocumentLibraryForm</Display>
-  <Edit>DocumentLibraryForm</Edit>
-  <New>DocumentLibraryForm</New>
-</FormTemplates>
+<file path=customXml/itemProps1.xml><?xml version="1.0" encoding="utf-8"?>
+<ds:datastoreItem xmlns:ds="http://schemas.openxmlformats.org/officeDocument/2006/customXml" ds:itemID="{8002A8ED-1331-4C1D-8649-743D7BE164DD}">
+  <ds:schemaRefs>
+    <ds:schemaRef ds:uri="http://schemas.microsoft.com/office/2006/metadata/properties"/>
+    <ds:schemaRef ds:uri="http://schemas.microsoft.com/office/infopath/2007/PartnerControls"/>
+    <ds:schemaRef ds:uri="71af3243-3dd4-4a8d-8c0d-dd76da1f02a5"/>
+    <ds:schemaRef ds:uri="http://schemas.microsoft.com/sharepoint/v3"/>
+    <ds:schemaRef ds:uri="230e9df3-be65-4c73-a93b-d1236ebd677e"/>
+  </ds:schemaRefs>
+</ds:datastoreItem>
 </file>
 
-<file path=customXml/item3.xml><?xml version="1.0" encoding="utf-8"?>
-<p:properties xmlns:p="http://schemas.microsoft.com/office/2006/metadata/properties" xmlns:xsi="http://www.w3.org/2001/XMLSchema-instance" xmlns:pc="http://schemas.microsoft.com/office/infopath/2007/PartnerControls">
-  <documentManagement>
-    <Status xmlns="71af3243-3dd4-4a8d-8c0d-dd76da1f02a5">Not started</Status>
-    <MediaServiceKeyPoints xmlns="71af3243-3dd4-4a8d-8c0d-dd76da1f02a5" xsi:nil="true"/>
-    <_ip_UnifiedCompliancePolicyUIAction xmlns="http://schemas.microsoft.com/sharepoint/v3" xsi:nil="true"/>
-    <Image xmlns="71af3243-3dd4-4a8d-8c0d-dd76da1f02a5">
-      <Url xsi:nil="true"/>
-      <Description xsi:nil="true"/>
-    </Image>
-    <Background xmlns="71af3243-3dd4-4a8d-8c0d-dd76da1f02a5">false</Background>
-    <_ip_UnifiedCompliancePolicyProperties xmlns="http://schemas.microsoft.com/sharepoint/v3" xsi:nil="true"/>
-    <ImageTagsTaxHTField xmlns="71af3243-3dd4-4a8d-8c0d-dd76da1f02a5">
-      <Terms xmlns="http://schemas.microsoft.com/office/infopath/2007/PartnerControls"/>
-    </ImageTagsTaxHTField>
-    <TaxCatchAll xmlns="230e9df3-be65-4c73-a93b-d1236ebd677e" xsi:nil="true"/>
-  </documentManagement>
-</p:properties>
+<file path=customXml/itemProps2.xml><?xml version="1.0" encoding="utf-8"?>
+<ds:datastoreItem xmlns:ds="http://schemas.openxmlformats.org/officeDocument/2006/customXml" ds:itemID="{99E4EAC9-33DC-4CF0-BA31-C98F61CE4785}">
+  <ds:schemaRefs>
+    <ds:schemaRef ds:uri="http://schemas.microsoft.com/sharepoint/v3/contenttype/forms"/>
+  </ds:schemaRefs>
+</ds:datastoreItem>
 </file>
 
-<file path=customXml/itemProps1.xml><?xml version="1.0" encoding="utf-8"?>
+<file path=customXml/itemProps3.xml><?xml version="1.0" encoding="utf-8"?>
 <ds:datastoreItem xmlns:ds="http://schemas.openxmlformats.org/officeDocument/2006/customXml" ds:itemID="{A3D5DB56-3A71-4638-9571-EE877FD66E96}">
   <ds:schemaRefs>
     <ds:schemaRef ds:uri="http://schemas.microsoft.com/office/2006/metadata/contentType"/>
@@ -10881,26 +10686,6 @@
 </ds:datastoreItem>
 </file>
 
-<file path=customXml/itemProps2.xml><?xml version="1.0" encoding="utf-8"?>
-<ds:datastoreItem xmlns:ds="http://schemas.openxmlformats.org/officeDocument/2006/customXml" ds:itemID="{99E4EAC9-33DC-4CF0-BA31-C98F61CE4785}">
-  <ds:schemaRefs>
-    <ds:schemaRef ds:uri="http://schemas.microsoft.com/sharepoint/v3/contenttype/forms"/>
-  </ds:schemaRefs>
-</ds:datastoreItem>
-</file>
-
-<file path=customXml/itemProps3.xml><?xml version="1.0" encoding="utf-8"?>
-<ds:datastoreItem xmlns:ds="http://schemas.openxmlformats.org/officeDocument/2006/customXml" ds:itemID="{8002A8ED-1331-4C1D-8649-743D7BE164DD}">
-  <ds:schemaRefs>
-    <ds:schemaRef ds:uri="http://schemas.microsoft.com/office/2006/metadata/properties"/>
-    <ds:schemaRef ds:uri="http://schemas.microsoft.com/office/infopath/2007/PartnerControls"/>
-    <ds:schemaRef ds:uri="71af3243-3dd4-4a8d-8c0d-dd76da1f02a5"/>
-    <ds:schemaRef ds:uri="http://schemas.microsoft.com/sharepoint/v3"/>
-    <ds:schemaRef ds:uri="230e9df3-be65-4c73-a93b-d1236ebd677e"/>
-  </ds:schemaRefs>
-</ds:datastoreItem>
-</file>
-
 <file path=docMetadata/LabelInfo.xml><?xml version="1.0" encoding="utf-8"?>
 <clbl:labelList xmlns:clbl="http://schemas.microsoft.com/office/2020/mipLabelMetadata"/>
 </file>
--- a/Phase 1 - Presentation.pptx
+++ b/Phase 1 - Presentation.pptx
@@ -240,7 +240,7 @@
           <a:p>
             <a:fld id="{966D5B4E-BF3E-3B45-A4BA-D6C3B92870D7}" type="datetimeFigureOut">
               <a:rPr lang="en-US" smtClean="0"/>
-              <a:t>2/6/2024</a:t>
+              <a:t>2/7/2024</a:t>
             </a:fld>
             <a:endParaRPr lang="en-US" dirty="0"/>
           </a:p>
@@ -417,7 +417,7 @@
           <a:p>
             <a:fld id="{F5A8621B-8C8E-49BA-8772-41D0FE75A082}" type="datetimeFigureOut">
               <a:rPr lang="en-US" smtClean="0"/>
-              <a:t>2/6/2024</a:t>
+              <a:t>2/7/2024</a:t>
             </a:fld>
             <a:endParaRPr lang="en-US" dirty="0"/>
           </a:p>
@@ -8567,7 +8567,7 @@
           <p:nvPr>
             <p:extLst>
               <p:ext uri="{D42A27DB-BD31-4B8C-83A1-F6EECF244321}">
-                <p14:modId xmlns:p14="http://schemas.microsoft.com/office/powerpoint/2010/main" val="2187961690"/>
+                <p14:modId xmlns:p14="http://schemas.microsoft.com/office/powerpoint/2010/main" val="1607371159"/>
               </p:ext>
             </p:extLst>
           </p:nvPr>
@@ -9133,7 +9133,7 @@
                           </a:solidFill>
                           <a:cs typeface="Biome Light" panose="020B0303030204020804" pitchFamily="34" charset="0"/>
                         </a:rPr>
-                        <a:t>PROJECT DEVELOPMENT</a:t>
+                        <a:t>FRONTEND DEVELOPMENT</a:t>
                       </a:r>
                       <a:endParaRPr lang="en-US" sz="1400" dirty="0">
                         <a:solidFill>
@@ -9208,7 +9208,7 @@
                           </a:solidFill>
                           <a:cs typeface="Biome Light" panose="020B0303030204020804" pitchFamily="34" charset="0"/>
                         </a:rPr>
-                        <a:t>PROJECT</a:t>
+                        <a:t>BACKEND</a:t>
                       </a:r>
                       <a:br>
                         <a:rPr lang="en-US" sz="1600" spc="300" dirty="0">
@@ -9225,7 +9225,7 @@
                           </a:solidFill>
                           <a:cs typeface="Biome Light" panose="020B0303030204020804" pitchFamily="34" charset="0"/>
                         </a:rPr>
-                        <a:t>ADJUSTMENTS</a:t>
+                        <a:t>DEVELOPMENT</a:t>
                       </a:r>
                       <a:endParaRPr lang="en-US" sz="1400" dirty="0">
                         <a:solidFill>
@@ -9300,24 +9300,16 @@
                           </a:solidFill>
                           <a:cs typeface="Biome Light" panose="020B0303030204020804" pitchFamily="34" charset="0"/>
                         </a:rPr>
-                        <a:t>PROJECT</a:t>
+                        <a:t>TESTING  </a:t>
                       </a:r>
-                      <a:br>
-                        <a:rPr lang="en-US" sz="1600" spc="300" dirty="0">
+                      <a:r>
+                        <a:rPr lang="en-US" sz="1600" spc="300">
                           <a:solidFill>
                             <a:schemeClr val="tx1"/>
                           </a:solidFill>
                           <a:cs typeface="Biome Light" panose="020B0303030204020804" pitchFamily="34" charset="0"/>
                         </a:rPr>
-                      </a:br>
-                      <a:r>
-                        <a:rPr lang="en-US" sz="1600" spc="300" dirty="0">
-                          <a:solidFill>
-                            <a:schemeClr val="tx1"/>
-                          </a:solidFill>
-                          <a:cs typeface="Biome Light" panose="020B0303030204020804" pitchFamily="34" charset="0"/>
-                        </a:rPr>
-                        <a:t>COMPLETED</a:t>
+                        <a:t>&amp; ADJUSTMENT</a:t>
                       </a:r>
                       <a:endParaRPr lang="en-US" sz="1400" dirty="0">
                         <a:solidFill>
@@ -10305,35 +10297,6 @@
 </file>
 
 <file path=customXml/item1.xml><?xml version="1.0" encoding="utf-8"?>
-<p:properties xmlns:p="http://schemas.microsoft.com/office/2006/metadata/properties" xmlns:xsi="http://www.w3.org/2001/XMLSchema-instance" xmlns:pc="http://schemas.microsoft.com/office/infopath/2007/PartnerControls">
-  <documentManagement>
-    <Status xmlns="71af3243-3dd4-4a8d-8c0d-dd76da1f02a5">Not started</Status>
-    <MediaServiceKeyPoints xmlns="71af3243-3dd4-4a8d-8c0d-dd76da1f02a5" xsi:nil="true"/>
-    <_ip_UnifiedCompliancePolicyUIAction xmlns="http://schemas.microsoft.com/sharepoint/v3" xsi:nil="true"/>
-    <Image xmlns="71af3243-3dd4-4a8d-8c0d-dd76da1f02a5">
-      <Url xsi:nil="true"/>
-      <Description xsi:nil="true"/>
-    </Image>
-    <Background xmlns="71af3243-3dd4-4a8d-8c0d-dd76da1f02a5">false</Background>
-    <_ip_UnifiedCompliancePolicyProperties xmlns="http://schemas.microsoft.com/sharepoint/v3" xsi:nil="true"/>
-    <ImageTagsTaxHTField xmlns="71af3243-3dd4-4a8d-8c0d-dd76da1f02a5">
-      <Terms xmlns="http://schemas.microsoft.com/office/infopath/2007/PartnerControls"/>
-    </ImageTagsTaxHTField>
-    <TaxCatchAll xmlns="230e9df3-be65-4c73-a93b-d1236ebd677e" xsi:nil="true"/>
-  </documentManagement>
-</p:properties>
-</file>
-
-<file path=customXml/item2.xml><?xml version="1.0" encoding="utf-8"?>
-<?mso-contentType ?>
-<FormTemplates xmlns="http://schemas.microsoft.com/sharepoint/v3/contenttype/forms">
-  <Display>DocumentLibraryForm</Display>
-  <Edit>DocumentLibraryForm</Edit>
-  <New>DocumentLibraryForm</New>
-</FormTemplates>
-</file>
-
-<file path=customXml/item3.xml><?xml version="1.0" encoding="utf-8"?>
 <ct:contentTypeSchema xmlns:ct="http://schemas.microsoft.com/office/2006/metadata/contentType" xmlns:ma="http://schemas.microsoft.com/office/2006/metadata/properties/metaAttributes" ct:_="" ma:_="" ma:contentTypeName="Document" ma:contentTypeID="0x01010079F111ED35F8CC479449609E8A0923A6" ma:contentTypeVersion="28" ma:contentTypeDescription="Create a new document." ma:contentTypeScope="" ma:versionID="60f5a4f2d2b0abadcf532d48ebf9cb71">
   <xsd:schema xmlns:xsd="http://www.w3.org/2001/XMLSchema" xmlns:xs="http://www.w3.org/2001/XMLSchema" xmlns:p="http://schemas.microsoft.com/office/2006/metadata/properties" xmlns:ns1="http://schemas.microsoft.com/sharepoint/v3" xmlns:ns2="71af3243-3dd4-4a8d-8c0d-dd76da1f02a5" xmlns:ns3="16c05727-aa75-4e4a-9b5f-8a80a1165891" xmlns:ns4="230e9df3-be65-4c73-a93b-d1236ebd677e" targetNamespace="http://schemas.microsoft.com/office/2006/metadata/properties" ma:root="true" ma:fieldsID="7dd78129e6a1811f84807ad11c651531" ns1:_="" ns2:_="" ns3:_="" ns4:_="">
     <xsd:import namespace="http://schemas.microsoft.com/sharepoint/v3"/>
@@ -10645,27 +10608,36 @@
 </ct:contentTypeSchema>
 </file>
 
-<file path=customXml/itemProps1.xml><?xml version="1.0" encoding="utf-8"?>
-<ds:datastoreItem xmlns:ds="http://schemas.openxmlformats.org/officeDocument/2006/customXml" ds:itemID="{8002A8ED-1331-4C1D-8649-743D7BE164DD}">
-  <ds:schemaRefs>
-    <ds:schemaRef ds:uri="http://schemas.microsoft.com/office/2006/metadata/properties"/>
-    <ds:schemaRef ds:uri="http://schemas.microsoft.com/office/infopath/2007/PartnerControls"/>
-    <ds:schemaRef ds:uri="71af3243-3dd4-4a8d-8c0d-dd76da1f02a5"/>
-    <ds:schemaRef ds:uri="http://schemas.microsoft.com/sharepoint/v3"/>
-    <ds:schemaRef ds:uri="230e9df3-be65-4c73-a93b-d1236ebd677e"/>
-  </ds:schemaRefs>
-</ds:datastoreItem>
+<file path=customXml/item2.xml><?xml version="1.0" encoding="utf-8"?>
+<?mso-contentType ?>
+<FormTemplates xmlns="http://schemas.microsoft.com/sharepoint/v3/contenttype/forms">
+  <Display>DocumentLibraryForm</Display>
+  <Edit>DocumentLibraryForm</Edit>
+  <New>DocumentLibraryForm</New>
+</FormTemplates>
 </file>
 
-<file path=customXml/itemProps2.xml><?xml version="1.0" encoding="utf-8"?>
-<ds:datastoreItem xmlns:ds="http://schemas.openxmlformats.org/officeDocument/2006/customXml" ds:itemID="{99E4EAC9-33DC-4CF0-BA31-C98F61CE4785}">
-  <ds:schemaRefs>
-    <ds:schemaRef ds:uri="http://schemas.microsoft.com/sharepoint/v3/contenttype/forms"/>
-  </ds:schemaRefs>
-</ds:datastoreItem>
+<file path=customXml/item3.xml><?xml version="1.0" encoding="utf-8"?>
+<p:properties xmlns:p="http://schemas.microsoft.com/office/2006/metadata/properties" xmlns:xsi="http://www.w3.org/2001/XMLSchema-instance" xmlns:pc="http://schemas.microsoft.com/office/infopath/2007/PartnerControls">
+  <documentManagement>
+    <Status xmlns="71af3243-3dd4-4a8d-8c0d-dd76da1f02a5">Not started</Status>
+    <MediaServiceKeyPoints xmlns="71af3243-3dd4-4a8d-8c0d-dd76da1f02a5" xsi:nil="true"/>
+    <_ip_UnifiedCompliancePolicyUIAction xmlns="http://schemas.microsoft.com/sharepoint/v3" xsi:nil="true"/>
+    <Image xmlns="71af3243-3dd4-4a8d-8c0d-dd76da1f02a5">
+      <Url xsi:nil="true"/>
+      <Description xsi:nil="true"/>
+    </Image>
+    <Background xmlns="71af3243-3dd4-4a8d-8c0d-dd76da1f02a5">false</Background>
+    <_ip_UnifiedCompliancePolicyProperties xmlns="http://schemas.microsoft.com/sharepoint/v3" xsi:nil="true"/>
+    <ImageTagsTaxHTField xmlns="71af3243-3dd4-4a8d-8c0d-dd76da1f02a5">
+      <Terms xmlns="http://schemas.microsoft.com/office/infopath/2007/PartnerControls"/>
+    </ImageTagsTaxHTField>
+    <TaxCatchAll xmlns="230e9df3-be65-4c73-a93b-d1236ebd677e" xsi:nil="true"/>
+  </documentManagement>
+</p:properties>
 </file>
 
-<file path=customXml/itemProps3.xml><?xml version="1.0" encoding="utf-8"?>
+<file path=customXml/itemProps1.xml><?xml version="1.0" encoding="utf-8"?>
 <ds:datastoreItem xmlns:ds="http://schemas.openxmlformats.org/officeDocument/2006/customXml" ds:itemID="{A3D5DB56-3A71-4638-9571-EE877FD66E96}">
   <ds:schemaRefs>
     <ds:schemaRef ds:uri="http://schemas.microsoft.com/office/2006/metadata/contentType"/>
@@ -10686,6 +10658,26 @@
 </ds:datastoreItem>
 </file>
 
+<file path=customXml/itemProps2.xml><?xml version="1.0" encoding="utf-8"?>
+<ds:datastoreItem xmlns:ds="http://schemas.openxmlformats.org/officeDocument/2006/customXml" ds:itemID="{99E4EAC9-33DC-4CF0-BA31-C98F61CE4785}">
+  <ds:schemaRefs>
+    <ds:schemaRef ds:uri="http://schemas.microsoft.com/sharepoint/v3/contenttype/forms"/>
+  </ds:schemaRefs>
+</ds:datastoreItem>
+</file>
+
+<file path=customXml/itemProps3.xml><?xml version="1.0" encoding="utf-8"?>
+<ds:datastoreItem xmlns:ds="http://schemas.openxmlformats.org/officeDocument/2006/customXml" ds:itemID="{8002A8ED-1331-4C1D-8649-743D7BE164DD}">
+  <ds:schemaRefs>
+    <ds:schemaRef ds:uri="http://schemas.microsoft.com/office/2006/metadata/properties"/>
+    <ds:schemaRef ds:uri="http://schemas.microsoft.com/office/infopath/2007/PartnerControls"/>
+    <ds:schemaRef ds:uri="71af3243-3dd4-4a8d-8c0d-dd76da1f02a5"/>
+    <ds:schemaRef ds:uri="http://schemas.microsoft.com/sharepoint/v3"/>
+    <ds:schemaRef ds:uri="230e9df3-be65-4c73-a93b-d1236ebd677e"/>
+  </ds:schemaRefs>
+</ds:datastoreItem>
+</file>
+
 <file path=docMetadata/LabelInfo.xml><?xml version="1.0" encoding="utf-8"?>
 <clbl:labelList xmlns:clbl="http://schemas.microsoft.com/office/2020/mipLabelMetadata"/>
 </file>